--- a/ゼミ0713.pptx
+++ b/ゼミ0713.pptx
@@ -3858,7 +3858,12 @@
             <p:ph sz="half" idx="1"/>
           </p:nvPr>
         </p:nvSpPr>
-        <p:spPr/>
+        <p:spPr>
+          <a:xfrm>
+            <a:off x="799988" y="1553018"/>
+            <a:ext cx="5181600" cy="4351338"/>
+          </a:xfrm>
+        </p:spPr>
         <p:txBody>
           <a:bodyPr/>
           <a:lstStyle/>
@@ -3890,7 +3895,12 @@
             <p:ph sz="half" idx="2"/>
           </p:nvPr>
         </p:nvSpPr>
-        <p:spPr/>
+        <p:spPr>
+          <a:xfrm>
+            <a:off x="7603174" y="1532470"/>
+            <a:ext cx="5181600" cy="4351338"/>
+          </a:xfrm>
+        </p:spPr>
         <p:txBody>
           <a:bodyPr/>
           <a:lstStyle/>
@@ -3909,7 +3919,7 @@
             </a:r>
             <a:r>
               <a:rPr kumimoji="1" lang="en-US" altLang="ja-JP" dirty="0"/>
-              <a:t>0.1)</a:t>
+              <a:t>0.5)</a:t>
             </a:r>
             <a:endParaRPr kumimoji="1" lang="ja-JP" altLang="en-US"/>
           </a:p>
@@ -3929,7 +3939,7 @@
         </p:nvSpPr>
         <p:spPr>
           <a:xfrm>
-            <a:off x="6544640" y="5866435"/>
+            <a:off x="6172202" y="6110418"/>
             <a:ext cx="2907585" cy="369332"/>
           </a:xfrm>
           <a:prstGeom prst="rect">
@@ -3952,10 +3962,10 @@
       </p:sp>
       <p:graphicFrame>
         <p:nvGraphicFramePr>
-          <p:cNvPr id="9" name="表 8">
+          <p:cNvPr id="10" name="表 9">
             <a:extLst>
               <a:ext uri="{FF2B5EF4-FFF2-40B4-BE49-F238E27FC236}">
-                <a16:creationId xmlns:a16="http://schemas.microsoft.com/office/drawing/2014/main" id="{B990F74D-EC4F-4348-918F-D7BA80BFC01E}"/>
+                <a16:creationId xmlns:a16="http://schemas.microsoft.com/office/drawing/2014/main" id="{9C8E1A95-F45A-5D41-ABF5-DA4BF41ADF36}"/>
               </a:ext>
             </a:extLst>
           </p:cNvPr>
@@ -3965,43 +3975,43 @@
           <p:nvPr>
             <p:extLst>
               <p:ext uri="{D42A27DB-BD31-4B8C-83A1-F6EECF244321}">
-                <p14:modId xmlns:p14="http://schemas.microsoft.com/office/powerpoint/2010/main" val="2262784464"/>
+                <p14:modId xmlns:p14="http://schemas.microsoft.com/office/powerpoint/2010/main" val="4000810587"/>
               </p:ext>
             </p:extLst>
           </p:nvPr>
         </p:nvGraphicFramePr>
         <p:xfrm>
-          <a:off x="6544640" y="2311969"/>
-          <a:ext cx="3968130" cy="3378650"/>
+          <a:off x="922534" y="2202503"/>
+          <a:ext cx="2743199" cy="3466649"/>
         </p:xfrm>
         <a:graphic>
           <a:graphicData uri="http://schemas.openxmlformats.org/drawingml/2006/table">
             <a:tbl>
               <a:tblPr/>
               <a:tblGrid>
-                <a:gridCol w="1156040">
+                <a:gridCol w="390417">
                   <a:extLst>
                     <a:ext uri="{9D8B030D-6E8A-4147-A177-3AD203B41FA5}">
-                      <a16:colId xmlns:a16="http://schemas.microsoft.com/office/drawing/2014/main" val="3989076731"/>
+                      <a16:colId xmlns:a16="http://schemas.microsoft.com/office/drawing/2014/main" val="476239027"/>
                     </a:ext>
                   </a:extLst>
                 </a:gridCol>
-                <a:gridCol w="857345">
+                <a:gridCol w="1047964">
                   <a:extLst>
                     <a:ext uri="{9D8B030D-6E8A-4147-A177-3AD203B41FA5}">
-                      <a16:colId xmlns:a16="http://schemas.microsoft.com/office/drawing/2014/main" val="301129996"/>
+                      <a16:colId xmlns:a16="http://schemas.microsoft.com/office/drawing/2014/main" val="3098815093"/>
                     </a:ext>
                   </a:extLst>
                 </a:gridCol>
-                <a:gridCol w="1954745">
+                <a:gridCol w="1304818">
                   <a:extLst>
                     <a:ext uri="{9D8B030D-6E8A-4147-A177-3AD203B41FA5}">
-                      <a16:colId xmlns:a16="http://schemas.microsoft.com/office/drawing/2014/main" val="4070179544"/>
+                      <a16:colId xmlns:a16="http://schemas.microsoft.com/office/drawing/2014/main" val="2806955985"/>
                     </a:ext>
                   </a:extLst>
                 </a:gridCol>
               </a:tblGrid>
-              <a:tr h="285006">
+              <a:tr h="293373">
                 <a:tc>
                   <a:txBody>
                     <a:bodyPr/>
@@ -4130,7 +4140,7 @@
                     <a:lstStyle/>
                     <a:p>
                       <a:r>
-                        <a:rPr lang="en" sz="1100" b="1">
+                        <a:rPr lang="en" sz="1100" b="1" dirty="0">
                           <a:solidFill>
                             <a:srgbClr val="000000"/>
                           </a:solidFill>
@@ -4140,1584 +4150,7 @@
                         </a:rPr>
                         <a:t>V2</a:t>
                       </a:r>
-                      <a:endParaRPr lang="en" sz="1100">
-                        <a:effectLst/>
-                      </a:endParaRPr>
-                    </a:p>
-                  </a:txBody>
-                  <a:tcPr marL="23047" marR="23047" marT="23047" marB="23047">
-                    <a:lnL w="9525" cap="flat" cmpd="sng" algn="ctr">
-                      <a:solidFill>
-                        <a:srgbClr val="000000"/>
-                      </a:solidFill>
-                      <a:prstDash val="solid"/>
-                      <a:round/>
-                      <a:headEnd type="none" w="med" len="med"/>
-                      <a:tailEnd type="none" w="med" len="med"/>
-                    </a:lnL>
-                    <a:lnR w="9525" cap="flat" cmpd="sng" algn="ctr">
-                      <a:solidFill>
-                        <a:srgbClr val="000000"/>
-                      </a:solidFill>
-                      <a:prstDash val="solid"/>
-                      <a:round/>
-                      <a:headEnd type="none" w="med" len="med"/>
-                      <a:tailEnd type="none" w="med" len="med"/>
-                    </a:lnR>
-                    <a:lnT w="9525" cap="flat" cmpd="sng" algn="ctr">
-                      <a:solidFill>
-                        <a:srgbClr val="000000"/>
-                      </a:solidFill>
-                      <a:prstDash val="solid"/>
-                      <a:round/>
-                      <a:headEnd type="none" w="med" len="med"/>
-                      <a:tailEnd type="none" w="med" len="med"/>
-                    </a:lnT>
-                    <a:lnB w="9525" cap="flat" cmpd="sng" algn="ctr">
-                      <a:solidFill>
-                        <a:srgbClr val="000000"/>
-                      </a:solidFill>
-                      <a:prstDash val="solid"/>
-                      <a:round/>
-                      <a:headEnd type="none" w="med" len="med"/>
-                      <a:tailEnd type="none" w="med" len="med"/>
-                    </a:lnB>
-                    <a:solidFill>
-                      <a:srgbClr val="B0B3B2"/>
-                    </a:solidFill>
-                  </a:tcPr>
-                </a:tc>
-                <a:extLst>
-                  <a:ext uri="{0D108BD9-81ED-4DB2-BD59-A6C34878D82A}">
-                    <a16:rowId xmlns:a16="http://schemas.microsoft.com/office/drawing/2014/main" val="3580637020"/>
-                  </a:ext>
-                </a:extLst>
-              </a:tr>
-              <a:tr h="410285">
-                <a:tc>
-                  <a:txBody>
-                    <a:bodyPr/>
-                    <a:lstStyle/>
-                    <a:p>
-                      <a:r>
-                        <a:rPr lang="en-US" altLang="ja-JP" sz="1100" b="1">
-                          <a:solidFill>
-                            <a:srgbClr val="000000"/>
-                          </a:solidFill>
-                          <a:effectLst/>
-                          <a:latin typeface="Hiragino Kaku Gothic ProN" panose="020B0300000000000000" pitchFamily="34" charset="-128"/>
-                          <a:ea typeface="Hiragino Kaku Gothic ProN" panose="020B0300000000000000" pitchFamily="34" charset="-128"/>
-                        </a:rPr>
-                        <a:t>1</a:t>
-                      </a:r>
-                      <a:endParaRPr lang="ja-JP" altLang="en-US" sz="1100">
-                        <a:effectLst/>
-                      </a:endParaRPr>
-                    </a:p>
-                  </a:txBody>
-                  <a:tcPr marL="23047" marR="23047" marT="23047" marB="23047">
-                    <a:lnL w="9525" cap="flat" cmpd="sng" algn="ctr">
-                      <a:solidFill>
-                        <a:srgbClr val="000000"/>
-                      </a:solidFill>
-                      <a:prstDash val="solid"/>
-                      <a:round/>
-                      <a:headEnd type="none" w="med" len="med"/>
-                      <a:tailEnd type="none" w="med" len="med"/>
-                    </a:lnL>
-                    <a:lnR w="9525" cap="flat" cmpd="sng" algn="ctr">
-                      <a:solidFill>
-                        <a:srgbClr val="000000"/>
-                      </a:solidFill>
-                      <a:prstDash val="solid"/>
-                      <a:round/>
-                      <a:headEnd type="none" w="med" len="med"/>
-                      <a:tailEnd type="none" w="med" len="med"/>
-                    </a:lnR>
-                    <a:lnT w="9525" cap="flat" cmpd="sng" algn="ctr">
-                      <a:solidFill>
-                        <a:srgbClr val="000000"/>
-                      </a:solidFill>
-                      <a:prstDash val="solid"/>
-                      <a:round/>
-                      <a:headEnd type="none" w="med" len="med"/>
-                      <a:tailEnd type="none" w="med" len="med"/>
-                    </a:lnT>
-                    <a:lnB w="9525" cap="flat" cmpd="sng" algn="ctr">
-                      <a:solidFill>
-                        <a:srgbClr val="000000"/>
-                      </a:solidFill>
-                      <a:prstDash val="solid"/>
-                      <a:round/>
-                      <a:headEnd type="none" w="med" len="med"/>
-                      <a:tailEnd type="none" w="med" len="med"/>
-                    </a:lnB>
-                    <a:solidFill>
-                      <a:srgbClr val="D4D4D4"/>
-                    </a:solidFill>
-                  </a:tcPr>
-                </a:tc>
-                <a:tc>
-                  <a:txBody>
-                    <a:bodyPr/>
-                    <a:lstStyle/>
-                    <a:p>
-                      <a:r>
-                        <a:rPr lang="en" sz="1100">
-                          <a:solidFill>
-                            <a:srgbClr val="000000"/>
-                          </a:solidFill>
-                          <a:effectLst/>
-                          <a:latin typeface="Hiragino Kaku Gothic ProN" panose="020B0300000000000000" pitchFamily="34" charset="-128"/>
-                          <a:ea typeface="Hiragino Kaku Gothic ProN" panose="020B0300000000000000" pitchFamily="34" charset="-128"/>
-                        </a:rPr>
-                        <a:t>WAIC</a:t>
-                      </a:r>
-                      <a:endParaRPr lang="en" sz="1100">
-                        <a:effectLst/>
-                      </a:endParaRPr>
-                    </a:p>
-                  </a:txBody>
-                  <a:tcPr marL="23047" marR="23047" marT="23047" marB="23047">
-                    <a:lnL w="9525" cap="flat" cmpd="sng" algn="ctr">
-                      <a:solidFill>
-                        <a:srgbClr val="000000"/>
-                      </a:solidFill>
-                      <a:prstDash val="solid"/>
-                      <a:round/>
-                      <a:headEnd type="none" w="med" len="med"/>
-                      <a:tailEnd type="none" w="med" len="med"/>
-                    </a:lnL>
-                    <a:lnR w="9525" cap="flat" cmpd="sng" algn="ctr">
-                      <a:solidFill>
-                        <a:srgbClr val="000000"/>
-                      </a:solidFill>
-                      <a:prstDash val="solid"/>
-                      <a:round/>
-                      <a:headEnd type="none" w="med" len="med"/>
-                      <a:tailEnd type="none" w="med" len="med"/>
-                    </a:lnR>
-                    <a:lnT w="9525" cap="flat" cmpd="sng" algn="ctr">
-                      <a:solidFill>
-                        <a:srgbClr val="000000"/>
-                      </a:solidFill>
-                      <a:prstDash val="solid"/>
-                      <a:round/>
-                      <a:headEnd type="none" w="med" len="med"/>
-                      <a:tailEnd type="none" w="med" len="med"/>
-                    </a:lnT>
-                    <a:lnB w="9525" cap="flat" cmpd="sng" algn="ctr">
-                      <a:solidFill>
-                        <a:srgbClr val="000000"/>
-                      </a:solidFill>
-                      <a:prstDash val="solid"/>
-                      <a:round/>
-                      <a:headEnd type="none" w="med" len="med"/>
-                      <a:tailEnd type="none" w="med" len="med"/>
-                    </a:lnB>
-                  </a:tcPr>
-                </a:tc>
-                <a:tc>
-                  <a:txBody>
-                    <a:bodyPr/>
-                    <a:lstStyle/>
-                    <a:p>
-                      <a:r>
-                        <a:rPr lang="en-US" altLang="ja-JP" sz="1100">
-                          <a:solidFill>
-                            <a:srgbClr val="000000"/>
-                          </a:solidFill>
-                          <a:effectLst/>
-                          <a:latin typeface="Hiragino Kaku Gothic ProN" panose="020B0300000000000000" pitchFamily="34" charset="-128"/>
-                          <a:ea typeface="Hiragino Kaku Gothic ProN" panose="020B0300000000000000" pitchFamily="34" charset="-128"/>
-                        </a:rPr>
-                        <a:t>3106.80967896405</a:t>
-                      </a:r>
-                      <a:endParaRPr lang="ja-JP" altLang="en-US" sz="1100">
-                        <a:effectLst/>
-                      </a:endParaRPr>
-                    </a:p>
-                  </a:txBody>
-                  <a:tcPr marL="23047" marR="23047" marT="23047" marB="23047">
-                    <a:lnL w="9525" cap="flat" cmpd="sng" algn="ctr">
-                      <a:solidFill>
-                        <a:srgbClr val="000000"/>
-                      </a:solidFill>
-                      <a:prstDash val="solid"/>
-                      <a:round/>
-                      <a:headEnd type="none" w="med" len="med"/>
-                      <a:tailEnd type="none" w="med" len="med"/>
-                    </a:lnL>
-                    <a:lnR w="9525" cap="flat" cmpd="sng" algn="ctr">
-                      <a:solidFill>
-                        <a:srgbClr val="000000"/>
-                      </a:solidFill>
-                      <a:prstDash val="solid"/>
-                      <a:round/>
-                      <a:headEnd type="none" w="med" len="med"/>
-                      <a:tailEnd type="none" w="med" len="med"/>
-                    </a:lnR>
-                    <a:lnT w="9525" cap="flat" cmpd="sng" algn="ctr">
-                      <a:solidFill>
-                        <a:srgbClr val="000000"/>
-                      </a:solidFill>
-                      <a:prstDash val="solid"/>
-                      <a:round/>
-                      <a:headEnd type="none" w="med" len="med"/>
-                      <a:tailEnd type="none" w="med" len="med"/>
-                    </a:lnT>
-                    <a:lnB w="9525" cap="flat" cmpd="sng" algn="ctr">
-                      <a:solidFill>
-                        <a:srgbClr val="000000"/>
-                      </a:solidFill>
-                      <a:prstDash val="solid"/>
-                      <a:round/>
-                      <a:headEnd type="none" w="med" len="med"/>
-                      <a:tailEnd type="none" w="med" len="med"/>
-                    </a:lnB>
-                  </a:tcPr>
-                </a:tc>
-                <a:extLst>
-                  <a:ext uri="{0D108BD9-81ED-4DB2-BD59-A6C34878D82A}">
-                    <a16:rowId xmlns:a16="http://schemas.microsoft.com/office/drawing/2014/main" val="4033829474"/>
-                  </a:ext>
-                </a:extLst>
-              </a:tr>
-              <a:tr h="410285">
-                <a:tc>
-                  <a:txBody>
-                    <a:bodyPr/>
-                    <a:lstStyle/>
-                    <a:p>
-                      <a:r>
-                        <a:rPr lang="en-US" altLang="ja-JP" sz="1100" b="1">
-                          <a:solidFill>
-                            <a:srgbClr val="000000"/>
-                          </a:solidFill>
-                          <a:effectLst/>
-                          <a:latin typeface="Hiragino Kaku Gothic ProN" panose="020B0300000000000000" pitchFamily="34" charset="-128"/>
-                          <a:ea typeface="Hiragino Kaku Gothic ProN" panose="020B0300000000000000" pitchFamily="34" charset="-128"/>
-                        </a:rPr>
-                        <a:t>2</a:t>
-                      </a:r>
-                      <a:endParaRPr lang="ja-JP" altLang="en-US" sz="1100">
-                        <a:effectLst/>
-                      </a:endParaRPr>
-                    </a:p>
-                  </a:txBody>
-                  <a:tcPr marL="23047" marR="23047" marT="23047" marB="23047">
-                    <a:lnL w="9525" cap="flat" cmpd="sng" algn="ctr">
-                      <a:solidFill>
-                        <a:srgbClr val="000000"/>
-                      </a:solidFill>
-                      <a:prstDash val="solid"/>
-                      <a:round/>
-                      <a:headEnd type="none" w="med" len="med"/>
-                      <a:tailEnd type="none" w="med" len="med"/>
-                    </a:lnL>
-                    <a:lnR w="9525" cap="flat" cmpd="sng" algn="ctr">
-                      <a:solidFill>
-                        <a:srgbClr val="000000"/>
-                      </a:solidFill>
-                      <a:prstDash val="solid"/>
-                      <a:round/>
-                      <a:headEnd type="none" w="med" len="med"/>
-                      <a:tailEnd type="none" w="med" len="med"/>
-                    </a:lnR>
-                    <a:lnT w="9525" cap="flat" cmpd="sng" algn="ctr">
-                      <a:solidFill>
-                        <a:srgbClr val="000000"/>
-                      </a:solidFill>
-                      <a:prstDash val="solid"/>
-                      <a:round/>
-                      <a:headEnd type="none" w="med" len="med"/>
-                      <a:tailEnd type="none" w="med" len="med"/>
-                    </a:lnT>
-                    <a:lnB w="9525" cap="flat" cmpd="sng" algn="ctr">
-                      <a:solidFill>
-                        <a:srgbClr val="000000"/>
-                      </a:solidFill>
-                      <a:prstDash val="solid"/>
-                      <a:round/>
-                      <a:headEnd type="none" w="med" len="med"/>
-                      <a:tailEnd type="none" w="med" len="med"/>
-                    </a:lnB>
-                    <a:solidFill>
-                      <a:srgbClr val="D4D4D4"/>
-                    </a:solidFill>
-                  </a:tcPr>
-                </a:tc>
-                <a:tc>
-                  <a:txBody>
-                    <a:bodyPr/>
-                    <a:lstStyle/>
-                    <a:p>
-                      <a:r>
-                        <a:rPr lang="en" sz="1100">
-                          <a:solidFill>
-                            <a:srgbClr val="000000"/>
-                          </a:solidFill>
-                          <a:effectLst/>
-                          <a:latin typeface="Hiragino Kaku Gothic ProN" panose="020B0300000000000000" pitchFamily="34" charset="-128"/>
-                          <a:ea typeface="Hiragino Kaku Gothic ProN" panose="020B0300000000000000" pitchFamily="34" charset="-128"/>
-                        </a:rPr>
-                        <a:t>ML</a:t>
-                      </a:r>
-                      <a:endParaRPr lang="en" sz="1100">
-                        <a:effectLst/>
-                      </a:endParaRPr>
-                    </a:p>
-                  </a:txBody>
-                  <a:tcPr marL="23047" marR="23047" marT="23047" marB="23047">
-                    <a:lnL w="9525" cap="flat" cmpd="sng" algn="ctr">
-                      <a:solidFill>
-                        <a:srgbClr val="000000"/>
-                      </a:solidFill>
-                      <a:prstDash val="solid"/>
-                      <a:round/>
-                      <a:headEnd type="none" w="med" len="med"/>
-                      <a:tailEnd type="none" w="med" len="med"/>
-                    </a:lnL>
-                    <a:lnR w="9525" cap="flat" cmpd="sng" algn="ctr">
-                      <a:solidFill>
-                        <a:srgbClr val="000000"/>
-                      </a:solidFill>
-                      <a:prstDash val="solid"/>
-                      <a:round/>
-                      <a:headEnd type="none" w="med" len="med"/>
-                      <a:tailEnd type="none" w="med" len="med"/>
-                    </a:lnR>
-                    <a:lnT w="9525" cap="flat" cmpd="sng" algn="ctr">
-                      <a:solidFill>
-                        <a:srgbClr val="000000"/>
-                      </a:solidFill>
-                      <a:prstDash val="solid"/>
-                      <a:round/>
-                      <a:headEnd type="none" w="med" len="med"/>
-                      <a:tailEnd type="none" w="med" len="med"/>
-                    </a:lnT>
-                    <a:lnB w="9525" cap="flat" cmpd="sng" algn="ctr">
-                      <a:solidFill>
-                        <a:srgbClr val="000000"/>
-                      </a:solidFill>
-                      <a:prstDash val="solid"/>
-                      <a:round/>
-                      <a:headEnd type="none" w="med" len="med"/>
-                      <a:tailEnd type="none" w="med" len="med"/>
-                    </a:lnB>
-                  </a:tcPr>
-                </a:tc>
-                <a:tc>
-                  <a:txBody>
-                    <a:bodyPr/>
-                    <a:lstStyle/>
-                    <a:p>
-                      <a:r>
-                        <a:rPr lang="en-US" altLang="ja-JP" sz="1100">
-                          <a:solidFill>
-                            <a:srgbClr val="000000"/>
-                          </a:solidFill>
-                          <a:effectLst/>
-                          <a:latin typeface="Hiragino Kaku Gothic ProN" panose="020B0300000000000000" pitchFamily="34" charset="-128"/>
-                          <a:ea typeface="Hiragino Kaku Gothic ProN" panose="020B0300000000000000" pitchFamily="34" charset="-128"/>
-                        </a:rPr>
-                        <a:t>3037.09423043069</a:t>
-                      </a:r>
-                      <a:endParaRPr lang="ja-JP" altLang="en-US" sz="1100">
-                        <a:effectLst/>
-                      </a:endParaRPr>
-                    </a:p>
-                  </a:txBody>
-                  <a:tcPr marL="23047" marR="23047" marT="23047" marB="23047">
-                    <a:lnL w="9525" cap="flat" cmpd="sng" algn="ctr">
-                      <a:solidFill>
-                        <a:srgbClr val="000000"/>
-                      </a:solidFill>
-                      <a:prstDash val="solid"/>
-                      <a:round/>
-                      <a:headEnd type="none" w="med" len="med"/>
-                      <a:tailEnd type="none" w="med" len="med"/>
-                    </a:lnL>
-                    <a:lnR w="9525" cap="flat" cmpd="sng" algn="ctr">
-                      <a:solidFill>
-                        <a:srgbClr val="000000"/>
-                      </a:solidFill>
-                      <a:prstDash val="solid"/>
-                      <a:round/>
-                      <a:headEnd type="none" w="med" len="med"/>
-                      <a:tailEnd type="none" w="med" len="med"/>
-                    </a:lnR>
-                    <a:lnT w="9525" cap="flat" cmpd="sng" algn="ctr">
-                      <a:solidFill>
-                        <a:srgbClr val="000000"/>
-                      </a:solidFill>
-                      <a:prstDash val="solid"/>
-                      <a:round/>
-                      <a:headEnd type="none" w="med" len="med"/>
-                      <a:tailEnd type="none" w="med" len="med"/>
-                    </a:lnT>
-                    <a:lnB w="9525" cap="flat" cmpd="sng" algn="ctr">
-                      <a:solidFill>
-                        <a:srgbClr val="000000"/>
-                      </a:solidFill>
-                      <a:prstDash val="solid"/>
-                      <a:round/>
-                      <a:headEnd type="none" w="med" len="med"/>
-                      <a:tailEnd type="none" w="med" len="med"/>
-                    </a:lnB>
-                  </a:tcPr>
-                </a:tc>
-                <a:extLst>
-                  <a:ext uri="{0D108BD9-81ED-4DB2-BD59-A6C34878D82A}">
-                    <a16:rowId xmlns:a16="http://schemas.microsoft.com/office/drawing/2014/main" val="166387782"/>
-                  </a:ext>
-                </a:extLst>
-              </a:tr>
-              <a:tr h="285006">
-                <a:tc>
-                  <a:txBody>
-                    <a:bodyPr/>
-                    <a:lstStyle/>
-                    <a:p>
-                      <a:r>
-                        <a:rPr lang="en-US" altLang="ja-JP" sz="1100" b="1">
-                          <a:solidFill>
-                            <a:srgbClr val="000000"/>
-                          </a:solidFill>
-                          <a:effectLst/>
-                          <a:latin typeface="Hiragino Kaku Gothic ProN" panose="020B0300000000000000" pitchFamily="34" charset="-128"/>
-                          <a:ea typeface="Hiragino Kaku Gothic ProN" panose="020B0300000000000000" pitchFamily="34" charset="-128"/>
-                        </a:rPr>
-                        <a:t>3</a:t>
-                      </a:r>
-                      <a:endParaRPr lang="ja-JP" altLang="en-US" sz="1100">
-                        <a:effectLst/>
-                      </a:endParaRPr>
-                    </a:p>
-                  </a:txBody>
-                  <a:tcPr marL="23047" marR="23047" marT="23047" marB="23047">
-                    <a:lnL w="9525" cap="flat" cmpd="sng" algn="ctr">
-                      <a:solidFill>
-                        <a:srgbClr val="000000"/>
-                      </a:solidFill>
-                      <a:prstDash val="solid"/>
-                      <a:round/>
-                      <a:headEnd type="none" w="med" len="med"/>
-                      <a:tailEnd type="none" w="med" len="med"/>
-                    </a:lnL>
-                    <a:lnR w="9525" cap="flat" cmpd="sng" algn="ctr">
-                      <a:solidFill>
-                        <a:srgbClr val="000000"/>
-                      </a:solidFill>
-                      <a:prstDash val="solid"/>
-                      <a:round/>
-                      <a:headEnd type="none" w="med" len="med"/>
-                      <a:tailEnd type="none" w="med" len="med"/>
-                    </a:lnR>
-                    <a:lnT w="9525" cap="flat" cmpd="sng" algn="ctr">
-                      <a:solidFill>
-                        <a:srgbClr val="000000"/>
-                      </a:solidFill>
-                      <a:prstDash val="solid"/>
-                      <a:round/>
-                      <a:headEnd type="none" w="med" len="med"/>
-                      <a:tailEnd type="none" w="med" len="med"/>
-                    </a:lnT>
-                    <a:lnB w="9525" cap="flat" cmpd="sng" algn="ctr">
-                      <a:solidFill>
-                        <a:srgbClr val="000000"/>
-                      </a:solidFill>
-                      <a:prstDash val="solid"/>
-                      <a:round/>
-                      <a:headEnd type="none" w="med" len="med"/>
-                      <a:tailEnd type="none" w="med" len="med"/>
-                    </a:lnB>
-                    <a:solidFill>
-                      <a:srgbClr val="D4D4D4"/>
-                    </a:solidFill>
-                  </a:tcPr>
-                </a:tc>
-                <a:tc>
-                  <a:txBody>
-                    <a:bodyPr/>
-                    <a:lstStyle/>
-                    <a:p>
-                      <a:r>
-                        <a:rPr lang="en" sz="1100">
-                          <a:solidFill>
-                            <a:srgbClr val="000000"/>
-                          </a:solidFill>
-                          <a:effectLst/>
-                          <a:latin typeface="Hiragino Kaku Gothic ProN" panose="020B0300000000000000" pitchFamily="34" charset="-128"/>
-                          <a:ea typeface="Hiragino Kaku Gothic ProN" panose="020B0300000000000000" pitchFamily="34" charset="-128"/>
-                        </a:rPr>
-                        <a:t>AIC</a:t>
-                      </a:r>
-                      <a:endParaRPr lang="en" sz="1100">
-                        <a:effectLst/>
-                      </a:endParaRPr>
-                    </a:p>
-                  </a:txBody>
-                  <a:tcPr marL="23047" marR="23047" marT="23047" marB="23047">
-                    <a:lnL w="9525" cap="flat" cmpd="sng" algn="ctr">
-                      <a:solidFill>
-                        <a:srgbClr val="000000"/>
-                      </a:solidFill>
-                      <a:prstDash val="solid"/>
-                      <a:round/>
-                      <a:headEnd type="none" w="med" len="med"/>
-                      <a:tailEnd type="none" w="med" len="med"/>
-                    </a:lnL>
-                    <a:lnR w="9525" cap="flat" cmpd="sng" algn="ctr">
-                      <a:solidFill>
-                        <a:srgbClr val="000000"/>
-                      </a:solidFill>
-                      <a:prstDash val="solid"/>
-                      <a:round/>
-                      <a:headEnd type="none" w="med" len="med"/>
-                      <a:tailEnd type="none" w="med" len="med"/>
-                    </a:lnR>
-                    <a:lnT w="9525" cap="flat" cmpd="sng" algn="ctr">
-                      <a:solidFill>
-                        <a:srgbClr val="000000"/>
-                      </a:solidFill>
-                      <a:prstDash val="solid"/>
-                      <a:round/>
-                      <a:headEnd type="none" w="med" len="med"/>
-                      <a:tailEnd type="none" w="med" len="med"/>
-                    </a:lnT>
-                    <a:lnB w="9525" cap="flat" cmpd="sng" algn="ctr">
-                      <a:solidFill>
-                        <a:srgbClr val="000000"/>
-                      </a:solidFill>
-                      <a:prstDash val="solid"/>
-                      <a:round/>
-                      <a:headEnd type="none" w="med" len="med"/>
-                      <a:tailEnd type="none" w="med" len="med"/>
-                    </a:lnB>
-                  </a:tcPr>
-                </a:tc>
-                <a:tc>
-                  <a:txBody>
-                    <a:bodyPr/>
-                    <a:lstStyle/>
-                    <a:p>
-                      <a:r>
-                        <a:rPr lang="en" sz="1100">
-                          <a:solidFill>
-                            <a:srgbClr val="000000"/>
-                          </a:solidFill>
-                          <a:effectLst/>
-                          <a:latin typeface="Hiragino Kaku Gothic ProN" panose="020B0300000000000000" pitchFamily="34" charset="-128"/>
-                          <a:ea typeface="Hiragino Kaku Gothic ProN" panose="020B0300000000000000" pitchFamily="34" charset="-128"/>
-                        </a:rPr>
-                        <a:t>BIC</a:t>
-                      </a:r>
-                      <a:endParaRPr lang="en" sz="1100">
-                        <a:effectLst/>
-                      </a:endParaRPr>
-                    </a:p>
-                  </a:txBody>
-                  <a:tcPr marL="23047" marR="23047" marT="23047" marB="23047">
-                    <a:lnL w="9525" cap="flat" cmpd="sng" algn="ctr">
-                      <a:solidFill>
-                        <a:srgbClr val="000000"/>
-                      </a:solidFill>
-                      <a:prstDash val="solid"/>
-                      <a:round/>
-                      <a:headEnd type="none" w="med" len="med"/>
-                      <a:tailEnd type="none" w="med" len="med"/>
-                    </a:lnL>
-                    <a:lnR w="9525" cap="flat" cmpd="sng" algn="ctr">
-                      <a:solidFill>
-                        <a:srgbClr val="000000"/>
-                      </a:solidFill>
-                      <a:prstDash val="solid"/>
-                      <a:round/>
-                      <a:headEnd type="none" w="med" len="med"/>
-                      <a:tailEnd type="none" w="med" len="med"/>
-                    </a:lnR>
-                    <a:lnT w="9525" cap="flat" cmpd="sng" algn="ctr">
-                      <a:solidFill>
-                        <a:srgbClr val="000000"/>
-                      </a:solidFill>
-                      <a:prstDash val="solid"/>
-                      <a:round/>
-                      <a:headEnd type="none" w="med" len="med"/>
-                      <a:tailEnd type="none" w="med" len="med"/>
-                    </a:lnT>
-                    <a:lnB w="9525" cap="flat" cmpd="sng" algn="ctr">
-                      <a:solidFill>
-                        <a:srgbClr val="000000"/>
-                      </a:solidFill>
-                      <a:prstDash val="solid"/>
-                      <a:round/>
-                      <a:headEnd type="none" w="med" len="med"/>
-                      <a:tailEnd type="none" w="med" len="med"/>
-                    </a:lnB>
-                  </a:tcPr>
-                </a:tc>
-                <a:extLst>
-                  <a:ext uri="{0D108BD9-81ED-4DB2-BD59-A6C34878D82A}">
-                    <a16:rowId xmlns:a16="http://schemas.microsoft.com/office/drawing/2014/main" val="749731065"/>
-                  </a:ext>
-                </a:extLst>
-              </a:tr>
-              <a:tr h="535565">
-                <a:tc>
-                  <a:txBody>
-                    <a:bodyPr/>
-                    <a:lstStyle/>
-                    <a:p>
-                      <a:r>
-                        <a:rPr lang="en-US" altLang="ja-JP" sz="1100" b="1">
-                          <a:solidFill>
-                            <a:srgbClr val="000000"/>
-                          </a:solidFill>
-                          <a:effectLst/>
-                          <a:latin typeface="Hiragino Kaku Gothic ProN" panose="020B0300000000000000" pitchFamily="34" charset="-128"/>
-                          <a:ea typeface="Hiragino Kaku Gothic ProN" panose="020B0300000000000000" pitchFamily="34" charset="-128"/>
-                        </a:rPr>
-                        <a:t>4</a:t>
-                      </a:r>
-                      <a:endParaRPr lang="ja-JP" altLang="en-US" sz="1100">
-                        <a:effectLst/>
-                      </a:endParaRPr>
-                    </a:p>
-                  </a:txBody>
-                  <a:tcPr marL="23047" marR="23047" marT="23047" marB="23047">
-                    <a:lnL w="9525" cap="flat" cmpd="sng" algn="ctr">
-                      <a:solidFill>
-                        <a:srgbClr val="000000"/>
-                      </a:solidFill>
-                      <a:prstDash val="solid"/>
-                      <a:round/>
-                      <a:headEnd type="none" w="med" len="med"/>
-                      <a:tailEnd type="none" w="med" len="med"/>
-                    </a:lnL>
-                    <a:lnR w="9525" cap="flat" cmpd="sng" algn="ctr">
-                      <a:solidFill>
-                        <a:srgbClr val="000000"/>
-                      </a:solidFill>
-                      <a:prstDash val="solid"/>
-                      <a:round/>
-                      <a:headEnd type="none" w="med" len="med"/>
-                      <a:tailEnd type="none" w="med" len="med"/>
-                    </a:lnR>
-                    <a:lnT w="9525" cap="flat" cmpd="sng" algn="ctr">
-                      <a:solidFill>
-                        <a:srgbClr val="000000"/>
-                      </a:solidFill>
-                      <a:prstDash val="solid"/>
-                      <a:round/>
-                      <a:headEnd type="none" w="med" len="med"/>
-                      <a:tailEnd type="none" w="med" len="med"/>
-                    </a:lnT>
-                    <a:lnB w="9525" cap="flat" cmpd="sng" algn="ctr">
-                      <a:solidFill>
-                        <a:srgbClr val="000000"/>
-                      </a:solidFill>
-                      <a:prstDash val="solid"/>
-                      <a:round/>
-                      <a:headEnd type="none" w="med" len="med"/>
-                      <a:tailEnd type="none" w="med" len="med"/>
-                    </a:lnB>
-                    <a:solidFill>
-                      <a:srgbClr val="D4D4D4"/>
-                    </a:solidFill>
-                  </a:tcPr>
-                </a:tc>
-                <a:tc>
-                  <a:txBody>
-                    <a:bodyPr/>
-                    <a:lstStyle/>
-                    <a:p>
-                      <a:r>
-                        <a:rPr lang="en" sz="1100">
-                          <a:solidFill>
-                            <a:srgbClr val="000000"/>
-                          </a:solidFill>
-                          <a:effectLst/>
-                          <a:latin typeface="Hiragino Kaku Gothic ProN" panose="020B0300000000000000" pitchFamily="34" charset="-128"/>
-                          <a:ea typeface="Hiragino Kaku Gothic ProN" panose="020B0300000000000000" pitchFamily="34" charset="-128"/>
-                        </a:rPr>
-                        <a:t>RhatMax</a:t>
-                      </a:r>
-                      <a:endParaRPr lang="en" sz="1100">
-                        <a:effectLst/>
-                      </a:endParaRPr>
-                    </a:p>
-                  </a:txBody>
-                  <a:tcPr marL="23047" marR="23047" marT="23047" marB="23047">
-                    <a:lnL w="9525" cap="flat" cmpd="sng" algn="ctr">
-                      <a:solidFill>
-                        <a:srgbClr val="000000"/>
-                      </a:solidFill>
-                      <a:prstDash val="solid"/>
-                      <a:round/>
-                      <a:headEnd type="none" w="med" len="med"/>
-                      <a:tailEnd type="none" w="med" len="med"/>
-                    </a:lnL>
-                    <a:lnR w="9525" cap="flat" cmpd="sng" algn="ctr">
-                      <a:solidFill>
-                        <a:srgbClr val="000000"/>
-                      </a:solidFill>
-                      <a:prstDash val="solid"/>
-                      <a:round/>
-                      <a:headEnd type="none" w="med" len="med"/>
-                      <a:tailEnd type="none" w="med" len="med"/>
-                    </a:lnR>
-                    <a:lnT w="9525" cap="flat" cmpd="sng" algn="ctr">
-                      <a:solidFill>
-                        <a:srgbClr val="000000"/>
-                      </a:solidFill>
-                      <a:prstDash val="solid"/>
-                      <a:round/>
-                      <a:headEnd type="none" w="med" len="med"/>
-                      <a:tailEnd type="none" w="med" len="med"/>
-                    </a:lnT>
-                    <a:lnB w="9525" cap="flat" cmpd="sng" algn="ctr">
-                      <a:solidFill>
-                        <a:srgbClr val="000000"/>
-                      </a:solidFill>
-                      <a:prstDash val="solid"/>
-                      <a:round/>
-                      <a:headEnd type="none" w="med" len="med"/>
-                      <a:tailEnd type="none" w="med" len="med"/>
-                    </a:lnB>
-                  </a:tcPr>
-                </a:tc>
-                <a:tc>
-                  <a:txBody>
-                    <a:bodyPr/>
-                    <a:lstStyle/>
-                    <a:p>
-                      <a:r>
-                        <a:rPr lang="en-US" altLang="ja-JP" sz="1100">
-                          <a:solidFill>
-                            <a:srgbClr val="000000"/>
-                          </a:solidFill>
-                          <a:effectLst/>
-                          <a:latin typeface="Hiragino Kaku Gothic ProN" panose="020B0300000000000000" pitchFamily="34" charset="-128"/>
-                          <a:ea typeface="Hiragino Kaku Gothic ProN" panose="020B0300000000000000" pitchFamily="34" charset="-128"/>
-                        </a:rPr>
-                        <a:t>1.00676705881687</a:t>
-                      </a:r>
-                      <a:endParaRPr lang="ja-JP" altLang="en-US" sz="1100">
-                        <a:effectLst/>
-                      </a:endParaRPr>
-                    </a:p>
-                  </a:txBody>
-                  <a:tcPr marL="23047" marR="23047" marT="23047" marB="23047">
-                    <a:lnL w="9525" cap="flat" cmpd="sng" algn="ctr">
-                      <a:solidFill>
-                        <a:srgbClr val="000000"/>
-                      </a:solidFill>
-                      <a:prstDash val="solid"/>
-                      <a:round/>
-                      <a:headEnd type="none" w="med" len="med"/>
-                      <a:tailEnd type="none" w="med" len="med"/>
-                    </a:lnL>
-                    <a:lnR w="9525" cap="flat" cmpd="sng" algn="ctr">
-                      <a:solidFill>
-                        <a:srgbClr val="000000"/>
-                      </a:solidFill>
-                      <a:prstDash val="solid"/>
-                      <a:round/>
-                      <a:headEnd type="none" w="med" len="med"/>
-                      <a:tailEnd type="none" w="med" len="med"/>
-                    </a:lnR>
-                    <a:lnT w="9525" cap="flat" cmpd="sng" algn="ctr">
-                      <a:solidFill>
-                        <a:srgbClr val="000000"/>
-                      </a:solidFill>
-                      <a:prstDash val="solid"/>
-                      <a:round/>
-                      <a:headEnd type="none" w="med" len="med"/>
-                      <a:tailEnd type="none" w="med" len="med"/>
-                    </a:lnT>
-                    <a:lnB w="9525" cap="flat" cmpd="sng" algn="ctr">
-                      <a:solidFill>
-                        <a:srgbClr val="000000"/>
-                      </a:solidFill>
-                      <a:prstDash val="solid"/>
-                      <a:round/>
-                      <a:headEnd type="none" w="med" len="med"/>
-                      <a:tailEnd type="none" w="med" len="med"/>
-                    </a:lnB>
-                  </a:tcPr>
-                </a:tc>
-                <a:extLst>
-                  <a:ext uri="{0D108BD9-81ED-4DB2-BD59-A6C34878D82A}">
-                    <a16:rowId xmlns:a16="http://schemas.microsoft.com/office/drawing/2014/main" val="1839588597"/>
-                  </a:ext>
-                </a:extLst>
-              </a:tr>
-              <a:tr h="535565">
-                <a:tc>
-                  <a:txBody>
-                    <a:bodyPr/>
-                    <a:lstStyle/>
-                    <a:p>
-                      <a:r>
-                        <a:rPr lang="en-US" altLang="ja-JP" sz="1100" b="1">
-                          <a:solidFill>
-                            <a:srgbClr val="000000"/>
-                          </a:solidFill>
-                          <a:effectLst/>
-                          <a:latin typeface="Hiragino Kaku Gothic ProN" panose="020B0300000000000000" pitchFamily="34" charset="-128"/>
-                          <a:ea typeface="Hiragino Kaku Gothic ProN" panose="020B0300000000000000" pitchFamily="34" charset="-128"/>
-                        </a:rPr>
-                        <a:t>5</a:t>
-                      </a:r>
-                      <a:endParaRPr lang="ja-JP" altLang="en-US" sz="1100">
-                        <a:effectLst/>
-                      </a:endParaRPr>
-                    </a:p>
-                  </a:txBody>
-                  <a:tcPr marL="23047" marR="23047" marT="23047" marB="23047">
-                    <a:lnL w="9525" cap="flat" cmpd="sng" algn="ctr">
-                      <a:solidFill>
-                        <a:srgbClr val="000000"/>
-                      </a:solidFill>
-                      <a:prstDash val="solid"/>
-                      <a:round/>
-                      <a:headEnd type="none" w="med" len="med"/>
-                      <a:tailEnd type="none" w="med" len="med"/>
-                    </a:lnL>
-                    <a:lnR w="9525" cap="flat" cmpd="sng" algn="ctr">
-                      <a:solidFill>
-                        <a:srgbClr val="000000"/>
-                      </a:solidFill>
-                      <a:prstDash val="solid"/>
-                      <a:round/>
-                      <a:headEnd type="none" w="med" len="med"/>
-                      <a:tailEnd type="none" w="med" len="med"/>
-                    </a:lnR>
-                    <a:lnT w="9525" cap="flat" cmpd="sng" algn="ctr">
-                      <a:solidFill>
-                        <a:srgbClr val="000000"/>
-                      </a:solidFill>
-                      <a:prstDash val="solid"/>
-                      <a:round/>
-                      <a:headEnd type="none" w="med" len="med"/>
-                      <a:tailEnd type="none" w="med" len="med"/>
-                    </a:lnT>
-                    <a:lnB w="9525" cap="flat" cmpd="sng" algn="ctr">
-                      <a:solidFill>
-                        <a:srgbClr val="000000"/>
-                      </a:solidFill>
-                      <a:prstDash val="solid"/>
-                      <a:round/>
-                      <a:headEnd type="none" w="med" len="med"/>
-                      <a:tailEnd type="none" w="med" len="med"/>
-                    </a:lnB>
-                    <a:solidFill>
-                      <a:srgbClr val="D4D4D4"/>
-                    </a:solidFill>
-                  </a:tcPr>
-                </a:tc>
-                <a:tc>
-                  <a:txBody>
-                    <a:bodyPr/>
-                    <a:lstStyle/>
-                    <a:p>
-                      <a:r>
-                        <a:rPr lang="en" sz="1100">
-                          <a:solidFill>
-                            <a:srgbClr val="000000"/>
-                          </a:solidFill>
-                          <a:effectLst/>
-                          <a:latin typeface="Hiragino Kaku Gothic ProN" panose="020B0300000000000000" pitchFamily="34" charset="-128"/>
-                          <a:ea typeface="Hiragino Kaku Gothic ProN" panose="020B0300000000000000" pitchFamily="34" charset="-128"/>
-                        </a:rPr>
-                        <a:t>RhatMean</a:t>
-                      </a:r>
-                      <a:endParaRPr lang="en" sz="1100">
-                        <a:effectLst/>
-                      </a:endParaRPr>
-                    </a:p>
-                  </a:txBody>
-                  <a:tcPr marL="23047" marR="23047" marT="23047" marB="23047">
-                    <a:lnL w="9525" cap="flat" cmpd="sng" algn="ctr">
-                      <a:solidFill>
-                        <a:srgbClr val="000000"/>
-                      </a:solidFill>
-                      <a:prstDash val="solid"/>
-                      <a:round/>
-                      <a:headEnd type="none" w="med" len="med"/>
-                      <a:tailEnd type="none" w="med" len="med"/>
-                    </a:lnL>
-                    <a:lnR w="9525" cap="flat" cmpd="sng" algn="ctr">
-                      <a:solidFill>
-                        <a:srgbClr val="000000"/>
-                      </a:solidFill>
-                      <a:prstDash val="solid"/>
-                      <a:round/>
-                      <a:headEnd type="none" w="med" len="med"/>
-                      <a:tailEnd type="none" w="med" len="med"/>
-                    </a:lnR>
-                    <a:lnT w="9525" cap="flat" cmpd="sng" algn="ctr">
-                      <a:solidFill>
-                        <a:srgbClr val="000000"/>
-                      </a:solidFill>
-                      <a:prstDash val="solid"/>
-                      <a:round/>
-                      <a:headEnd type="none" w="med" len="med"/>
-                      <a:tailEnd type="none" w="med" len="med"/>
-                    </a:lnT>
-                    <a:lnB w="9525" cap="flat" cmpd="sng" algn="ctr">
-                      <a:solidFill>
-                        <a:srgbClr val="000000"/>
-                      </a:solidFill>
-                      <a:prstDash val="solid"/>
-                      <a:round/>
-                      <a:headEnd type="none" w="med" len="med"/>
-                      <a:tailEnd type="none" w="med" len="med"/>
-                    </a:lnB>
-                  </a:tcPr>
-                </a:tc>
-                <a:tc>
-                  <a:txBody>
-                    <a:bodyPr/>
-                    <a:lstStyle/>
-                    <a:p>
-                      <a:r>
-                        <a:rPr lang="en-US" altLang="ja-JP" sz="1100">
-                          <a:solidFill>
-                            <a:srgbClr val="000000"/>
-                          </a:solidFill>
-                          <a:effectLst/>
-                          <a:latin typeface="Hiragino Kaku Gothic ProN" panose="020B0300000000000000" pitchFamily="34" charset="-128"/>
-                          <a:ea typeface="Hiragino Kaku Gothic ProN" panose="020B0300000000000000" pitchFamily="34" charset="-128"/>
-                        </a:rPr>
-                        <a:t>1.00035712322481</a:t>
-                      </a:r>
-                      <a:endParaRPr lang="ja-JP" altLang="en-US" sz="1100">
-                        <a:effectLst/>
-                      </a:endParaRPr>
-                    </a:p>
-                  </a:txBody>
-                  <a:tcPr marL="23047" marR="23047" marT="23047" marB="23047">
-                    <a:lnL w="9525" cap="flat" cmpd="sng" algn="ctr">
-                      <a:solidFill>
-                        <a:srgbClr val="000000"/>
-                      </a:solidFill>
-                      <a:prstDash val="solid"/>
-                      <a:round/>
-                      <a:headEnd type="none" w="med" len="med"/>
-                      <a:tailEnd type="none" w="med" len="med"/>
-                    </a:lnL>
-                    <a:lnR w="9525" cap="flat" cmpd="sng" algn="ctr">
-                      <a:solidFill>
-                        <a:srgbClr val="000000"/>
-                      </a:solidFill>
-                      <a:prstDash val="solid"/>
-                      <a:round/>
-                      <a:headEnd type="none" w="med" len="med"/>
-                      <a:tailEnd type="none" w="med" len="med"/>
-                    </a:lnR>
-                    <a:lnT w="9525" cap="flat" cmpd="sng" algn="ctr">
-                      <a:solidFill>
-                        <a:srgbClr val="000000"/>
-                      </a:solidFill>
-                      <a:prstDash val="solid"/>
-                      <a:round/>
-                      <a:headEnd type="none" w="med" len="med"/>
-                      <a:tailEnd type="none" w="med" len="med"/>
-                    </a:lnT>
-                    <a:lnB w="9525" cap="flat" cmpd="sng" algn="ctr">
-                      <a:solidFill>
-                        <a:srgbClr val="000000"/>
-                      </a:solidFill>
-                      <a:prstDash val="solid"/>
-                      <a:round/>
-                      <a:headEnd type="none" w="med" len="med"/>
-                      <a:tailEnd type="none" w="med" len="med"/>
-                    </a:lnB>
-                  </a:tcPr>
-                </a:tc>
-                <a:extLst>
-                  <a:ext uri="{0D108BD9-81ED-4DB2-BD59-A6C34878D82A}">
-                    <a16:rowId xmlns:a16="http://schemas.microsoft.com/office/drawing/2014/main" val="160870937"/>
-                  </a:ext>
-                </a:extLst>
-              </a:tr>
-              <a:tr h="410285">
-                <a:tc>
-                  <a:txBody>
-                    <a:bodyPr/>
-                    <a:lstStyle/>
-                    <a:p>
-                      <a:r>
-                        <a:rPr lang="en-US" altLang="ja-JP" sz="1100" b="1">
-                          <a:solidFill>
-                            <a:srgbClr val="000000"/>
-                          </a:solidFill>
-                          <a:effectLst/>
-                          <a:latin typeface="Hiragino Kaku Gothic ProN" panose="020B0300000000000000" pitchFamily="34" charset="-128"/>
-                          <a:ea typeface="Hiragino Kaku Gothic ProN" panose="020B0300000000000000" pitchFamily="34" charset="-128"/>
-                        </a:rPr>
-                        <a:t>6</a:t>
-                      </a:r>
-                      <a:endParaRPr lang="ja-JP" altLang="en-US" sz="1100">
-                        <a:effectLst/>
-                      </a:endParaRPr>
-                    </a:p>
-                  </a:txBody>
-                  <a:tcPr marL="23047" marR="23047" marT="23047" marB="23047">
-                    <a:lnL w="9525" cap="flat" cmpd="sng" algn="ctr">
-                      <a:solidFill>
-                        <a:srgbClr val="000000"/>
-                      </a:solidFill>
-                      <a:prstDash val="solid"/>
-                      <a:round/>
-                      <a:headEnd type="none" w="med" len="med"/>
-                      <a:tailEnd type="none" w="med" len="med"/>
-                    </a:lnL>
-                    <a:lnR w="9525" cap="flat" cmpd="sng" algn="ctr">
-                      <a:solidFill>
-                        <a:srgbClr val="000000"/>
-                      </a:solidFill>
-                      <a:prstDash val="solid"/>
-                      <a:round/>
-                      <a:headEnd type="none" w="med" len="med"/>
-                      <a:tailEnd type="none" w="med" len="med"/>
-                    </a:lnR>
-                    <a:lnT w="9525" cap="flat" cmpd="sng" algn="ctr">
-                      <a:solidFill>
-                        <a:srgbClr val="000000"/>
-                      </a:solidFill>
-                      <a:prstDash val="solid"/>
-                      <a:round/>
-                      <a:headEnd type="none" w="med" len="med"/>
-                      <a:tailEnd type="none" w="med" len="med"/>
-                    </a:lnT>
-                    <a:lnB w="9525" cap="flat" cmpd="sng" algn="ctr">
-                      <a:solidFill>
-                        <a:srgbClr val="000000"/>
-                      </a:solidFill>
-                      <a:prstDash val="solid"/>
-                      <a:round/>
-                      <a:headEnd type="none" w="med" len="med"/>
-                      <a:tailEnd type="none" w="med" len="med"/>
-                    </a:lnB>
-                    <a:solidFill>
-                      <a:srgbClr val="D4D4D4"/>
-                    </a:solidFill>
-                  </a:tcPr>
-                </a:tc>
-                <a:tc>
-                  <a:txBody>
-                    <a:bodyPr/>
-                    <a:lstStyle/>
-                    <a:p>
-                      <a:r>
-                        <a:rPr lang="en" sz="1100">
-                          <a:solidFill>
-                            <a:srgbClr val="000000"/>
-                          </a:solidFill>
-                          <a:effectLst/>
-                          <a:latin typeface="Hiragino Kaku Gothic ProN" panose="020B0300000000000000" pitchFamily="34" charset="-128"/>
-                          <a:ea typeface="Hiragino Kaku Gothic ProN" panose="020B0300000000000000" pitchFamily="34" charset="-128"/>
-                        </a:rPr>
-                        <a:t>SE Mean</a:t>
-                      </a:r>
-                      <a:endParaRPr lang="en" sz="1100">
-                        <a:effectLst/>
-                      </a:endParaRPr>
-                    </a:p>
-                  </a:txBody>
-                  <a:tcPr marL="23047" marR="23047" marT="23047" marB="23047">
-                    <a:lnL w="9525" cap="flat" cmpd="sng" algn="ctr">
-                      <a:solidFill>
-                        <a:srgbClr val="000000"/>
-                      </a:solidFill>
-                      <a:prstDash val="solid"/>
-                      <a:round/>
-                      <a:headEnd type="none" w="med" len="med"/>
-                      <a:tailEnd type="none" w="med" len="med"/>
-                    </a:lnL>
-                    <a:lnR w="9525" cap="flat" cmpd="sng" algn="ctr">
-                      <a:solidFill>
-                        <a:srgbClr val="000000"/>
-                      </a:solidFill>
-                      <a:prstDash val="solid"/>
-                      <a:round/>
-                      <a:headEnd type="none" w="med" len="med"/>
-                      <a:tailEnd type="none" w="med" len="med"/>
-                    </a:lnR>
-                    <a:lnT w="9525" cap="flat" cmpd="sng" algn="ctr">
-                      <a:solidFill>
-                        <a:srgbClr val="000000"/>
-                      </a:solidFill>
-                      <a:prstDash val="solid"/>
-                      <a:round/>
-                      <a:headEnd type="none" w="med" len="med"/>
-                      <a:tailEnd type="none" w="med" len="med"/>
-                    </a:lnT>
-                    <a:lnB w="9525" cap="flat" cmpd="sng" algn="ctr">
-                      <a:solidFill>
-                        <a:srgbClr val="000000"/>
-                      </a:solidFill>
-                      <a:prstDash val="solid"/>
-                      <a:round/>
-                      <a:headEnd type="none" w="med" len="med"/>
-                      <a:tailEnd type="none" w="med" len="med"/>
-                    </a:lnB>
-                  </a:tcPr>
-                </a:tc>
-                <a:tc>
-                  <a:txBody>
-                    <a:bodyPr/>
-                    <a:lstStyle/>
-                    <a:p>
-                      <a:r>
-                        <a:rPr lang="en-US" altLang="ja-JP" sz="1100">
-                          <a:solidFill>
-                            <a:srgbClr val="000000"/>
-                          </a:solidFill>
-                          <a:effectLst/>
-                          <a:latin typeface="Hiragino Kaku Gothic ProN" panose="020B0300000000000000" pitchFamily="34" charset="-128"/>
-                          <a:ea typeface="Hiragino Kaku Gothic ProN" panose="020B0300000000000000" pitchFamily="34" charset="-128"/>
-                        </a:rPr>
-                        <a:t>0.239393864259661</a:t>
-                      </a:r>
-                      <a:endParaRPr lang="ja-JP" altLang="en-US" sz="1100">
-                        <a:effectLst/>
-                      </a:endParaRPr>
-                    </a:p>
-                  </a:txBody>
-                  <a:tcPr marL="23047" marR="23047" marT="23047" marB="23047">
-                    <a:lnL w="9525" cap="flat" cmpd="sng" algn="ctr">
-                      <a:solidFill>
-                        <a:srgbClr val="000000"/>
-                      </a:solidFill>
-                      <a:prstDash val="solid"/>
-                      <a:round/>
-                      <a:headEnd type="none" w="med" len="med"/>
-                      <a:tailEnd type="none" w="med" len="med"/>
-                    </a:lnL>
-                    <a:lnR w="9525" cap="flat" cmpd="sng" algn="ctr">
-                      <a:solidFill>
-                        <a:srgbClr val="000000"/>
-                      </a:solidFill>
-                      <a:prstDash val="solid"/>
-                      <a:round/>
-                      <a:headEnd type="none" w="med" len="med"/>
-                      <a:tailEnd type="none" w="med" len="med"/>
-                    </a:lnR>
-                    <a:lnT w="9525" cap="flat" cmpd="sng" algn="ctr">
-                      <a:solidFill>
-                        <a:srgbClr val="000000"/>
-                      </a:solidFill>
-                      <a:prstDash val="solid"/>
-                      <a:round/>
-                      <a:headEnd type="none" w="med" len="med"/>
-                      <a:tailEnd type="none" w="med" len="med"/>
-                    </a:lnT>
-                    <a:lnB w="9525" cap="flat" cmpd="sng" algn="ctr">
-                      <a:solidFill>
-                        <a:srgbClr val="000000"/>
-                      </a:solidFill>
-                      <a:prstDash val="solid"/>
-                      <a:round/>
-                      <a:headEnd type="none" w="med" len="med"/>
-                      <a:tailEnd type="none" w="med" len="med"/>
-                    </a:lnB>
-                  </a:tcPr>
-                </a:tc>
-                <a:extLst>
-                  <a:ext uri="{0D108BD9-81ED-4DB2-BD59-A6C34878D82A}">
-                    <a16:rowId xmlns:a16="http://schemas.microsoft.com/office/drawing/2014/main" val="791969256"/>
-                  </a:ext>
-                </a:extLst>
-              </a:tr>
-              <a:tr h="410285">
-                <a:tc>
-                  <a:txBody>
-                    <a:bodyPr/>
-                    <a:lstStyle/>
-                    <a:p>
-                      <a:r>
-                        <a:rPr lang="en-US" altLang="ja-JP" sz="1100" b="1">
-                          <a:solidFill>
-                            <a:srgbClr val="000000"/>
-                          </a:solidFill>
-                          <a:effectLst/>
-                          <a:latin typeface="Hiragino Kaku Gothic ProN" panose="020B0300000000000000" pitchFamily="34" charset="-128"/>
-                          <a:ea typeface="Hiragino Kaku Gothic ProN" panose="020B0300000000000000" pitchFamily="34" charset="-128"/>
-                        </a:rPr>
-                        <a:t>7</a:t>
-                      </a:r>
-                      <a:endParaRPr lang="ja-JP" altLang="en-US" sz="1100">
-                        <a:effectLst/>
-                      </a:endParaRPr>
-                    </a:p>
-                  </a:txBody>
-                  <a:tcPr marL="23047" marR="23047" marT="23047" marB="23047">
-                    <a:lnL w="9525" cap="flat" cmpd="sng" algn="ctr">
-                      <a:solidFill>
-                        <a:srgbClr val="000000"/>
-                      </a:solidFill>
-                      <a:prstDash val="solid"/>
-                      <a:round/>
-                      <a:headEnd type="none" w="med" len="med"/>
-                      <a:tailEnd type="none" w="med" len="med"/>
-                    </a:lnL>
-                    <a:lnR w="9525" cap="flat" cmpd="sng" algn="ctr">
-                      <a:solidFill>
-                        <a:srgbClr val="000000"/>
-                      </a:solidFill>
-                      <a:prstDash val="solid"/>
-                      <a:round/>
-                      <a:headEnd type="none" w="med" len="med"/>
-                      <a:tailEnd type="none" w="med" len="med"/>
-                    </a:lnR>
-                    <a:lnT w="9525" cap="flat" cmpd="sng" algn="ctr">
-                      <a:solidFill>
-                        <a:srgbClr val="000000"/>
-                      </a:solidFill>
-                      <a:prstDash val="solid"/>
-                      <a:round/>
-                      <a:headEnd type="none" w="med" len="med"/>
-                      <a:tailEnd type="none" w="med" len="med"/>
-                    </a:lnT>
-                    <a:lnB w="9525" cap="flat" cmpd="sng" algn="ctr">
-                      <a:solidFill>
-                        <a:srgbClr val="000000"/>
-                      </a:solidFill>
-                      <a:prstDash val="solid"/>
-                      <a:round/>
-                      <a:headEnd type="none" w="med" len="med"/>
-                      <a:tailEnd type="none" w="med" len="med"/>
-                    </a:lnB>
-                    <a:solidFill>
-                      <a:srgbClr val="D4D4D4"/>
-                    </a:solidFill>
-                  </a:tcPr>
-                </a:tc>
-                <a:tc>
-                  <a:txBody>
-                    <a:bodyPr/>
-                    <a:lstStyle/>
-                    <a:p>
-                      <a:r>
-                        <a:rPr lang="en" sz="1100">
-                          <a:solidFill>
-                            <a:srgbClr val="000000"/>
-                          </a:solidFill>
-                          <a:effectLst/>
-                          <a:latin typeface="Hiragino Kaku Gothic ProN" panose="020B0300000000000000" pitchFamily="34" charset="-128"/>
-                          <a:ea typeface="Hiragino Kaku Gothic ProN" panose="020B0300000000000000" pitchFamily="34" charset="-128"/>
-                        </a:rPr>
-                        <a:t>SE SD</a:t>
-                      </a:r>
-                      <a:endParaRPr lang="en" sz="1100">
-                        <a:effectLst/>
-                      </a:endParaRPr>
-                    </a:p>
-                  </a:txBody>
-                  <a:tcPr marL="23047" marR="23047" marT="23047" marB="23047">
-                    <a:lnL w="9525" cap="flat" cmpd="sng" algn="ctr">
-                      <a:solidFill>
-                        <a:srgbClr val="000000"/>
-                      </a:solidFill>
-                      <a:prstDash val="solid"/>
-                      <a:round/>
-                      <a:headEnd type="none" w="med" len="med"/>
-                      <a:tailEnd type="none" w="med" len="med"/>
-                    </a:lnL>
-                    <a:lnR w="9525" cap="flat" cmpd="sng" algn="ctr">
-                      <a:solidFill>
-                        <a:srgbClr val="000000"/>
-                      </a:solidFill>
-                      <a:prstDash val="solid"/>
-                      <a:round/>
-                      <a:headEnd type="none" w="med" len="med"/>
-                      <a:tailEnd type="none" w="med" len="med"/>
-                    </a:lnR>
-                    <a:lnT w="9525" cap="flat" cmpd="sng" algn="ctr">
-                      <a:solidFill>
-                        <a:srgbClr val="000000"/>
-                      </a:solidFill>
-                      <a:prstDash val="solid"/>
-                      <a:round/>
-                      <a:headEnd type="none" w="med" len="med"/>
-                      <a:tailEnd type="none" w="med" len="med"/>
-                    </a:lnT>
-                    <a:lnB w="9525" cap="flat" cmpd="sng" algn="ctr">
-                      <a:solidFill>
-                        <a:srgbClr val="000000"/>
-                      </a:solidFill>
-                      <a:prstDash val="solid"/>
-                      <a:round/>
-                      <a:headEnd type="none" w="med" len="med"/>
-                      <a:tailEnd type="none" w="med" len="med"/>
-                    </a:lnB>
-                  </a:tcPr>
-                </a:tc>
-                <a:tc>
-                  <a:txBody>
-                    <a:bodyPr/>
-                    <a:lstStyle/>
-                    <a:p>
-                      <a:r>
-                        <a:rPr lang="en-US" altLang="ja-JP" sz="1100" dirty="0">
-                          <a:solidFill>
-                            <a:srgbClr val="000000"/>
-                          </a:solidFill>
-                          <a:effectLst/>
-                          <a:latin typeface="Hiragino Kaku Gothic ProN" panose="020B0300000000000000" pitchFamily="34" charset="-128"/>
-                          <a:ea typeface="Hiragino Kaku Gothic ProN" panose="020B0300000000000000" pitchFamily="34" charset="-128"/>
-                        </a:rPr>
-                        <a:t>0.0167003941749872</a:t>
-                      </a:r>
-                      <a:endParaRPr lang="ja-JP" altLang="en-US" sz="1100">
-                        <a:effectLst/>
-                      </a:endParaRPr>
-                    </a:p>
-                  </a:txBody>
-                  <a:tcPr marL="23047" marR="23047" marT="23047" marB="23047">
-                    <a:lnL w="9525" cap="flat" cmpd="sng" algn="ctr">
-                      <a:solidFill>
-                        <a:srgbClr val="000000"/>
-                      </a:solidFill>
-                      <a:prstDash val="solid"/>
-                      <a:round/>
-                      <a:headEnd type="none" w="med" len="med"/>
-                      <a:tailEnd type="none" w="med" len="med"/>
-                    </a:lnL>
-                    <a:lnR w="9525" cap="flat" cmpd="sng" algn="ctr">
-                      <a:solidFill>
-                        <a:srgbClr val="000000"/>
-                      </a:solidFill>
-                      <a:prstDash val="solid"/>
-                      <a:round/>
-                      <a:headEnd type="none" w="med" len="med"/>
-                      <a:tailEnd type="none" w="med" len="med"/>
-                    </a:lnR>
-                    <a:lnT w="9525" cap="flat" cmpd="sng" algn="ctr">
-                      <a:solidFill>
-                        <a:srgbClr val="000000"/>
-                      </a:solidFill>
-                      <a:prstDash val="solid"/>
-                      <a:round/>
-                      <a:headEnd type="none" w="med" len="med"/>
-                      <a:tailEnd type="none" w="med" len="med"/>
-                    </a:lnT>
-                    <a:lnB w="9525" cap="flat" cmpd="sng" algn="ctr">
-                      <a:solidFill>
-                        <a:srgbClr val="000000"/>
-                      </a:solidFill>
-                      <a:prstDash val="solid"/>
-                      <a:round/>
-                      <a:headEnd type="none" w="med" len="med"/>
-                      <a:tailEnd type="none" w="med" len="med"/>
-                    </a:lnB>
-                  </a:tcPr>
-                </a:tc>
-                <a:extLst>
-                  <a:ext uri="{0D108BD9-81ED-4DB2-BD59-A6C34878D82A}">
-                    <a16:rowId xmlns:a16="http://schemas.microsoft.com/office/drawing/2014/main" val="1470727353"/>
-                  </a:ext>
-                </a:extLst>
-              </a:tr>
-            </a:tbl>
-          </a:graphicData>
-        </a:graphic>
-      </p:graphicFrame>
-      <p:graphicFrame>
-        <p:nvGraphicFramePr>
-          <p:cNvPr id="10" name="表 9">
-            <a:extLst>
-              <a:ext uri="{FF2B5EF4-FFF2-40B4-BE49-F238E27FC236}">
-                <a16:creationId xmlns:a16="http://schemas.microsoft.com/office/drawing/2014/main" id="{9C8E1A95-F45A-5D41-ABF5-DA4BF41ADF36}"/>
-              </a:ext>
-            </a:extLst>
-          </p:cNvPr>
-          <p:cNvGraphicFramePr>
-            <a:graphicFrameLocks noGrp="1"/>
-          </p:cNvGraphicFramePr>
-          <p:nvPr>
-            <p:extLst>
-              <p:ext uri="{D42A27DB-BD31-4B8C-83A1-F6EECF244321}">
-                <p14:modId xmlns:p14="http://schemas.microsoft.com/office/powerpoint/2010/main" val="2399521956"/>
-              </p:ext>
-            </p:extLst>
-          </p:nvPr>
-        </p:nvGraphicFramePr>
-        <p:xfrm>
-          <a:off x="1017143" y="2311969"/>
-          <a:ext cx="3968130" cy="3466649"/>
-        </p:xfrm>
-        <a:graphic>
-          <a:graphicData uri="http://schemas.openxmlformats.org/drawingml/2006/table">
-            <a:tbl>
-              <a:tblPr/>
-              <a:tblGrid>
-                <a:gridCol w="1156040">
-                  <a:extLst>
-                    <a:ext uri="{9D8B030D-6E8A-4147-A177-3AD203B41FA5}">
-                      <a16:colId xmlns:a16="http://schemas.microsoft.com/office/drawing/2014/main" val="476239027"/>
-                    </a:ext>
-                  </a:extLst>
-                </a:gridCol>
-                <a:gridCol w="857345">
-                  <a:extLst>
-                    <a:ext uri="{9D8B030D-6E8A-4147-A177-3AD203B41FA5}">
-                      <a16:colId xmlns:a16="http://schemas.microsoft.com/office/drawing/2014/main" val="3098815093"/>
-                    </a:ext>
-                  </a:extLst>
-                </a:gridCol>
-                <a:gridCol w="1954745">
-                  <a:extLst>
-                    <a:ext uri="{9D8B030D-6E8A-4147-A177-3AD203B41FA5}">
-                      <a16:colId xmlns:a16="http://schemas.microsoft.com/office/drawing/2014/main" val="2806955985"/>
-                    </a:ext>
-                  </a:extLst>
-                </a:gridCol>
-              </a:tblGrid>
-              <a:tr h="293373">
-                <a:tc>
-                  <a:txBody>
-                    <a:bodyPr/>
-                    <a:lstStyle/>
-                    <a:p>
-                      <a:br>
-                        <a:rPr lang="ja-JP" altLang="en-US" sz="1100">
-                          <a:effectLst/>
-                          <a:latin typeface="Helvetica" pitchFamily="2" charset="0"/>
-                        </a:rPr>
-                      </a:br>
-                      <a:endParaRPr lang="ja-JP" altLang="en-US" sz="1100">
-                        <a:effectLst/>
-                        <a:latin typeface="Helvetica" pitchFamily="2" charset="0"/>
-                      </a:endParaRPr>
-                    </a:p>
-                  </a:txBody>
-                  <a:tcPr marL="23047" marR="23047" marT="23047" marB="23047">
-                    <a:lnL w="9525" cap="flat" cmpd="sng" algn="ctr">
-                      <a:solidFill>
-                        <a:srgbClr val="000000"/>
-                      </a:solidFill>
-                      <a:prstDash val="solid"/>
-                      <a:round/>
-                      <a:headEnd type="none" w="med" len="med"/>
-                      <a:tailEnd type="none" w="med" len="med"/>
-                    </a:lnL>
-                    <a:lnR w="9525" cap="flat" cmpd="sng" algn="ctr">
-                      <a:solidFill>
-                        <a:srgbClr val="000000"/>
-                      </a:solidFill>
-                      <a:prstDash val="solid"/>
-                      <a:round/>
-                      <a:headEnd type="none" w="med" len="med"/>
-                      <a:tailEnd type="none" w="med" len="med"/>
-                    </a:lnR>
-                    <a:lnT w="9525" cap="flat" cmpd="sng" algn="ctr">
-                      <a:solidFill>
-                        <a:srgbClr val="000000"/>
-                      </a:solidFill>
-                      <a:prstDash val="solid"/>
-                      <a:round/>
-                      <a:headEnd type="none" w="med" len="med"/>
-                      <a:tailEnd type="none" w="med" len="med"/>
-                    </a:lnT>
-                    <a:lnB w="9525" cap="flat" cmpd="sng" algn="ctr">
-                      <a:solidFill>
-                        <a:srgbClr val="000000"/>
-                      </a:solidFill>
-                      <a:prstDash val="solid"/>
-                      <a:round/>
-                      <a:headEnd type="none" w="med" len="med"/>
-                      <a:tailEnd type="none" w="med" len="med"/>
-                    </a:lnB>
-                    <a:solidFill>
-                      <a:srgbClr val="B0B3B2"/>
-                    </a:solidFill>
-                  </a:tcPr>
-                </a:tc>
-                <a:tc>
-                  <a:txBody>
-                    <a:bodyPr/>
-                    <a:lstStyle/>
-                    <a:p>
-                      <a:r>
-                        <a:rPr lang="en" sz="1100" b="1">
-                          <a:solidFill>
-                            <a:srgbClr val="000000"/>
-                          </a:solidFill>
-                          <a:effectLst/>
-                          <a:latin typeface="Hiragino Kaku Gothic ProN" panose="020B0300000000000000" pitchFamily="34" charset="-128"/>
-                          <a:ea typeface="Hiragino Kaku Gothic ProN" panose="020B0300000000000000" pitchFamily="34" charset="-128"/>
-                        </a:rPr>
-                        <a:t>V1</a:t>
-                      </a:r>
-                      <a:endParaRPr lang="en" sz="1100">
-                        <a:effectLst/>
-                      </a:endParaRPr>
-                    </a:p>
-                  </a:txBody>
-                  <a:tcPr marL="23047" marR="23047" marT="23047" marB="23047">
-                    <a:lnL w="9525" cap="flat" cmpd="sng" algn="ctr">
-                      <a:solidFill>
-                        <a:srgbClr val="000000"/>
-                      </a:solidFill>
-                      <a:prstDash val="solid"/>
-                      <a:round/>
-                      <a:headEnd type="none" w="med" len="med"/>
-                      <a:tailEnd type="none" w="med" len="med"/>
-                    </a:lnL>
-                    <a:lnR w="9525" cap="flat" cmpd="sng" algn="ctr">
-                      <a:solidFill>
-                        <a:srgbClr val="000000"/>
-                      </a:solidFill>
-                      <a:prstDash val="solid"/>
-                      <a:round/>
-                      <a:headEnd type="none" w="med" len="med"/>
-                      <a:tailEnd type="none" w="med" len="med"/>
-                    </a:lnR>
-                    <a:lnT w="9525" cap="flat" cmpd="sng" algn="ctr">
-                      <a:solidFill>
-                        <a:srgbClr val="000000"/>
-                      </a:solidFill>
-                      <a:prstDash val="solid"/>
-                      <a:round/>
-                      <a:headEnd type="none" w="med" len="med"/>
-                      <a:tailEnd type="none" w="med" len="med"/>
-                    </a:lnT>
-                    <a:lnB w="9525" cap="flat" cmpd="sng" algn="ctr">
-                      <a:solidFill>
-                        <a:srgbClr val="000000"/>
-                      </a:solidFill>
-                      <a:prstDash val="solid"/>
-                      <a:round/>
-                      <a:headEnd type="none" w="med" len="med"/>
-                      <a:tailEnd type="none" w="med" len="med"/>
-                    </a:lnB>
-                    <a:solidFill>
-                      <a:srgbClr val="B0B3B2"/>
-                    </a:solidFill>
-                  </a:tcPr>
-                </a:tc>
-                <a:tc>
-                  <a:txBody>
-                    <a:bodyPr/>
-                    <a:lstStyle/>
-                    <a:p>
-                      <a:r>
-                        <a:rPr lang="en" sz="1100" b="1">
-                          <a:solidFill>
-                            <a:srgbClr val="000000"/>
-                          </a:solidFill>
-                          <a:effectLst/>
-                          <a:latin typeface="Hiragino Kaku Gothic ProN" panose="020B0300000000000000" pitchFamily="34" charset="-128"/>
-                          <a:ea typeface="Hiragino Kaku Gothic ProN" panose="020B0300000000000000" pitchFamily="34" charset="-128"/>
-                        </a:rPr>
-                        <a:t>V2</a:t>
-                      </a:r>
-                      <a:endParaRPr lang="en" sz="1100">
+                      <a:endParaRPr lang="en" sz="1100" dirty="0">
                         <a:effectLst/>
                       </a:endParaRPr>
                     </a:p>
@@ -7097,6 +5530,3372 @@
                 <a:extLst>
                   <a:ext uri="{0D108BD9-81ED-4DB2-BD59-A6C34878D82A}">
                     <a16:rowId xmlns:a16="http://schemas.microsoft.com/office/drawing/2014/main" val="2505681690"/>
+                  </a:ext>
+                </a:extLst>
+              </a:tr>
+            </a:tbl>
+          </a:graphicData>
+        </a:graphic>
+      </p:graphicFrame>
+      <p:graphicFrame>
+        <p:nvGraphicFramePr>
+          <p:cNvPr id="11" name="表 10">
+            <a:extLst>
+              <a:ext uri="{FF2B5EF4-FFF2-40B4-BE49-F238E27FC236}">
+                <a16:creationId xmlns:a16="http://schemas.microsoft.com/office/drawing/2014/main" id="{E6EE997F-5D81-4B4B-8D6A-73B3F035557A}"/>
+              </a:ext>
+            </a:extLst>
+          </p:cNvPr>
+          <p:cNvGraphicFramePr>
+            <a:graphicFrameLocks noGrp="1"/>
+          </p:cNvGraphicFramePr>
+          <p:nvPr>
+            <p:extLst>
+              <p:ext uri="{D42A27DB-BD31-4B8C-83A1-F6EECF244321}">
+                <p14:modId xmlns:p14="http://schemas.microsoft.com/office/powerpoint/2010/main" val="148105364"/>
+              </p:ext>
+            </p:extLst>
+          </p:nvPr>
+        </p:nvGraphicFramePr>
+        <p:xfrm>
+          <a:off x="8180343" y="2162322"/>
+          <a:ext cx="2863416" cy="3547009"/>
+        </p:xfrm>
+        <a:graphic>
+          <a:graphicData uri="http://schemas.openxmlformats.org/drawingml/2006/table">
+            <a:tbl>
+              <a:tblPr/>
+              <a:tblGrid>
+                <a:gridCol w="306111">
+                  <a:extLst>
+                    <a:ext uri="{9D8B030D-6E8A-4147-A177-3AD203B41FA5}">
+                      <a16:colId xmlns:a16="http://schemas.microsoft.com/office/drawing/2014/main" val="2895997527"/>
+                    </a:ext>
+                  </a:extLst>
+                </a:gridCol>
+                <a:gridCol w="852755">
+                  <a:extLst>
+                    <a:ext uri="{9D8B030D-6E8A-4147-A177-3AD203B41FA5}">
+                      <a16:colId xmlns:a16="http://schemas.microsoft.com/office/drawing/2014/main" val="1481412479"/>
+                    </a:ext>
+                  </a:extLst>
+                </a:gridCol>
+                <a:gridCol w="1704550">
+                  <a:extLst>
+                    <a:ext uri="{9D8B030D-6E8A-4147-A177-3AD203B41FA5}">
+                      <a16:colId xmlns:a16="http://schemas.microsoft.com/office/drawing/2014/main" val="104831126"/>
+                    </a:ext>
+                  </a:extLst>
+                </a:gridCol>
+              </a:tblGrid>
+              <a:tr h="301015">
+                <a:tc>
+                  <a:txBody>
+                    <a:bodyPr/>
+                    <a:lstStyle/>
+                    <a:p>
+                      <a:br>
+                        <a:rPr lang="ja-JP" altLang="en-US" sz="1100">
+                          <a:effectLst/>
+                          <a:latin typeface="Helvetica" pitchFamily="2" charset="0"/>
+                        </a:rPr>
+                      </a:br>
+                      <a:endParaRPr lang="ja-JP" altLang="en-US" sz="1100">
+                        <a:effectLst/>
+                        <a:latin typeface="Helvetica" pitchFamily="2" charset="0"/>
+                      </a:endParaRPr>
+                    </a:p>
+                  </a:txBody>
+                  <a:tcPr marL="23047" marR="23047" marT="23047" marB="23047">
+                    <a:lnL w="9525" cap="flat" cmpd="sng" algn="ctr">
+                      <a:solidFill>
+                        <a:srgbClr val="000000"/>
+                      </a:solidFill>
+                      <a:prstDash val="solid"/>
+                      <a:round/>
+                      <a:headEnd type="none" w="med" len="med"/>
+                      <a:tailEnd type="none" w="med" len="med"/>
+                    </a:lnL>
+                    <a:lnR w="9525" cap="flat" cmpd="sng" algn="ctr">
+                      <a:solidFill>
+                        <a:srgbClr val="000000"/>
+                      </a:solidFill>
+                      <a:prstDash val="solid"/>
+                      <a:round/>
+                      <a:headEnd type="none" w="med" len="med"/>
+                      <a:tailEnd type="none" w="med" len="med"/>
+                    </a:lnR>
+                    <a:lnT w="9525" cap="flat" cmpd="sng" algn="ctr">
+                      <a:solidFill>
+                        <a:srgbClr val="000000"/>
+                      </a:solidFill>
+                      <a:prstDash val="solid"/>
+                      <a:round/>
+                      <a:headEnd type="none" w="med" len="med"/>
+                      <a:tailEnd type="none" w="med" len="med"/>
+                    </a:lnT>
+                    <a:lnB w="9525" cap="flat" cmpd="sng" algn="ctr">
+                      <a:solidFill>
+                        <a:srgbClr val="000000"/>
+                      </a:solidFill>
+                      <a:prstDash val="solid"/>
+                      <a:round/>
+                      <a:headEnd type="none" w="med" len="med"/>
+                      <a:tailEnd type="none" w="med" len="med"/>
+                    </a:lnB>
+                    <a:solidFill>
+                      <a:srgbClr val="B0B3B2"/>
+                    </a:solidFill>
+                  </a:tcPr>
+                </a:tc>
+                <a:tc>
+                  <a:txBody>
+                    <a:bodyPr/>
+                    <a:lstStyle/>
+                    <a:p>
+                      <a:r>
+                        <a:rPr lang="en" sz="1100" b="1">
+                          <a:solidFill>
+                            <a:srgbClr val="000000"/>
+                          </a:solidFill>
+                          <a:effectLst/>
+                          <a:latin typeface="Hiragino Kaku Gothic ProN" panose="020B0300000000000000" pitchFamily="34" charset="-128"/>
+                          <a:ea typeface="Hiragino Kaku Gothic ProN" panose="020B0300000000000000" pitchFamily="34" charset="-128"/>
+                        </a:rPr>
+                        <a:t>V1</a:t>
+                      </a:r>
+                      <a:endParaRPr lang="en" sz="1100">
+                        <a:effectLst/>
+                      </a:endParaRPr>
+                    </a:p>
+                  </a:txBody>
+                  <a:tcPr marL="23047" marR="23047" marT="23047" marB="23047">
+                    <a:lnL w="9525" cap="flat" cmpd="sng" algn="ctr">
+                      <a:solidFill>
+                        <a:srgbClr val="000000"/>
+                      </a:solidFill>
+                      <a:prstDash val="solid"/>
+                      <a:round/>
+                      <a:headEnd type="none" w="med" len="med"/>
+                      <a:tailEnd type="none" w="med" len="med"/>
+                    </a:lnL>
+                    <a:lnR w="9525" cap="flat" cmpd="sng" algn="ctr">
+                      <a:solidFill>
+                        <a:srgbClr val="000000"/>
+                      </a:solidFill>
+                      <a:prstDash val="solid"/>
+                      <a:round/>
+                      <a:headEnd type="none" w="med" len="med"/>
+                      <a:tailEnd type="none" w="med" len="med"/>
+                    </a:lnR>
+                    <a:lnT w="9525" cap="flat" cmpd="sng" algn="ctr">
+                      <a:solidFill>
+                        <a:srgbClr val="000000"/>
+                      </a:solidFill>
+                      <a:prstDash val="solid"/>
+                      <a:round/>
+                      <a:headEnd type="none" w="med" len="med"/>
+                      <a:tailEnd type="none" w="med" len="med"/>
+                    </a:lnT>
+                    <a:lnB w="9525" cap="flat" cmpd="sng" algn="ctr">
+                      <a:solidFill>
+                        <a:srgbClr val="000000"/>
+                      </a:solidFill>
+                      <a:prstDash val="solid"/>
+                      <a:round/>
+                      <a:headEnd type="none" w="med" len="med"/>
+                      <a:tailEnd type="none" w="med" len="med"/>
+                    </a:lnB>
+                    <a:solidFill>
+                      <a:srgbClr val="B0B3B2"/>
+                    </a:solidFill>
+                  </a:tcPr>
+                </a:tc>
+                <a:tc>
+                  <a:txBody>
+                    <a:bodyPr/>
+                    <a:lstStyle/>
+                    <a:p>
+                      <a:r>
+                        <a:rPr lang="en" sz="1100" b="1" dirty="0">
+                          <a:solidFill>
+                            <a:srgbClr val="000000"/>
+                          </a:solidFill>
+                          <a:effectLst/>
+                          <a:latin typeface="Hiragino Kaku Gothic ProN" panose="020B0300000000000000" pitchFamily="34" charset="-128"/>
+                          <a:ea typeface="Hiragino Kaku Gothic ProN" panose="020B0300000000000000" pitchFamily="34" charset="-128"/>
+                        </a:rPr>
+                        <a:t>V2</a:t>
+                      </a:r>
+                      <a:endParaRPr lang="en" sz="1100" dirty="0">
+                        <a:effectLst/>
+                      </a:endParaRPr>
+                    </a:p>
+                  </a:txBody>
+                  <a:tcPr marL="23047" marR="23047" marT="23047" marB="23047">
+                    <a:lnL w="9525" cap="flat" cmpd="sng" algn="ctr">
+                      <a:solidFill>
+                        <a:srgbClr val="000000"/>
+                      </a:solidFill>
+                      <a:prstDash val="solid"/>
+                      <a:round/>
+                      <a:headEnd type="none" w="med" len="med"/>
+                      <a:tailEnd type="none" w="med" len="med"/>
+                    </a:lnL>
+                    <a:lnR w="9525" cap="flat" cmpd="sng" algn="ctr">
+                      <a:solidFill>
+                        <a:srgbClr val="000000"/>
+                      </a:solidFill>
+                      <a:prstDash val="solid"/>
+                      <a:round/>
+                      <a:headEnd type="none" w="med" len="med"/>
+                      <a:tailEnd type="none" w="med" len="med"/>
+                    </a:lnR>
+                    <a:lnT w="9525" cap="flat" cmpd="sng" algn="ctr">
+                      <a:solidFill>
+                        <a:srgbClr val="000000"/>
+                      </a:solidFill>
+                      <a:prstDash val="solid"/>
+                      <a:round/>
+                      <a:headEnd type="none" w="med" len="med"/>
+                      <a:tailEnd type="none" w="med" len="med"/>
+                    </a:lnT>
+                    <a:lnB w="9525" cap="flat" cmpd="sng" algn="ctr">
+                      <a:solidFill>
+                        <a:srgbClr val="000000"/>
+                      </a:solidFill>
+                      <a:prstDash val="solid"/>
+                      <a:round/>
+                      <a:headEnd type="none" w="med" len="med"/>
+                      <a:tailEnd type="none" w="med" len="med"/>
+                    </a:lnB>
+                    <a:solidFill>
+                      <a:srgbClr val="B0B3B2"/>
+                    </a:solidFill>
+                  </a:tcPr>
+                </a:tc>
+                <a:extLst>
+                  <a:ext uri="{0D108BD9-81ED-4DB2-BD59-A6C34878D82A}">
+                    <a16:rowId xmlns:a16="http://schemas.microsoft.com/office/drawing/2014/main" val="4107107055"/>
+                  </a:ext>
+                </a:extLst>
+              </a:tr>
+              <a:tr h="433331">
+                <a:tc>
+                  <a:txBody>
+                    <a:bodyPr/>
+                    <a:lstStyle/>
+                    <a:p>
+                      <a:r>
+                        <a:rPr lang="en-US" altLang="ja-JP" sz="1100" b="1">
+                          <a:solidFill>
+                            <a:srgbClr val="000000"/>
+                          </a:solidFill>
+                          <a:effectLst/>
+                          <a:latin typeface="Hiragino Kaku Gothic ProN" panose="020B0300000000000000" pitchFamily="34" charset="-128"/>
+                          <a:ea typeface="Hiragino Kaku Gothic ProN" panose="020B0300000000000000" pitchFamily="34" charset="-128"/>
+                        </a:rPr>
+                        <a:t>1</a:t>
+                      </a:r>
+                      <a:endParaRPr lang="ja-JP" altLang="en-US" sz="1100">
+                        <a:effectLst/>
+                      </a:endParaRPr>
+                    </a:p>
+                  </a:txBody>
+                  <a:tcPr marL="23047" marR="23047" marT="23047" marB="23047">
+                    <a:lnL w="9525" cap="flat" cmpd="sng" algn="ctr">
+                      <a:solidFill>
+                        <a:srgbClr val="000000"/>
+                      </a:solidFill>
+                      <a:prstDash val="solid"/>
+                      <a:round/>
+                      <a:headEnd type="none" w="med" len="med"/>
+                      <a:tailEnd type="none" w="med" len="med"/>
+                    </a:lnL>
+                    <a:lnR w="9525" cap="flat" cmpd="sng" algn="ctr">
+                      <a:solidFill>
+                        <a:srgbClr val="000000"/>
+                      </a:solidFill>
+                      <a:prstDash val="solid"/>
+                      <a:round/>
+                      <a:headEnd type="none" w="med" len="med"/>
+                      <a:tailEnd type="none" w="med" len="med"/>
+                    </a:lnR>
+                    <a:lnT w="9525" cap="flat" cmpd="sng" algn="ctr">
+                      <a:solidFill>
+                        <a:srgbClr val="000000"/>
+                      </a:solidFill>
+                      <a:prstDash val="solid"/>
+                      <a:round/>
+                      <a:headEnd type="none" w="med" len="med"/>
+                      <a:tailEnd type="none" w="med" len="med"/>
+                    </a:lnT>
+                    <a:lnB w="9525" cap="flat" cmpd="sng" algn="ctr">
+                      <a:solidFill>
+                        <a:srgbClr val="000000"/>
+                      </a:solidFill>
+                      <a:prstDash val="solid"/>
+                      <a:round/>
+                      <a:headEnd type="none" w="med" len="med"/>
+                      <a:tailEnd type="none" w="med" len="med"/>
+                    </a:lnB>
+                    <a:solidFill>
+                      <a:srgbClr val="D4D4D4"/>
+                    </a:solidFill>
+                  </a:tcPr>
+                </a:tc>
+                <a:tc>
+                  <a:txBody>
+                    <a:bodyPr/>
+                    <a:lstStyle/>
+                    <a:p>
+                      <a:r>
+                        <a:rPr lang="en" sz="1100" dirty="0">
+                          <a:solidFill>
+                            <a:srgbClr val="000000"/>
+                          </a:solidFill>
+                          <a:effectLst/>
+                          <a:latin typeface="Hiragino Kaku Gothic ProN" panose="020B0300000000000000" pitchFamily="34" charset="-128"/>
+                          <a:ea typeface="Hiragino Kaku Gothic ProN" panose="020B0300000000000000" pitchFamily="34" charset="-128"/>
+                        </a:rPr>
+                        <a:t>WAIC</a:t>
+                      </a:r>
+                      <a:endParaRPr lang="en" sz="1100" dirty="0">
+                        <a:effectLst/>
+                      </a:endParaRPr>
+                    </a:p>
+                  </a:txBody>
+                  <a:tcPr marL="23047" marR="23047" marT="23047" marB="23047">
+                    <a:lnL w="9525" cap="flat" cmpd="sng" algn="ctr">
+                      <a:solidFill>
+                        <a:srgbClr val="000000"/>
+                      </a:solidFill>
+                      <a:prstDash val="solid"/>
+                      <a:round/>
+                      <a:headEnd type="none" w="med" len="med"/>
+                      <a:tailEnd type="none" w="med" len="med"/>
+                    </a:lnL>
+                    <a:lnR w="9525" cap="flat" cmpd="sng" algn="ctr">
+                      <a:solidFill>
+                        <a:srgbClr val="000000"/>
+                      </a:solidFill>
+                      <a:prstDash val="solid"/>
+                      <a:round/>
+                      <a:headEnd type="none" w="med" len="med"/>
+                      <a:tailEnd type="none" w="med" len="med"/>
+                    </a:lnR>
+                    <a:lnT w="9525" cap="flat" cmpd="sng" algn="ctr">
+                      <a:solidFill>
+                        <a:srgbClr val="000000"/>
+                      </a:solidFill>
+                      <a:prstDash val="solid"/>
+                      <a:round/>
+                      <a:headEnd type="none" w="med" len="med"/>
+                      <a:tailEnd type="none" w="med" len="med"/>
+                    </a:lnT>
+                    <a:lnB w="9525" cap="flat" cmpd="sng" algn="ctr">
+                      <a:solidFill>
+                        <a:srgbClr val="000000"/>
+                      </a:solidFill>
+                      <a:prstDash val="solid"/>
+                      <a:round/>
+                      <a:headEnd type="none" w="med" len="med"/>
+                      <a:tailEnd type="none" w="med" len="med"/>
+                    </a:lnB>
+                  </a:tcPr>
+                </a:tc>
+                <a:tc>
+                  <a:txBody>
+                    <a:bodyPr/>
+                    <a:lstStyle/>
+                    <a:p>
+                      <a:r>
+                        <a:rPr lang="en-US" altLang="ja-JP" sz="1100">
+                          <a:solidFill>
+                            <a:srgbClr val="000000"/>
+                          </a:solidFill>
+                          <a:effectLst/>
+                          <a:latin typeface="Hiragino Kaku Gothic ProN" panose="020B0300000000000000" pitchFamily="34" charset="-128"/>
+                          <a:ea typeface="Hiragino Kaku Gothic ProN" panose="020B0300000000000000" pitchFamily="34" charset="-128"/>
+                        </a:rPr>
+                        <a:t>3106.2016714111</a:t>
+                      </a:r>
+                      <a:endParaRPr lang="ja-JP" altLang="en-US" sz="1100">
+                        <a:effectLst/>
+                      </a:endParaRPr>
+                    </a:p>
+                  </a:txBody>
+                  <a:tcPr marL="23047" marR="23047" marT="23047" marB="23047">
+                    <a:lnL w="9525" cap="flat" cmpd="sng" algn="ctr">
+                      <a:solidFill>
+                        <a:srgbClr val="000000"/>
+                      </a:solidFill>
+                      <a:prstDash val="solid"/>
+                      <a:round/>
+                      <a:headEnd type="none" w="med" len="med"/>
+                      <a:tailEnd type="none" w="med" len="med"/>
+                    </a:lnL>
+                    <a:lnR w="9525" cap="flat" cmpd="sng" algn="ctr">
+                      <a:solidFill>
+                        <a:srgbClr val="000000"/>
+                      </a:solidFill>
+                      <a:prstDash val="solid"/>
+                      <a:round/>
+                      <a:headEnd type="none" w="med" len="med"/>
+                      <a:tailEnd type="none" w="med" len="med"/>
+                    </a:lnR>
+                    <a:lnT w="9525" cap="flat" cmpd="sng" algn="ctr">
+                      <a:solidFill>
+                        <a:srgbClr val="000000"/>
+                      </a:solidFill>
+                      <a:prstDash val="solid"/>
+                      <a:round/>
+                      <a:headEnd type="none" w="med" len="med"/>
+                      <a:tailEnd type="none" w="med" len="med"/>
+                    </a:lnT>
+                    <a:lnB w="9525" cap="flat" cmpd="sng" algn="ctr">
+                      <a:solidFill>
+                        <a:srgbClr val="000000"/>
+                      </a:solidFill>
+                      <a:prstDash val="solid"/>
+                      <a:round/>
+                      <a:headEnd type="none" w="med" len="med"/>
+                      <a:tailEnd type="none" w="med" len="med"/>
+                    </a:lnB>
+                  </a:tcPr>
+                </a:tc>
+                <a:extLst>
+                  <a:ext uri="{0D108BD9-81ED-4DB2-BD59-A6C34878D82A}">
+                    <a16:rowId xmlns:a16="http://schemas.microsoft.com/office/drawing/2014/main" val="2363964631"/>
+                  </a:ext>
+                </a:extLst>
+              </a:tr>
+              <a:tr h="433331">
+                <a:tc>
+                  <a:txBody>
+                    <a:bodyPr/>
+                    <a:lstStyle/>
+                    <a:p>
+                      <a:r>
+                        <a:rPr lang="en-US" altLang="ja-JP" sz="1100" b="1">
+                          <a:solidFill>
+                            <a:srgbClr val="000000"/>
+                          </a:solidFill>
+                          <a:effectLst/>
+                          <a:latin typeface="Hiragino Kaku Gothic ProN" panose="020B0300000000000000" pitchFamily="34" charset="-128"/>
+                          <a:ea typeface="Hiragino Kaku Gothic ProN" panose="020B0300000000000000" pitchFamily="34" charset="-128"/>
+                        </a:rPr>
+                        <a:t>2</a:t>
+                      </a:r>
+                      <a:endParaRPr lang="ja-JP" altLang="en-US" sz="1100">
+                        <a:effectLst/>
+                      </a:endParaRPr>
+                    </a:p>
+                  </a:txBody>
+                  <a:tcPr marL="23047" marR="23047" marT="23047" marB="23047">
+                    <a:lnL w="9525" cap="flat" cmpd="sng" algn="ctr">
+                      <a:solidFill>
+                        <a:srgbClr val="000000"/>
+                      </a:solidFill>
+                      <a:prstDash val="solid"/>
+                      <a:round/>
+                      <a:headEnd type="none" w="med" len="med"/>
+                      <a:tailEnd type="none" w="med" len="med"/>
+                    </a:lnL>
+                    <a:lnR w="9525" cap="flat" cmpd="sng" algn="ctr">
+                      <a:solidFill>
+                        <a:srgbClr val="000000"/>
+                      </a:solidFill>
+                      <a:prstDash val="solid"/>
+                      <a:round/>
+                      <a:headEnd type="none" w="med" len="med"/>
+                      <a:tailEnd type="none" w="med" len="med"/>
+                    </a:lnR>
+                    <a:lnT w="9525" cap="flat" cmpd="sng" algn="ctr">
+                      <a:solidFill>
+                        <a:srgbClr val="000000"/>
+                      </a:solidFill>
+                      <a:prstDash val="solid"/>
+                      <a:round/>
+                      <a:headEnd type="none" w="med" len="med"/>
+                      <a:tailEnd type="none" w="med" len="med"/>
+                    </a:lnT>
+                    <a:lnB w="9525" cap="flat" cmpd="sng" algn="ctr">
+                      <a:solidFill>
+                        <a:srgbClr val="000000"/>
+                      </a:solidFill>
+                      <a:prstDash val="solid"/>
+                      <a:round/>
+                      <a:headEnd type="none" w="med" len="med"/>
+                      <a:tailEnd type="none" w="med" len="med"/>
+                    </a:lnB>
+                    <a:solidFill>
+                      <a:srgbClr val="D4D4D4"/>
+                    </a:solidFill>
+                  </a:tcPr>
+                </a:tc>
+                <a:tc>
+                  <a:txBody>
+                    <a:bodyPr/>
+                    <a:lstStyle/>
+                    <a:p>
+                      <a:r>
+                        <a:rPr lang="en" sz="1100">
+                          <a:solidFill>
+                            <a:srgbClr val="000000"/>
+                          </a:solidFill>
+                          <a:effectLst/>
+                          <a:latin typeface="Hiragino Kaku Gothic ProN" panose="020B0300000000000000" pitchFamily="34" charset="-128"/>
+                          <a:ea typeface="Hiragino Kaku Gothic ProN" panose="020B0300000000000000" pitchFamily="34" charset="-128"/>
+                        </a:rPr>
+                        <a:t>ML</a:t>
+                      </a:r>
+                      <a:endParaRPr lang="en" sz="1100">
+                        <a:effectLst/>
+                      </a:endParaRPr>
+                    </a:p>
+                  </a:txBody>
+                  <a:tcPr marL="23047" marR="23047" marT="23047" marB="23047">
+                    <a:lnL w="9525" cap="flat" cmpd="sng" algn="ctr">
+                      <a:solidFill>
+                        <a:srgbClr val="000000"/>
+                      </a:solidFill>
+                      <a:prstDash val="solid"/>
+                      <a:round/>
+                      <a:headEnd type="none" w="med" len="med"/>
+                      <a:tailEnd type="none" w="med" len="med"/>
+                    </a:lnL>
+                    <a:lnR w="9525" cap="flat" cmpd="sng" algn="ctr">
+                      <a:solidFill>
+                        <a:srgbClr val="000000"/>
+                      </a:solidFill>
+                      <a:prstDash val="solid"/>
+                      <a:round/>
+                      <a:headEnd type="none" w="med" len="med"/>
+                      <a:tailEnd type="none" w="med" len="med"/>
+                    </a:lnR>
+                    <a:lnT w="9525" cap="flat" cmpd="sng" algn="ctr">
+                      <a:solidFill>
+                        <a:srgbClr val="000000"/>
+                      </a:solidFill>
+                      <a:prstDash val="solid"/>
+                      <a:round/>
+                      <a:headEnd type="none" w="med" len="med"/>
+                      <a:tailEnd type="none" w="med" len="med"/>
+                    </a:lnT>
+                    <a:lnB w="9525" cap="flat" cmpd="sng" algn="ctr">
+                      <a:solidFill>
+                        <a:srgbClr val="000000"/>
+                      </a:solidFill>
+                      <a:prstDash val="solid"/>
+                      <a:round/>
+                      <a:headEnd type="none" w="med" len="med"/>
+                      <a:tailEnd type="none" w="med" len="med"/>
+                    </a:lnB>
+                  </a:tcPr>
+                </a:tc>
+                <a:tc>
+                  <a:txBody>
+                    <a:bodyPr/>
+                    <a:lstStyle/>
+                    <a:p>
+                      <a:r>
+                        <a:rPr lang="en-US" altLang="ja-JP" sz="1100">
+                          <a:solidFill>
+                            <a:srgbClr val="000000"/>
+                          </a:solidFill>
+                          <a:effectLst/>
+                          <a:latin typeface="Hiragino Kaku Gothic ProN" panose="020B0300000000000000" pitchFamily="34" charset="-128"/>
+                          <a:ea typeface="Hiragino Kaku Gothic ProN" panose="020B0300000000000000" pitchFamily="34" charset="-128"/>
+                        </a:rPr>
+                        <a:t>3036.99179689418</a:t>
+                      </a:r>
+                      <a:endParaRPr lang="ja-JP" altLang="en-US" sz="1100">
+                        <a:effectLst/>
+                      </a:endParaRPr>
+                    </a:p>
+                  </a:txBody>
+                  <a:tcPr marL="23047" marR="23047" marT="23047" marB="23047">
+                    <a:lnL w="9525" cap="flat" cmpd="sng" algn="ctr">
+                      <a:solidFill>
+                        <a:srgbClr val="000000"/>
+                      </a:solidFill>
+                      <a:prstDash val="solid"/>
+                      <a:round/>
+                      <a:headEnd type="none" w="med" len="med"/>
+                      <a:tailEnd type="none" w="med" len="med"/>
+                    </a:lnL>
+                    <a:lnR w="9525" cap="flat" cmpd="sng" algn="ctr">
+                      <a:solidFill>
+                        <a:srgbClr val="000000"/>
+                      </a:solidFill>
+                      <a:prstDash val="solid"/>
+                      <a:round/>
+                      <a:headEnd type="none" w="med" len="med"/>
+                      <a:tailEnd type="none" w="med" len="med"/>
+                    </a:lnR>
+                    <a:lnT w="9525" cap="flat" cmpd="sng" algn="ctr">
+                      <a:solidFill>
+                        <a:srgbClr val="000000"/>
+                      </a:solidFill>
+                      <a:prstDash val="solid"/>
+                      <a:round/>
+                      <a:headEnd type="none" w="med" len="med"/>
+                      <a:tailEnd type="none" w="med" len="med"/>
+                    </a:lnT>
+                    <a:lnB w="9525" cap="flat" cmpd="sng" algn="ctr">
+                      <a:solidFill>
+                        <a:srgbClr val="000000"/>
+                      </a:solidFill>
+                      <a:prstDash val="solid"/>
+                      <a:round/>
+                      <a:headEnd type="none" w="med" len="med"/>
+                      <a:tailEnd type="none" w="med" len="med"/>
+                    </a:lnB>
+                  </a:tcPr>
+                </a:tc>
+                <a:extLst>
+                  <a:ext uri="{0D108BD9-81ED-4DB2-BD59-A6C34878D82A}">
+                    <a16:rowId xmlns:a16="http://schemas.microsoft.com/office/drawing/2014/main" val="3974940451"/>
+                  </a:ext>
+                </a:extLst>
+              </a:tr>
+              <a:tr h="301015">
+                <a:tc>
+                  <a:txBody>
+                    <a:bodyPr/>
+                    <a:lstStyle/>
+                    <a:p>
+                      <a:r>
+                        <a:rPr lang="en-US" altLang="ja-JP" sz="1100" b="1">
+                          <a:solidFill>
+                            <a:srgbClr val="000000"/>
+                          </a:solidFill>
+                          <a:effectLst/>
+                          <a:latin typeface="Hiragino Kaku Gothic ProN" panose="020B0300000000000000" pitchFamily="34" charset="-128"/>
+                          <a:ea typeface="Hiragino Kaku Gothic ProN" panose="020B0300000000000000" pitchFamily="34" charset="-128"/>
+                        </a:rPr>
+                        <a:t>3</a:t>
+                      </a:r>
+                      <a:endParaRPr lang="ja-JP" altLang="en-US" sz="1100">
+                        <a:effectLst/>
+                      </a:endParaRPr>
+                    </a:p>
+                  </a:txBody>
+                  <a:tcPr marL="23047" marR="23047" marT="23047" marB="23047">
+                    <a:lnL w="9525" cap="flat" cmpd="sng" algn="ctr">
+                      <a:solidFill>
+                        <a:srgbClr val="000000"/>
+                      </a:solidFill>
+                      <a:prstDash val="solid"/>
+                      <a:round/>
+                      <a:headEnd type="none" w="med" len="med"/>
+                      <a:tailEnd type="none" w="med" len="med"/>
+                    </a:lnL>
+                    <a:lnR w="9525" cap="flat" cmpd="sng" algn="ctr">
+                      <a:solidFill>
+                        <a:srgbClr val="000000"/>
+                      </a:solidFill>
+                      <a:prstDash val="solid"/>
+                      <a:round/>
+                      <a:headEnd type="none" w="med" len="med"/>
+                      <a:tailEnd type="none" w="med" len="med"/>
+                    </a:lnR>
+                    <a:lnT w="9525" cap="flat" cmpd="sng" algn="ctr">
+                      <a:solidFill>
+                        <a:srgbClr val="000000"/>
+                      </a:solidFill>
+                      <a:prstDash val="solid"/>
+                      <a:round/>
+                      <a:headEnd type="none" w="med" len="med"/>
+                      <a:tailEnd type="none" w="med" len="med"/>
+                    </a:lnT>
+                    <a:lnB w="9525" cap="flat" cmpd="sng" algn="ctr">
+                      <a:solidFill>
+                        <a:srgbClr val="000000"/>
+                      </a:solidFill>
+                      <a:prstDash val="solid"/>
+                      <a:round/>
+                      <a:headEnd type="none" w="med" len="med"/>
+                      <a:tailEnd type="none" w="med" len="med"/>
+                    </a:lnB>
+                    <a:solidFill>
+                      <a:srgbClr val="D4D4D4"/>
+                    </a:solidFill>
+                  </a:tcPr>
+                </a:tc>
+                <a:tc>
+                  <a:txBody>
+                    <a:bodyPr/>
+                    <a:lstStyle/>
+                    <a:p>
+                      <a:r>
+                        <a:rPr lang="en" sz="1100">
+                          <a:solidFill>
+                            <a:srgbClr val="000000"/>
+                          </a:solidFill>
+                          <a:effectLst/>
+                          <a:latin typeface="Hiragino Kaku Gothic ProN" panose="020B0300000000000000" pitchFamily="34" charset="-128"/>
+                          <a:ea typeface="Hiragino Kaku Gothic ProN" panose="020B0300000000000000" pitchFamily="34" charset="-128"/>
+                        </a:rPr>
+                        <a:t>AIC</a:t>
+                      </a:r>
+                      <a:endParaRPr lang="en" sz="1100">
+                        <a:effectLst/>
+                      </a:endParaRPr>
+                    </a:p>
+                  </a:txBody>
+                  <a:tcPr marL="23047" marR="23047" marT="23047" marB="23047">
+                    <a:lnL w="9525" cap="flat" cmpd="sng" algn="ctr">
+                      <a:solidFill>
+                        <a:srgbClr val="000000"/>
+                      </a:solidFill>
+                      <a:prstDash val="solid"/>
+                      <a:round/>
+                      <a:headEnd type="none" w="med" len="med"/>
+                      <a:tailEnd type="none" w="med" len="med"/>
+                    </a:lnL>
+                    <a:lnR w="9525" cap="flat" cmpd="sng" algn="ctr">
+                      <a:solidFill>
+                        <a:srgbClr val="000000"/>
+                      </a:solidFill>
+                      <a:prstDash val="solid"/>
+                      <a:round/>
+                      <a:headEnd type="none" w="med" len="med"/>
+                      <a:tailEnd type="none" w="med" len="med"/>
+                    </a:lnR>
+                    <a:lnT w="9525" cap="flat" cmpd="sng" algn="ctr">
+                      <a:solidFill>
+                        <a:srgbClr val="000000"/>
+                      </a:solidFill>
+                      <a:prstDash val="solid"/>
+                      <a:round/>
+                      <a:headEnd type="none" w="med" len="med"/>
+                      <a:tailEnd type="none" w="med" len="med"/>
+                    </a:lnT>
+                    <a:lnB w="9525" cap="flat" cmpd="sng" algn="ctr">
+                      <a:solidFill>
+                        <a:srgbClr val="000000"/>
+                      </a:solidFill>
+                      <a:prstDash val="solid"/>
+                      <a:round/>
+                      <a:headEnd type="none" w="med" len="med"/>
+                      <a:tailEnd type="none" w="med" len="med"/>
+                    </a:lnB>
+                  </a:tcPr>
+                </a:tc>
+                <a:tc>
+                  <a:txBody>
+                    <a:bodyPr/>
+                    <a:lstStyle/>
+                    <a:p>
+                      <a:r>
+                        <a:rPr lang="en" sz="1100">
+                          <a:solidFill>
+                            <a:srgbClr val="000000"/>
+                          </a:solidFill>
+                          <a:effectLst/>
+                          <a:latin typeface="Hiragino Kaku Gothic ProN" panose="020B0300000000000000" pitchFamily="34" charset="-128"/>
+                          <a:ea typeface="Hiragino Kaku Gothic ProN" panose="020B0300000000000000" pitchFamily="34" charset="-128"/>
+                        </a:rPr>
+                        <a:t>BIC</a:t>
+                      </a:r>
+                      <a:endParaRPr lang="en" sz="1100">
+                        <a:effectLst/>
+                      </a:endParaRPr>
+                    </a:p>
+                  </a:txBody>
+                  <a:tcPr marL="23047" marR="23047" marT="23047" marB="23047">
+                    <a:lnL w="9525" cap="flat" cmpd="sng" algn="ctr">
+                      <a:solidFill>
+                        <a:srgbClr val="000000"/>
+                      </a:solidFill>
+                      <a:prstDash val="solid"/>
+                      <a:round/>
+                      <a:headEnd type="none" w="med" len="med"/>
+                      <a:tailEnd type="none" w="med" len="med"/>
+                    </a:lnL>
+                    <a:lnR w="9525" cap="flat" cmpd="sng" algn="ctr">
+                      <a:solidFill>
+                        <a:srgbClr val="000000"/>
+                      </a:solidFill>
+                      <a:prstDash val="solid"/>
+                      <a:round/>
+                      <a:headEnd type="none" w="med" len="med"/>
+                      <a:tailEnd type="none" w="med" len="med"/>
+                    </a:lnR>
+                    <a:lnT w="9525" cap="flat" cmpd="sng" algn="ctr">
+                      <a:solidFill>
+                        <a:srgbClr val="000000"/>
+                      </a:solidFill>
+                      <a:prstDash val="solid"/>
+                      <a:round/>
+                      <a:headEnd type="none" w="med" len="med"/>
+                      <a:tailEnd type="none" w="med" len="med"/>
+                    </a:lnT>
+                    <a:lnB w="9525" cap="flat" cmpd="sng" algn="ctr">
+                      <a:solidFill>
+                        <a:srgbClr val="000000"/>
+                      </a:solidFill>
+                      <a:prstDash val="solid"/>
+                      <a:round/>
+                      <a:headEnd type="none" w="med" len="med"/>
+                      <a:tailEnd type="none" w="med" len="med"/>
+                    </a:lnB>
+                  </a:tcPr>
+                </a:tc>
+                <a:extLst>
+                  <a:ext uri="{0D108BD9-81ED-4DB2-BD59-A6C34878D82A}">
+                    <a16:rowId xmlns:a16="http://schemas.microsoft.com/office/drawing/2014/main" val="1540514559"/>
+                  </a:ext>
+                </a:extLst>
+              </a:tr>
+              <a:tr h="565648">
+                <a:tc>
+                  <a:txBody>
+                    <a:bodyPr/>
+                    <a:lstStyle/>
+                    <a:p>
+                      <a:r>
+                        <a:rPr lang="en-US" altLang="ja-JP" sz="1100" b="1">
+                          <a:solidFill>
+                            <a:srgbClr val="000000"/>
+                          </a:solidFill>
+                          <a:effectLst/>
+                          <a:latin typeface="Hiragino Kaku Gothic ProN" panose="020B0300000000000000" pitchFamily="34" charset="-128"/>
+                          <a:ea typeface="Hiragino Kaku Gothic ProN" panose="020B0300000000000000" pitchFamily="34" charset="-128"/>
+                        </a:rPr>
+                        <a:t>4</a:t>
+                      </a:r>
+                      <a:endParaRPr lang="ja-JP" altLang="en-US" sz="1100">
+                        <a:effectLst/>
+                      </a:endParaRPr>
+                    </a:p>
+                  </a:txBody>
+                  <a:tcPr marL="23047" marR="23047" marT="23047" marB="23047">
+                    <a:lnL w="9525" cap="flat" cmpd="sng" algn="ctr">
+                      <a:solidFill>
+                        <a:srgbClr val="000000"/>
+                      </a:solidFill>
+                      <a:prstDash val="solid"/>
+                      <a:round/>
+                      <a:headEnd type="none" w="med" len="med"/>
+                      <a:tailEnd type="none" w="med" len="med"/>
+                    </a:lnL>
+                    <a:lnR w="9525" cap="flat" cmpd="sng" algn="ctr">
+                      <a:solidFill>
+                        <a:srgbClr val="000000"/>
+                      </a:solidFill>
+                      <a:prstDash val="solid"/>
+                      <a:round/>
+                      <a:headEnd type="none" w="med" len="med"/>
+                      <a:tailEnd type="none" w="med" len="med"/>
+                    </a:lnR>
+                    <a:lnT w="9525" cap="flat" cmpd="sng" algn="ctr">
+                      <a:solidFill>
+                        <a:srgbClr val="000000"/>
+                      </a:solidFill>
+                      <a:prstDash val="solid"/>
+                      <a:round/>
+                      <a:headEnd type="none" w="med" len="med"/>
+                      <a:tailEnd type="none" w="med" len="med"/>
+                    </a:lnT>
+                    <a:lnB w="9525" cap="flat" cmpd="sng" algn="ctr">
+                      <a:solidFill>
+                        <a:srgbClr val="000000"/>
+                      </a:solidFill>
+                      <a:prstDash val="solid"/>
+                      <a:round/>
+                      <a:headEnd type="none" w="med" len="med"/>
+                      <a:tailEnd type="none" w="med" len="med"/>
+                    </a:lnB>
+                    <a:solidFill>
+                      <a:srgbClr val="D4D4D4"/>
+                    </a:solidFill>
+                  </a:tcPr>
+                </a:tc>
+                <a:tc>
+                  <a:txBody>
+                    <a:bodyPr/>
+                    <a:lstStyle/>
+                    <a:p>
+                      <a:r>
+                        <a:rPr lang="en" sz="1100">
+                          <a:solidFill>
+                            <a:srgbClr val="000000"/>
+                          </a:solidFill>
+                          <a:effectLst/>
+                          <a:latin typeface="Hiragino Kaku Gothic ProN" panose="020B0300000000000000" pitchFamily="34" charset="-128"/>
+                          <a:ea typeface="Hiragino Kaku Gothic ProN" panose="020B0300000000000000" pitchFamily="34" charset="-128"/>
+                        </a:rPr>
+                        <a:t>RhatMax</a:t>
+                      </a:r>
+                      <a:endParaRPr lang="en" sz="1100">
+                        <a:effectLst/>
+                      </a:endParaRPr>
+                    </a:p>
+                  </a:txBody>
+                  <a:tcPr marL="23047" marR="23047" marT="23047" marB="23047">
+                    <a:lnL w="9525" cap="flat" cmpd="sng" algn="ctr">
+                      <a:solidFill>
+                        <a:srgbClr val="000000"/>
+                      </a:solidFill>
+                      <a:prstDash val="solid"/>
+                      <a:round/>
+                      <a:headEnd type="none" w="med" len="med"/>
+                      <a:tailEnd type="none" w="med" len="med"/>
+                    </a:lnL>
+                    <a:lnR w="9525" cap="flat" cmpd="sng" algn="ctr">
+                      <a:solidFill>
+                        <a:srgbClr val="000000"/>
+                      </a:solidFill>
+                      <a:prstDash val="solid"/>
+                      <a:round/>
+                      <a:headEnd type="none" w="med" len="med"/>
+                      <a:tailEnd type="none" w="med" len="med"/>
+                    </a:lnR>
+                    <a:lnT w="9525" cap="flat" cmpd="sng" algn="ctr">
+                      <a:solidFill>
+                        <a:srgbClr val="000000"/>
+                      </a:solidFill>
+                      <a:prstDash val="solid"/>
+                      <a:round/>
+                      <a:headEnd type="none" w="med" len="med"/>
+                      <a:tailEnd type="none" w="med" len="med"/>
+                    </a:lnT>
+                    <a:lnB w="9525" cap="flat" cmpd="sng" algn="ctr">
+                      <a:solidFill>
+                        <a:srgbClr val="000000"/>
+                      </a:solidFill>
+                      <a:prstDash val="solid"/>
+                      <a:round/>
+                      <a:headEnd type="none" w="med" len="med"/>
+                      <a:tailEnd type="none" w="med" len="med"/>
+                    </a:lnB>
+                  </a:tcPr>
+                </a:tc>
+                <a:tc>
+                  <a:txBody>
+                    <a:bodyPr/>
+                    <a:lstStyle/>
+                    <a:p>
+                      <a:r>
+                        <a:rPr lang="en-US" altLang="ja-JP" sz="1100">
+                          <a:solidFill>
+                            <a:srgbClr val="000000"/>
+                          </a:solidFill>
+                          <a:effectLst/>
+                          <a:latin typeface="Hiragino Kaku Gothic ProN" panose="020B0300000000000000" pitchFamily="34" charset="-128"/>
+                          <a:ea typeface="Hiragino Kaku Gothic ProN" panose="020B0300000000000000" pitchFamily="34" charset="-128"/>
+                        </a:rPr>
+                        <a:t>1.00451208442095</a:t>
+                      </a:r>
+                      <a:endParaRPr lang="ja-JP" altLang="en-US" sz="1100">
+                        <a:effectLst/>
+                      </a:endParaRPr>
+                    </a:p>
+                  </a:txBody>
+                  <a:tcPr marL="23047" marR="23047" marT="23047" marB="23047">
+                    <a:lnL w="9525" cap="flat" cmpd="sng" algn="ctr">
+                      <a:solidFill>
+                        <a:srgbClr val="000000"/>
+                      </a:solidFill>
+                      <a:prstDash val="solid"/>
+                      <a:round/>
+                      <a:headEnd type="none" w="med" len="med"/>
+                      <a:tailEnd type="none" w="med" len="med"/>
+                    </a:lnL>
+                    <a:lnR w="9525" cap="flat" cmpd="sng" algn="ctr">
+                      <a:solidFill>
+                        <a:srgbClr val="000000"/>
+                      </a:solidFill>
+                      <a:prstDash val="solid"/>
+                      <a:round/>
+                      <a:headEnd type="none" w="med" len="med"/>
+                      <a:tailEnd type="none" w="med" len="med"/>
+                    </a:lnR>
+                    <a:lnT w="9525" cap="flat" cmpd="sng" algn="ctr">
+                      <a:solidFill>
+                        <a:srgbClr val="000000"/>
+                      </a:solidFill>
+                      <a:prstDash val="solid"/>
+                      <a:round/>
+                      <a:headEnd type="none" w="med" len="med"/>
+                      <a:tailEnd type="none" w="med" len="med"/>
+                    </a:lnT>
+                    <a:lnB w="9525" cap="flat" cmpd="sng" algn="ctr">
+                      <a:solidFill>
+                        <a:srgbClr val="000000"/>
+                      </a:solidFill>
+                      <a:prstDash val="solid"/>
+                      <a:round/>
+                      <a:headEnd type="none" w="med" len="med"/>
+                      <a:tailEnd type="none" w="med" len="med"/>
+                    </a:lnB>
+                  </a:tcPr>
+                </a:tc>
+                <a:extLst>
+                  <a:ext uri="{0D108BD9-81ED-4DB2-BD59-A6C34878D82A}">
+                    <a16:rowId xmlns:a16="http://schemas.microsoft.com/office/drawing/2014/main" val="1972302862"/>
+                  </a:ext>
+                </a:extLst>
+              </a:tr>
+              <a:tr h="565648">
+                <a:tc>
+                  <a:txBody>
+                    <a:bodyPr/>
+                    <a:lstStyle/>
+                    <a:p>
+                      <a:r>
+                        <a:rPr lang="en-US" altLang="ja-JP" sz="1100" b="1">
+                          <a:solidFill>
+                            <a:srgbClr val="000000"/>
+                          </a:solidFill>
+                          <a:effectLst/>
+                          <a:latin typeface="Hiragino Kaku Gothic ProN" panose="020B0300000000000000" pitchFamily="34" charset="-128"/>
+                          <a:ea typeface="Hiragino Kaku Gothic ProN" panose="020B0300000000000000" pitchFamily="34" charset="-128"/>
+                        </a:rPr>
+                        <a:t>5</a:t>
+                      </a:r>
+                      <a:endParaRPr lang="ja-JP" altLang="en-US" sz="1100">
+                        <a:effectLst/>
+                      </a:endParaRPr>
+                    </a:p>
+                  </a:txBody>
+                  <a:tcPr marL="23047" marR="23047" marT="23047" marB="23047">
+                    <a:lnL w="9525" cap="flat" cmpd="sng" algn="ctr">
+                      <a:solidFill>
+                        <a:srgbClr val="000000"/>
+                      </a:solidFill>
+                      <a:prstDash val="solid"/>
+                      <a:round/>
+                      <a:headEnd type="none" w="med" len="med"/>
+                      <a:tailEnd type="none" w="med" len="med"/>
+                    </a:lnL>
+                    <a:lnR w="9525" cap="flat" cmpd="sng" algn="ctr">
+                      <a:solidFill>
+                        <a:srgbClr val="000000"/>
+                      </a:solidFill>
+                      <a:prstDash val="solid"/>
+                      <a:round/>
+                      <a:headEnd type="none" w="med" len="med"/>
+                      <a:tailEnd type="none" w="med" len="med"/>
+                    </a:lnR>
+                    <a:lnT w="9525" cap="flat" cmpd="sng" algn="ctr">
+                      <a:solidFill>
+                        <a:srgbClr val="000000"/>
+                      </a:solidFill>
+                      <a:prstDash val="solid"/>
+                      <a:round/>
+                      <a:headEnd type="none" w="med" len="med"/>
+                      <a:tailEnd type="none" w="med" len="med"/>
+                    </a:lnT>
+                    <a:lnB w="9525" cap="flat" cmpd="sng" algn="ctr">
+                      <a:solidFill>
+                        <a:srgbClr val="000000"/>
+                      </a:solidFill>
+                      <a:prstDash val="solid"/>
+                      <a:round/>
+                      <a:headEnd type="none" w="med" len="med"/>
+                      <a:tailEnd type="none" w="med" len="med"/>
+                    </a:lnB>
+                    <a:solidFill>
+                      <a:srgbClr val="D4D4D4"/>
+                    </a:solidFill>
+                  </a:tcPr>
+                </a:tc>
+                <a:tc>
+                  <a:txBody>
+                    <a:bodyPr/>
+                    <a:lstStyle/>
+                    <a:p>
+                      <a:r>
+                        <a:rPr lang="en" sz="1100">
+                          <a:solidFill>
+                            <a:srgbClr val="000000"/>
+                          </a:solidFill>
+                          <a:effectLst/>
+                          <a:latin typeface="Hiragino Kaku Gothic ProN" panose="020B0300000000000000" pitchFamily="34" charset="-128"/>
+                          <a:ea typeface="Hiragino Kaku Gothic ProN" panose="020B0300000000000000" pitchFamily="34" charset="-128"/>
+                        </a:rPr>
+                        <a:t>RhatMean</a:t>
+                      </a:r>
+                      <a:endParaRPr lang="en" sz="1100">
+                        <a:effectLst/>
+                      </a:endParaRPr>
+                    </a:p>
+                  </a:txBody>
+                  <a:tcPr marL="23047" marR="23047" marT="23047" marB="23047">
+                    <a:lnL w="9525" cap="flat" cmpd="sng" algn="ctr">
+                      <a:solidFill>
+                        <a:srgbClr val="000000"/>
+                      </a:solidFill>
+                      <a:prstDash val="solid"/>
+                      <a:round/>
+                      <a:headEnd type="none" w="med" len="med"/>
+                      <a:tailEnd type="none" w="med" len="med"/>
+                    </a:lnL>
+                    <a:lnR w="9525" cap="flat" cmpd="sng" algn="ctr">
+                      <a:solidFill>
+                        <a:srgbClr val="000000"/>
+                      </a:solidFill>
+                      <a:prstDash val="solid"/>
+                      <a:round/>
+                      <a:headEnd type="none" w="med" len="med"/>
+                      <a:tailEnd type="none" w="med" len="med"/>
+                    </a:lnR>
+                    <a:lnT w="9525" cap="flat" cmpd="sng" algn="ctr">
+                      <a:solidFill>
+                        <a:srgbClr val="000000"/>
+                      </a:solidFill>
+                      <a:prstDash val="solid"/>
+                      <a:round/>
+                      <a:headEnd type="none" w="med" len="med"/>
+                      <a:tailEnd type="none" w="med" len="med"/>
+                    </a:lnT>
+                    <a:lnB w="9525" cap="flat" cmpd="sng" algn="ctr">
+                      <a:solidFill>
+                        <a:srgbClr val="000000"/>
+                      </a:solidFill>
+                      <a:prstDash val="solid"/>
+                      <a:round/>
+                      <a:headEnd type="none" w="med" len="med"/>
+                      <a:tailEnd type="none" w="med" len="med"/>
+                    </a:lnB>
+                  </a:tcPr>
+                </a:tc>
+                <a:tc>
+                  <a:txBody>
+                    <a:bodyPr/>
+                    <a:lstStyle/>
+                    <a:p>
+                      <a:r>
+                        <a:rPr lang="en-US" altLang="ja-JP" sz="1100">
+                          <a:solidFill>
+                            <a:srgbClr val="000000"/>
+                          </a:solidFill>
+                          <a:effectLst/>
+                          <a:latin typeface="Hiragino Kaku Gothic ProN" panose="020B0300000000000000" pitchFamily="34" charset="-128"/>
+                          <a:ea typeface="Hiragino Kaku Gothic ProN" panose="020B0300000000000000" pitchFamily="34" charset="-128"/>
+                        </a:rPr>
+                        <a:t>0.999613670549588</a:t>
+                      </a:r>
+                      <a:endParaRPr lang="ja-JP" altLang="en-US" sz="1100">
+                        <a:effectLst/>
+                      </a:endParaRPr>
+                    </a:p>
+                  </a:txBody>
+                  <a:tcPr marL="23047" marR="23047" marT="23047" marB="23047">
+                    <a:lnL w="9525" cap="flat" cmpd="sng" algn="ctr">
+                      <a:solidFill>
+                        <a:srgbClr val="000000"/>
+                      </a:solidFill>
+                      <a:prstDash val="solid"/>
+                      <a:round/>
+                      <a:headEnd type="none" w="med" len="med"/>
+                      <a:tailEnd type="none" w="med" len="med"/>
+                    </a:lnL>
+                    <a:lnR w="9525" cap="flat" cmpd="sng" algn="ctr">
+                      <a:solidFill>
+                        <a:srgbClr val="000000"/>
+                      </a:solidFill>
+                      <a:prstDash val="solid"/>
+                      <a:round/>
+                      <a:headEnd type="none" w="med" len="med"/>
+                      <a:tailEnd type="none" w="med" len="med"/>
+                    </a:lnR>
+                    <a:lnT w="9525" cap="flat" cmpd="sng" algn="ctr">
+                      <a:solidFill>
+                        <a:srgbClr val="000000"/>
+                      </a:solidFill>
+                      <a:prstDash val="solid"/>
+                      <a:round/>
+                      <a:headEnd type="none" w="med" len="med"/>
+                      <a:tailEnd type="none" w="med" len="med"/>
+                    </a:lnT>
+                    <a:lnB w="9525" cap="flat" cmpd="sng" algn="ctr">
+                      <a:solidFill>
+                        <a:srgbClr val="000000"/>
+                      </a:solidFill>
+                      <a:prstDash val="solid"/>
+                      <a:round/>
+                      <a:headEnd type="none" w="med" len="med"/>
+                      <a:tailEnd type="none" w="med" len="med"/>
+                    </a:lnB>
+                  </a:tcPr>
+                </a:tc>
+                <a:extLst>
+                  <a:ext uri="{0D108BD9-81ED-4DB2-BD59-A6C34878D82A}">
+                    <a16:rowId xmlns:a16="http://schemas.microsoft.com/office/drawing/2014/main" val="1599798150"/>
+                  </a:ext>
+                </a:extLst>
+              </a:tr>
+              <a:tr h="433331">
+                <a:tc>
+                  <a:txBody>
+                    <a:bodyPr/>
+                    <a:lstStyle/>
+                    <a:p>
+                      <a:r>
+                        <a:rPr lang="en-US" altLang="ja-JP" sz="1100" b="1">
+                          <a:solidFill>
+                            <a:srgbClr val="000000"/>
+                          </a:solidFill>
+                          <a:effectLst/>
+                          <a:latin typeface="Hiragino Kaku Gothic ProN" panose="020B0300000000000000" pitchFamily="34" charset="-128"/>
+                          <a:ea typeface="Hiragino Kaku Gothic ProN" panose="020B0300000000000000" pitchFamily="34" charset="-128"/>
+                        </a:rPr>
+                        <a:t>6</a:t>
+                      </a:r>
+                      <a:endParaRPr lang="ja-JP" altLang="en-US" sz="1100">
+                        <a:effectLst/>
+                      </a:endParaRPr>
+                    </a:p>
+                  </a:txBody>
+                  <a:tcPr marL="23047" marR="23047" marT="23047" marB="23047">
+                    <a:lnL w="9525" cap="flat" cmpd="sng" algn="ctr">
+                      <a:solidFill>
+                        <a:srgbClr val="000000"/>
+                      </a:solidFill>
+                      <a:prstDash val="solid"/>
+                      <a:round/>
+                      <a:headEnd type="none" w="med" len="med"/>
+                      <a:tailEnd type="none" w="med" len="med"/>
+                    </a:lnL>
+                    <a:lnR w="9525" cap="flat" cmpd="sng" algn="ctr">
+                      <a:solidFill>
+                        <a:srgbClr val="000000"/>
+                      </a:solidFill>
+                      <a:prstDash val="solid"/>
+                      <a:round/>
+                      <a:headEnd type="none" w="med" len="med"/>
+                      <a:tailEnd type="none" w="med" len="med"/>
+                    </a:lnR>
+                    <a:lnT w="9525" cap="flat" cmpd="sng" algn="ctr">
+                      <a:solidFill>
+                        <a:srgbClr val="000000"/>
+                      </a:solidFill>
+                      <a:prstDash val="solid"/>
+                      <a:round/>
+                      <a:headEnd type="none" w="med" len="med"/>
+                      <a:tailEnd type="none" w="med" len="med"/>
+                    </a:lnT>
+                    <a:lnB w="9525" cap="flat" cmpd="sng" algn="ctr">
+                      <a:solidFill>
+                        <a:srgbClr val="000000"/>
+                      </a:solidFill>
+                      <a:prstDash val="solid"/>
+                      <a:round/>
+                      <a:headEnd type="none" w="med" len="med"/>
+                      <a:tailEnd type="none" w="med" len="med"/>
+                    </a:lnB>
+                    <a:solidFill>
+                      <a:srgbClr val="D4D4D4"/>
+                    </a:solidFill>
+                  </a:tcPr>
+                </a:tc>
+                <a:tc>
+                  <a:txBody>
+                    <a:bodyPr/>
+                    <a:lstStyle/>
+                    <a:p>
+                      <a:r>
+                        <a:rPr lang="en" sz="1100">
+                          <a:solidFill>
+                            <a:srgbClr val="000000"/>
+                          </a:solidFill>
+                          <a:effectLst/>
+                          <a:latin typeface="Hiragino Kaku Gothic ProN" panose="020B0300000000000000" pitchFamily="34" charset="-128"/>
+                          <a:ea typeface="Hiragino Kaku Gothic ProN" panose="020B0300000000000000" pitchFamily="34" charset="-128"/>
+                        </a:rPr>
+                        <a:t>SE Mean</a:t>
+                      </a:r>
+                      <a:endParaRPr lang="en" sz="1100">
+                        <a:effectLst/>
+                      </a:endParaRPr>
+                    </a:p>
+                  </a:txBody>
+                  <a:tcPr marL="23047" marR="23047" marT="23047" marB="23047">
+                    <a:lnL w="9525" cap="flat" cmpd="sng" algn="ctr">
+                      <a:solidFill>
+                        <a:srgbClr val="000000"/>
+                      </a:solidFill>
+                      <a:prstDash val="solid"/>
+                      <a:round/>
+                      <a:headEnd type="none" w="med" len="med"/>
+                      <a:tailEnd type="none" w="med" len="med"/>
+                    </a:lnL>
+                    <a:lnR w="9525" cap="flat" cmpd="sng" algn="ctr">
+                      <a:solidFill>
+                        <a:srgbClr val="000000"/>
+                      </a:solidFill>
+                      <a:prstDash val="solid"/>
+                      <a:round/>
+                      <a:headEnd type="none" w="med" len="med"/>
+                      <a:tailEnd type="none" w="med" len="med"/>
+                    </a:lnR>
+                    <a:lnT w="9525" cap="flat" cmpd="sng" algn="ctr">
+                      <a:solidFill>
+                        <a:srgbClr val="000000"/>
+                      </a:solidFill>
+                      <a:prstDash val="solid"/>
+                      <a:round/>
+                      <a:headEnd type="none" w="med" len="med"/>
+                      <a:tailEnd type="none" w="med" len="med"/>
+                    </a:lnT>
+                    <a:lnB w="9525" cap="flat" cmpd="sng" algn="ctr">
+                      <a:solidFill>
+                        <a:srgbClr val="000000"/>
+                      </a:solidFill>
+                      <a:prstDash val="solid"/>
+                      <a:round/>
+                      <a:headEnd type="none" w="med" len="med"/>
+                      <a:tailEnd type="none" w="med" len="med"/>
+                    </a:lnB>
+                  </a:tcPr>
+                </a:tc>
+                <a:tc>
+                  <a:txBody>
+                    <a:bodyPr/>
+                    <a:lstStyle/>
+                    <a:p>
+                      <a:r>
+                        <a:rPr lang="en-US" altLang="ja-JP" sz="1100">
+                          <a:solidFill>
+                            <a:srgbClr val="000000"/>
+                          </a:solidFill>
+                          <a:effectLst/>
+                          <a:latin typeface="Hiragino Kaku Gothic ProN" panose="020B0300000000000000" pitchFamily="34" charset="-128"/>
+                          <a:ea typeface="Hiragino Kaku Gothic ProN" panose="020B0300000000000000" pitchFamily="34" charset="-128"/>
+                        </a:rPr>
+                        <a:t>0.240310402604445</a:t>
+                      </a:r>
+                      <a:endParaRPr lang="ja-JP" altLang="en-US" sz="1100">
+                        <a:effectLst/>
+                      </a:endParaRPr>
+                    </a:p>
+                  </a:txBody>
+                  <a:tcPr marL="23047" marR="23047" marT="23047" marB="23047">
+                    <a:lnL w="9525" cap="flat" cmpd="sng" algn="ctr">
+                      <a:solidFill>
+                        <a:srgbClr val="000000"/>
+                      </a:solidFill>
+                      <a:prstDash val="solid"/>
+                      <a:round/>
+                      <a:headEnd type="none" w="med" len="med"/>
+                      <a:tailEnd type="none" w="med" len="med"/>
+                    </a:lnL>
+                    <a:lnR w="9525" cap="flat" cmpd="sng" algn="ctr">
+                      <a:solidFill>
+                        <a:srgbClr val="000000"/>
+                      </a:solidFill>
+                      <a:prstDash val="solid"/>
+                      <a:round/>
+                      <a:headEnd type="none" w="med" len="med"/>
+                      <a:tailEnd type="none" w="med" len="med"/>
+                    </a:lnR>
+                    <a:lnT w="9525" cap="flat" cmpd="sng" algn="ctr">
+                      <a:solidFill>
+                        <a:srgbClr val="000000"/>
+                      </a:solidFill>
+                      <a:prstDash val="solid"/>
+                      <a:round/>
+                      <a:headEnd type="none" w="med" len="med"/>
+                      <a:tailEnd type="none" w="med" len="med"/>
+                    </a:lnT>
+                    <a:lnB w="9525" cap="flat" cmpd="sng" algn="ctr">
+                      <a:solidFill>
+                        <a:srgbClr val="000000"/>
+                      </a:solidFill>
+                      <a:prstDash val="solid"/>
+                      <a:round/>
+                      <a:headEnd type="none" w="med" len="med"/>
+                      <a:tailEnd type="none" w="med" len="med"/>
+                    </a:lnB>
+                  </a:tcPr>
+                </a:tc>
+                <a:extLst>
+                  <a:ext uri="{0D108BD9-81ED-4DB2-BD59-A6C34878D82A}">
+                    <a16:rowId xmlns:a16="http://schemas.microsoft.com/office/drawing/2014/main" val="1314265364"/>
+                  </a:ext>
+                </a:extLst>
+              </a:tr>
+              <a:tr h="433331">
+                <a:tc>
+                  <a:txBody>
+                    <a:bodyPr/>
+                    <a:lstStyle/>
+                    <a:p>
+                      <a:r>
+                        <a:rPr lang="en-US" altLang="ja-JP" sz="1100" b="1">
+                          <a:solidFill>
+                            <a:srgbClr val="000000"/>
+                          </a:solidFill>
+                          <a:effectLst/>
+                          <a:latin typeface="Hiragino Kaku Gothic ProN" panose="020B0300000000000000" pitchFamily="34" charset="-128"/>
+                          <a:ea typeface="Hiragino Kaku Gothic ProN" panose="020B0300000000000000" pitchFamily="34" charset="-128"/>
+                        </a:rPr>
+                        <a:t>7</a:t>
+                      </a:r>
+                      <a:endParaRPr lang="ja-JP" altLang="en-US" sz="1100">
+                        <a:effectLst/>
+                      </a:endParaRPr>
+                    </a:p>
+                  </a:txBody>
+                  <a:tcPr marL="23047" marR="23047" marT="23047" marB="23047">
+                    <a:lnL w="9525" cap="flat" cmpd="sng" algn="ctr">
+                      <a:solidFill>
+                        <a:srgbClr val="000000"/>
+                      </a:solidFill>
+                      <a:prstDash val="solid"/>
+                      <a:round/>
+                      <a:headEnd type="none" w="med" len="med"/>
+                      <a:tailEnd type="none" w="med" len="med"/>
+                    </a:lnL>
+                    <a:lnR w="9525" cap="flat" cmpd="sng" algn="ctr">
+                      <a:solidFill>
+                        <a:srgbClr val="000000"/>
+                      </a:solidFill>
+                      <a:prstDash val="solid"/>
+                      <a:round/>
+                      <a:headEnd type="none" w="med" len="med"/>
+                      <a:tailEnd type="none" w="med" len="med"/>
+                    </a:lnR>
+                    <a:lnT w="9525" cap="flat" cmpd="sng" algn="ctr">
+                      <a:solidFill>
+                        <a:srgbClr val="000000"/>
+                      </a:solidFill>
+                      <a:prstDash val="solid"/>
+                      <a:round/>
+                      <a:headEnd type="none" w="med" len="med"/>
+                      <a:tailEnd type="none" w="med" len="med"/>
+                    </a:lnT>
+                    <a:lnB w="9525" cap="flat" cmpd="sng" algn="ctr">
+                      <a:solidFill>
+                        <a:srgbClr val="000000"/>
+                      </a:solidFill>
+                      <a:prstDash val="solid"/>
+                      <a:round/>
+                      <a:headEnd type="none" w="med" len="med"/>
+                      <a:tailEnd type="none" w="med" len="med"/>
+                    </a:lnB>
+                    <a:solidFill>
+                      <a:srgbClr val="D4D4D4"/>
+                    </a:solidFill>
+                  </a:tcPr>
+                </a:tc>
+                <a:tc>
+                  <a:txBody>
+                    <a:bodyPr/>
+                    <a:lstStyle/>
+                    <a:p>
+                      <a:r>
+                        <a:rPr lang="en" sz="1100">
+                          <a:solidFill>
+                            <a:srgbClr val="000000"/>
+                          </a:solidFill>
+                          <a:effectLst/>
+                          <a:latin typeface="Hiragino Kaku Gothic ProN" panose="020B0300000000000000" pitchFamily="34" charset="-128"/>
+                          <a:ea typeface="Hiragino Kaku Gothic ProN" panose="020B0300000000000000" pitchFamily="34" charset="-128"/>
+                        </a:rPr>
+                        <a:t>SE SD</a:t>
+                      </a:r>
+                      <a:endParaRPr lang="en" sz="1100">
+                        <a:effectLst/>
+                      </a:endParaRPr>
+                    </a:p>
+                  </a:txBody>
+                  <a:tcPr marL="23047" marR="23047" marT="23047" marB="23047">
+                    <a:lnL w="9525" cap="flat" cmpd="sng" algn="ctr">
+                      <a:solidFill>
+                        <a:srgbClr val="000000"/>
+                      </a:solidFill>
+                      <a:prstDash val="solid"/>
+                      <a:round/>
+                      <a:headEnd type="none" w="med" len="med"/>
+                      <a:tailEnd type="none" w="med" len="med"/>
+                    </a:lnL>
+                    <a:lnR w="9525" cap="flat" cmpd="sng" algn="ctr">
+                      <a:solidFill>
+                        <a:srgbClr val="000000"/>
+                      </a:solidFill>
+                      <a:prstDash val="solid"/>
+                      <a:round/>
+                      <a:headEnd type="none" w="med" len="med"/>
+                      <a:tailEnd type="none" w="med" len="med"/>
+                    </a:lnR>
+                    <a:lnT w="9525" cap="flat" cmpd="sng" algn="ctr">
+                      <a:solidFill>
+                        <a:srgbClr val="000000"/>
+                      </a:solidFill>
+                      <a:prstDash val="solid"/>
+                      <a:round/>
+                      <a:headEnd type="none" w="med" len="med"/>
+                      <a:tailEnd type="none" w="med" len="med"/>
+                    </a:lnT>
+                    <a:lnB w="9525" cap="flat" cmpd="sng" algn="ctr">
+                      <a:solidFill>
+                        <a:srgbClr val="000000"/>
+                      </a:solidFill>
+                      <a:prstDash val="solid"/>
+                      <a:round/>
+                      <a:headEnd type="none" w="med" len="med"/>
+                      <a:tailEnd type="none" w="med" len="med"/>
+                    </a:lnB>
+                  </a:tcPr>
+                </a:tc>
+                <a:tc>
+                  <a:txBody>
+                    <a:bodyPr/>
+                    <a:lstStyle/>
+                    <a:p>
+                      <a:r>
+                        <a:rPr lang="en-US" altLang="ja-JP" sz="1100" dirty="0">
+                          <a:solidFill>
+                            <a:srgbClr val="000000"/>
+                          </a:solidFill>
+                          <a:effectLst/>
+                          <a:latin typeface="Hiragino Kaku Gothic ProN" panose="020B0300000000000000" pitchFamily="34" charset="-128"/>
+                          <a:ea typeface="Hiragino Kaku Gothic ProN" panose="020B0300000000000000" pitchFamily="34" charset="-128"/>
+                        </a:rPr>
+                        <a:t>0.0163381000829987</a:t>
+                      </a:r>
+                      <a:endParaRPr lang="ja-JP" altLang="en-US" sz="1100">
+                        <a:effectLst/>
+                      </a:endParaRPr>
+                    </a:p>
+                  </a:txBody>
+                  <a:tcPr marL="23047" marR="23047" marT="23047" marB="23047">
+                    <a:lnL w="9525" cap="flat" cmpd="sng" algn="ctr">
+                      <a:solidFill>
+                        <a:srgbClr val="000000"/>
+                      </a:solidFill>
+                      <a:prstDash val="solid"/>
+                      <a:round/>
+                      <a:headEnd type="none" w="med" len="med"/>
+                      <a:tailEnd type="none" w="med" len="med"/>
+                    </a:lnL>
+                    <a:lnR w="9525" cap="flat" cmpd="sng" algn="ctr">
+                      <a:solidFill>
+                        <a:srgbClr val="000000"/>
+                      </a:solidFill>
+                      <a:prstDash val="solid"/>
+                      <a:round/>
+                      <a:headEnd type="none" w="med" len="med"/>
+                      <a:tailEnd type="none" w="med" len="med"/>
+                    </a:lnR>
+                    <a:lnT w="9525" cap="flat" cmpd="sng" algn="ctr">
+                      <a:solidFill>
+                        <a:srgbClr val="000000"/>
+                      </a:solidFill>
+                      <a:prstDash val="solid"/>
+                      <a:round/>
+                      <a:headEnd type="none" w="med" len="med"/>
+                      <a:tailEnd type="none" w="med" len="med"/>
+                    </a:lnT>
+                    <a:lnB w="9525" cap="flat" cmpd="sng" algn="ctr">
+                      <a:solidFill>
+                        <a:srgbClr val="000000"/>
+                      </a:solidFill>
+                      <a:prstDash val="solid"/>
+                      <a:round/>
+                      <a:headEnd type="none" w="med" len="med"/>
+                      <a:tailEnd type="none" w="med" len="med"/>
+                    </a:lnB>
+                  </a:tcPr>
+                </a:tc>
+                <a:extLst>
+                  <a:ext uri="{0D108BD9-81ED-4DB2-BD59-A6C34878D82A}">
+                    <a16:rowId xmlns:a16="http://schemas.microsoft.com/office/drawing/2014/main" val="759542371"/>
+                  </a:ext>
+                </a:extLst>
+              </a:tr>
+            </a:tbl>
+          </a:graphicData>
+        </a:graphic>
+      </p:graphicFrame>
+      <p:sp>
+        <p:nvSpPr>
+          <p:cNvPr id="12" name="コンテンツ プレースホルダー 2">
+            <a:extLst>
+              <a:ext uri="{FF2B5EF4-FFF2-40B4-BE49-F238E27FC236}">
+                <a16:creationId xmlns:a16="http://schemas.microsoft.com/office/drawing/2014/main" id="{0C4F35AE-102A-8043-892E-C91A26801A2F}"/>
+              </a:ext>
+            </a:extLst>
+          </p:cNvPr>
+          <p:cNvSpPr txBox="1">
+            <a:spLocks/>
+          </p:cNvSpPr>
+          <p:nvPr/>
+        </p:nvSpPr>
+        <p:spPr>
+          <a:xfrm>
+            <a:off x="3750067" y="1553018"/>
+            <a:ext cx="4120235" cy="4605017"/>
+          </a:xfrm>
+          <a:prstGeom prst="rect">
+            <a:avLst/>
+          </a:prstGeom>
+        </p:spPr>
+        <p:txBody>
+          <a:bodyPr vert="horz" lIns="91440" tIns="45720" rIns="91440" bIns="45720" rtlCol="0">
+            <a:normAutofit/>
+          </a:bodyPr>
+          <a:lstStyle>
+            <a:lvl1pPr marL="228600" indent="-228600" algn="l" defTabSz="914400" rtl="0" eaLnBrk="1" latinLnBrk="0" hangingPunct="1">
+              <a:lnSpc>
+                <a:spcPct val="90000"/>
+              </a:lnSpc>
+              <a:spcBef>
+                <a:spcPts val="1000"/>
+              </a:spcBef>
+              <a:buFont typeface="Arial" panose="020B0604020202020204" pitchFamily="34" charset="0"/>
+              <a:buChar char="•"/>
+              <a:defRPr kumimoji="1" sz="2800" kern="1200">
+                <a:solidFill>
+                  <a:schemeClr val="tx1"/>
+                </a:solidFill>
+                <a:latin typeface="+mn-lt"/>
+                <a:ea typeface="+mn-ea"/>
+                <a:cs typeface="+mn-cs"/>
+              </a:defRPr>
+            </a:lvl1pPr>
+            <a:lvl2pPr marL="685800" indent="-228600" algn="l" defTabSz="914400" rtl="0" eaLnBrk="1" latinLnBrk="0" hangingPunct="1">
+              <a:lnSpc>
+                <a:spcPct val="90000"/>
+              </a:lnSpc>
+              <a:spcBef>
+                <a:spcPts val="500"/>
+              </a:spcBef>
+              <a:buFont typeface="Arial" panose="020B0604020202020204" pitchFamily="34" charset="0"/>
+              <a:buChar char="•"/>
+              <a:defRPr kumimoji="1" sz="2400" kern="1200">
+                <a:solidFill>
+                  <a:schemeClr val="tx1"/>
+                </a:solidFill>
+                <a:latin typeface="+mn-lt"/>
+                <a:ea typeface="+mn-ea"/>
+                <a:cs typeface="+mn-cs"/>
+              </a:defRPr>
+            </a:lvl2pPr>
+            <a:lvl3pPr marL="1143000" indent="-228600" algn="l" defTabSz="914400" rtl="0" eaLnBrk="1" latinLnBrk="0" hangingPunct="1">
+              <a:lnSpc>
+                <a:spcPct val="90000"/>
+              </a:lnSpc>
+              <a:spcBef>
+                <a:spcPts val="500"/>
+              </a:spcBef>
+              <a:buFont typeface="Arial" panose="020B0604020202020204" pitchFamily="34" charset="0"/>
+              <a:buChar char="•"/>
+              <a:defRPr kumimoji="1" sz="2000" kern="1200">
+                <a:solidFill>
+                  <a:schemeClr val="tx1"/>
+                </a:solidFill>
+                <a:latin typeface="+mn-lt"/>
+                <a:ea typeface="+mn-ea"/>
+                <a:cs typeface="+mn-cs"/>
+              </a:defRPr>
+            </a:lvl3pPr>
+            <a:lvl4pPr marL="1600200" indent="-228600" algn="l" defTabSz="914400" rtl="0" eaLnBrk="1" latinLnBrk="0" hangingPunct="1">
+              <a:lnSpc>
+                <a:spcPct val="90000"/>
+              </a:lnSpc>
+              <a:spcBef>
+                <a:spcPts val="500"/>
+              </a:spcBef>
+              <a:buFont typeface="Arial" panose="020B0604020202020204" pitchFamily="34" charset="0"/>
+              <a:buChar char="•"/>
+              <a:defRPr kumimoji="1" sz="1800" kern="1200">
+                <a:solidFill>
+                  <a:schemeClr val="tx1"/>
+                </a:solidFill>
+                <a:latin typeface="+mn-lt"/>
+                <a:ea typeface="+mn-ea"/>
+                <a:cs typeface="+mn-cs"/>
+              </a:defRPr>
+            </a:lvl4pPr>
+            <a:lvl5pPr marL="2057400" indent="-228600" algn="l" defTabSz="914400" rtl="0" eaLnBrk="1" latinLnBrk="0" hangingPunct="1">
+              <a:lnSpc>
+                <a:spcPct val="90000"/>
+              </a:lnSpc>
+              <a:spcBef>
+                <a:spcPts val="500"/>
+              </a:spcBef>
+              <a:buFont typeface="Arial" panose="020B0604020202020204" pitchFamily="34" charset="0"/>
+              <a:buChar char="•"/>
+              <a:defRPr kumimoji="1" sz="1800" kern="1200">
+                <a:solidFill>
+                  <a:schemeClr val="tx1"/>
+                </a:solidFill>
+                <a:latin typeface="+mn-lt"/>
+                <a:ea typeface="+mn-ea"/>
+                <a:cs typeface="+mn-cs"/>
+              </a:defRPr>
+            </a:lvl5pPr>
+            <a:lvl6pPr marL="2514600" indent="-228600" algn="l" defTabSz="914400" rtl="0" eaLnBrk="1" latinLnBrk="0" hangingPunct="1">
+              <a:lnSpc>
+                <a:spcPct val="90000"/>
+              </a:lnSpc>
+              <a:spcBef>
+                <a:spcPts val="500"/>
+              </a:spcBef>
+              <a:buFont typeface="Arial" panose="020B0604020202020204" pitchFamily="34" charset="0"/>
+              <a:buChar char="•"/>
+              <a:defRPr kumimoji="1" sz="1800" kern="1200">
+                <a:solidFill>
+                  <a:schemeClr val="tx1"/>
+                </a:solidFill>
+                <a:latin typeface="+mn-lt"/>
+                <a:ea typeface="+mn-ea"/>
+                <a:cs typeface="+mn-cs"/>
+              </a:defRPr>
+            </a:lvl6pPr>
+            <a:lvl7pPr marL="2971800" indent="-228600" algn="l" defTabSz="914400" rtl="0" eaLnBrk="1" latinLnBrk="0" hangingPunct="1">
+              <a:lnSpc>
+                <a:spcPct val="90000"/>
+              </a:lnSpc>
+              <a:spcBef>
+                <a:spcPts val="500"/>
+              </a:spcBef>
+              <a:buFont typeface="Arial" panose="020B0604020202020204" pitchFamily="34" charset="0"/>
+              <a:buChar char="•"/>
+              <a:defRPr kumimoji="1" sz="1800" kern="1200">
+                <a:solidFill>
+                  <a:schemeClr val="tx1"/>
+                </a:solidFill>
+                <a:latin typeface="+mn-lt"/>
+                <a:ea typeface="+mn-ea"/>
+                <a:cs typeface="+mn-cs"/>
+              </a:defRPr>
+            </a:lvl7pPr>
+            <a:lvl8pPr marL="3429000" indent="-228600" algn="l" defTabSz="914400" rtl="0" eaLnBrk="1" latinLnBrk="0" hangingPunct="1">
+              <a:lnSpc>
+                <a:spcPct val="90000"/>
+              </a:lnSpc>
+              <a:spcBef>
+                <a:spcPts val="500"/>
+              </a:spcBef>
+              <a:buFont typeface="Arial" panose="020B0604020202020204" pitchFamily="34" charset="0"/>
+              <a:buChar char="•"/>
+              <a:defRPr kumimoji="1" sz="1800" kern="1200">
+                <a:solidFill>
+                  <a:schemeClr val="tx1"/>
+                </a:solidFill>
+                <a:latin typeface="+mn-lt"/>
+                <a:ea typeface="+mn-ea"/>
+                <a:cs typeface="+mn-cs"/>
+              </a:defRPr>
+            </a:lvl8pPr>
+            <a:lvl9pPr marL="3886200" indent="-228600" algn="l" defTabSz="914400" rtl="0" eaLnBrk="1" latinLnBrk="0" hangingPunct="1">
+              <a:lnSpc>
+                <a:spcPct val="90000"/>
+              </a:lnSpc>
+              <a:spcBef>
+                <a:spcPts val="500"/>
+              </a:spcBef>
+              <a:buFont typeface="Arial" panose="020B0604020202020204" pitchFamily="34" charset="0"/>
+              <a:buChar char="•"/>
+              <a:defRPr kumimoji="1" sz="1800" kern="1200">
+                <a:solidFill>
+                  <a:schemeClr val="tx1"/>
+                </a:solidFill>
+                <a:latin typeface="+mn-lt"/>
+                <a:ea typeface="+mn-ea"/>
+                <a:cs typeface="+mn-cs"/>
+              </a:defRPr>
+            </a:lvl9pPr>
+          </a:lstStyle>
+          <a:p>
+            <a:r>
+              <a:rPr lang="ja-JP" altLang="en-US"/>
+              <a:t>提案モデル</a:t>
+            </a:r>
+            <a:r>
+              <a:rPr lang="en-US" altLang="ja-JP" dirty="0"/>
+              <a:t>(</a:t>
+            </a:r>
+            <a:r>
+              <a:rPr lang="ja-JP" altLang="en-US"/>
+              <a:t>分散</a:t>
+            </a:r>
+            <a:r>
+              <a:rPr lang="en-US" altLang="ja-JP" dirty="0"/>
+              <a:t>0.1)</a:t>
+            </a:r>
+            <a:endParaRPr lang="ja-JP" altLang="en-US"/>
+          </a:p>
+        </p:txBody>
+      </p:sp>
+      <p:graphicFrame>
+        <p:nvGraphicFramePr>
+          <p:cNvPr id="13" name="コンテンツ プレースホルダー 4">
+            <a:extLst>
+              <a:ext uri="{FF2B5EF4-FFF2-40B4-BE49-F238E27FC236}">
+                <a16:creationId xmlns:a16="http://schemas.microsoft.com/office/drawing/2014/main" id="{796B024A-C38F-C04B-BFC7-D35070B117F4}"/>
+              </a:ext>
+            </a:extLst>
+          </p:cNvPr>
+          <p:cNvGraphicFramePr>
+            <a:graphicFrameLocks/>
+          </p:cNvGraphicFramePr>
+          <p:nvPr>
+            <p:extLst>
+              <p:ext uri="{D42A27DB-BD31-4B8C-83A1-F6EECF244321}">
+                <p14:modId xmlns:p14="http://schemas.microsoft.com/office/powerpoint/2010/main" val="3866350866"/>
+              </p:ext>
+            </p:extLst>
+          </p:nvPr>
+        </p:nvGraphicFramePr>
+        <p:xfrm>
+          <a:off x="4486038" y="2207361"/>
+          <a:ext cx="2807096" cy="3484048"/>
+        </p:xfrm>
+        <a:graphic>
+          <a:graphicData uri="http://schemas.openxmlformats.org/drawingml/2006/table">
+            <a:tbl>
+              <a:tblPr/>
+              <a:tblGrid>
+                <a:gridCol w="383913">
+                  <a:extLst>
+                    <a:ext uri="{9D8B030D-6E8A-4147-A177-3AD203B41FA5}">
+                      <a16:colId xmlns:a16="http://schemas.microsoft.com/office/drawing/2014/main" val="3258985651"/>
+                    </a:ext>
+                  </a:extLst>
+                </a:gridCol>
+                <a:gridCol w="821932">
+                  <a:extLst>
+                    <a:ext uri="{9D8B030D-6E8A-4147-A177-3AD203B41FA5}">
+                      <a16:colId xmlns:a16="http://schemas.microsoft.com/office/drawing/2014/main" val="812481914"/>
+                    </a:ext>
+                  </a:extLst>
+                </a:gridCol>
+                <a:gridCol w="1601251">
+                  <a:extLst>
+                    <a:ext uri="{9D8B030D-6E8A-4147-A177-3AD203B41FA5}">
+                      <a16:colId xmlns:a16="http://schemas.microsoft.com/office/drawing/2014/main" val="1861391834"/>
+                    </a:ext>
+                  </a:extLst>
+                </a:gridCol>
+              </a:tblGrid>
+              <a:tr h="359119">
+                <a:tc>
+                  <a:txBody>
+                    <a:bodyPr/>
+                    <a:lstStyle/>
+                    <a:p>
+                      <a:br>
+                        <a:rPr lang="ja-JP" altLang="en-US" sz="1100">
+                          <a:effectLst/>
+                          <a:latin typeface="Helvetica" pitchFamily="2" charset="0"/>
+                        </a:rPr>
+                      </a:br>
+                      <a:endParaRPr lang="ja-JP" altLang="en-US" sz="1100">
+                        <a:effectLst/>
+                        <a:latin typeface="Helvetica" pitchFamily="2" charset="0"/>
+                      </a:endParaRPr>
+                    </a:p>
+                  </a:txBody>
+                  <a:tcPr marL="23047" marR="23047" marT="23047" marB="23047">
+                    <a:lnL w="9525" cap="flat" cmpd="sng" algn="ctr">
+                      <a:solidFill>
+                        <a:srgbClr val="000000"/>
+                      </a:solidFill>
+                      <a:prstDash val="solid"/>
+                      <a:round/>
+                      <a:headEnd type="none" w="med" len="med"/>
+                      <a:tailEnd type="none" w="med" len="med"/>
+                    </a:lnL>
+                    <a:lnR w="9525" cap="flat" cmpd="sng" algn="ctr">
+                      <a:solidFill>
+                        <a:srgbClr val="000000"/>
+                      </a:solidFill>
+                      <a:prstDash val="solid"/>
+                      <a:round/>
+                      <a:headEnd type="none" w="med" len="med"/>
+                      <a:tailEnd type="none" w="med" len="med"/>
+                    </a:lnR>
+                    <a:lnT w="9525" cap="flat" cmpd="sng" algn="ctr">
+                      <a:solidFill>
+                        <a:srgbClr val="000000"/>
+                      </a:solidFill>
+                      <a:prstDash val="solid"/>
+                      <a:round/>
+                      <a:headEnd type="none" w="med" len="med"/>
+                      <a:tailEnd type="none" w="med" len="med"/>
+                    </a:lnT>
+                    <a:lnB w="9525" cap="flat" cmpd="sng" algn="ctr">
+                      <a:solidFill>
+                        <a:srgbClr val="000000"/>
+                      </a:solidFill>
+                      <a:prstDash val="solid"/>
+                      <a:round/>
+                      <a:headEnd type="none" w="med" len="med"/>
+                      <a:tailEnd type="none" w="med" len="med"/>
+                    </a:lnB>
+                    <a:solidFill>
+                      <a:srgbClr val="B0B3B2"/>
+                    </a:solidFill>
+                  </a:tcPr>
+                </a:tc>
+                <a:tc>
+                  <a:txBody>
+                    <a:bodyPr/>
+                    <a:lstStyle/>
+                    <a:p>
+                      <a:r>
+                        <a:rPr lang="en" sz="1100" b="1">
+                          <a:solidFill>
+                            <a:srgbClr val="000000"/>
+                          </a:solidFill>
+                          <a:effectLst/>
+                          <a:latin typeface="Hiragino Kaku Gothic ProN" panose="020B0300000000000000" pitchFamily="34" charset="-128"/>
+                          <a:ea typeface="Hiragino Kaku Gothic ProN" panose="020B0300000000000000" pitchFamily="34" charset="-128"/>
+                        </a:rPr>
+                        <a:t>V1</a:t>
+                      </a:r>
+                      <a:endParaRPr lang="en" sz="1100">
+                        <a:effectLst/>
+                      </a:endParaRPr>
+                    </a:p>
+                  </a:txBody>
+                  <a:tcPr marL="23047" marR="23047" marT="23047" marB="23047">
+                    <a:lnL w="9525" cap="flat" cmpd="sng" algn="ctr">
+                      <a:solidFill>
+                        <a:srgbClr val="000000"/>
+                      </a:solidFill>
+                      <a:prstDash val="solid"/>
+                      <a:round/>
+                      <a:headEnd type="none" w="med" len="med"/>
+                      <a:tailEnd type="none" w="med" len="med"/>
+                    </a:lnL>
+                    <a:lnR w="9525" cap="flat" cmpd="sng" algn="ctr">
+                      <a:solidFill>
+                        <a:srgbClr val="000000"/>
+                      </a:solidFill>
+                      <a:prstDash val="solid"/>
+                      <a:round/>
+                      <a:headEnd type="none" w="med" len="med"/>
+                      <a:tailEnd type="none" w="med" len="med"/>
+                    </a:lnR>
+                    <a:lnT w="9525" cap="flat" cmpd="sng" algn="ctr">
+                      <a:solidFill>
+                        <a:srgbClr val="000000"/>
+                      </a:solidFill>
+                      <a:prstDash val="solid"/>
+                      <a:round/>
+                      <a:headEnd type="none" w="med" len="med"/>
+                      <a:tailEnd type="none" w="med" len="med"/>
+                    </a:lnT>
+                    <a:lnB w="9525" cap="flat" cmpd="sng" algn="ctr">
+                      <a:solidFill>
+                        <a:srgbClr val="000000"/>
+                      </a:solidFill>
+                      <a:prstDash val="solid"/>
+                      <a:round/>
+                      <a:headEnd type="none" w="med" len="med"/>
+                      <a:tailEnd type="none" w="med" len="med"/>
+                    </a:lnB>
+                    <a:solidFill>
+                      <a:srgbClr val="B0B3B2"/>
+                    </a:solidFill>
+                  </a:tcPr>
+                </a:tc>
+                <a:tc>
+                  <a:txBody>
+                    <a:bodyPr/>
+                    <a:lstStyle/>
+                    <a:p>
+                      <a:r>
+                        <a:rPr lang="en" sz="1100" b="1">
+                          <a:solidFill>
+                            <a:srgbClr val="000000"/>
+                          </a:solidFill>
+                          <a:effectLst/>
+                          <a:latin typeface="Hiragino Kaku Gothic ProN" panose="020B0300000000000000" pitchFamily="34" charset="-128"/>
+                          <a:ea typeface="Hiragino Kaku Gothic ProN" panose="020B0300000000000000" pitchFamily="34" charset="-128"/>
+                        </a:rPr>
+                        <a:t>V2</a:t>
+                      </a:r>
+                      <a:endParaRPr lang="en" sz="1100">
+                        <a:effectLst/>
+                      </a:endParaRPr>
+                    </a:p>
+                  </a:txBody>
+                  <a:tcPr marL="23047" marR="23047" marT="23047" marB="23047">
+                    <a:lnL w="9525" cap="flat" cmpd="sng" algn="ctr">
+                      <a:solidFill>
+                        <a:srgbClr val="000000"/>
+                      </a:solidFill>
+                      <a:prstDash val="solid"/>
+                      <a:round/>
+                      <a:headEnd type="none" w="med" len="med"/>
+                      <a:tailEnd type="none" w="med" len="med"/>
+                    </a:lnL>
+                    <a:lnR w="9525" cap="flat" cmpd="sng" algn="ctr">
+                      <a:solidFill>
+                        <a:srgbClr val="000000"/>
+                      </a:solidFill>
+                      <a:prstDash val="solid"/>
+                      <a:round/>
+                      <a:headEnd type="none" w="med" len="med"/>
+                      <a:tailEnd type="none" w="med" len="med"/>
+                    </a:lnR>
+                    <a:lnT w="9525" cap="flat" cmpd="sng" algn="ctr">
+                      <a:solidFill>
+                        <a:srgbClr val="000000"/>
+                      </a:solidFill>
+                      <a:prstDash val="solid"/>
+                      <a:round/>
+                      <a:headEnd type="none" w="med" len="med"/>
+                      <a:tailEnd type="none" w="med" len="med"/>
+                    </a:lnT>
+                    <a:lnB w="9525" cap="flat" cmpd="sng" algn="ctr">
+                      <a:solidFill>
+                        <a:srgbClr val="000000"/>
+                      </a:solidFill>
+                      <a:prstDash val="solid"/>
+                      <a:round/>
+                      <a:headEnd type="none" w="med" len="med"/>
+                      <a:tailEnd type="none" w="med" len="med"/>
+                    </a:lnB>
+                    <a:solidFill>
+                      <a:srgbClr val="B0B3B2"/>
+                    </a:solidFill>
+                  </a:tcPr>
+                </a:tc>
+                <a:extLst>
+                  <a:ext uri="{0D108BD9-81ED-4DB2-BD59-A6C34878D82A}">
+                    <a16:rowId xmlns:a16="http://schemas.microsoft.com/office/drawing/2014/main" val="1289250974"/>
+                  </a:ext>
+                </a:extLst>
+              </a:tr>
+              <a:tr h="424713">
+                <a:tc>
+                  <a:txBody>
+                    <a:bodyPr/>
+                    <a:lstStyle/>
+                    <a:p>
+                      <a:r>
+                        <a:rPr lang="en-US" altLang="ja-JP" sz="1100" b="1">
+                          <a:solidFill>
+                            <a:srgbClr val="000000"/>
+                          </a:solidFill>
+                          <a:effectLst/>
+                          <a:latin typeface="Hiragino Kaku Gothic ProN" panose="020B0300000000000000" pitchFamily="34" charset="-128"/>
+                          <a:ea typeface="Hiragino Kaku Gothic ProN" panose="020B0300000000000000" pitchFamily="34" charset="-128"/>
+                        </a:rPr>
+                        <a:t>1</a:t>
+                      </a:r>
+                      <a:endParaRPr lang="ja-JP" altLang="en-US" sz="1100">
+                        <a:effectLst/>
+                      </a:endParaRPr>
+                    </a:p>
+                  </a:txBody>
+                  <a:tcPr marL="23047" marR="23047" marT="23047" marB="23047">
+                    <a:lnL w="9525" cap="flat" cmpd="sng" algn="ctr">
+                      <a:solidFill>
+                        <a:srgbClr val="000000"/>
+                      </a:solidFill>
+                      <a:prstDash val="solid"/>
+                      <a:round/>
+                      <a:headEnd type="none" w="med" len="med"/>
+                      <a:tailEnd type="none" w="med" len="med"/>
+                    </a:lnL>
+                    <a:lnR w="9525" cap="flat" cmpd="sng" algn="ctr">
+                      <a:solidFill>
+                        <a:srgbClr val="000000"/>
+                      </a:solidFill>
+                      <a:prstDash val="solid"/>
+                      <a:round/>
+                      <a:headEnd type="none" w="med" len="med"/>
+                      <a:tailEnd type="none" w="med" len="med"/>
+                    </a:lnR>
+                    <a:lnT w="9525" cap="flat" cmpd="sng" algn="ctr">
+                      <a:solidFill>
+                        <a:srgbClr val="000000"/>
+                      </a:solidFill>
+                      <a:prstDash val="solid"/>
+                      <a:round/>
+                      <a:headEnd type="none" w="med" len="med"/>
+                      <a:tailEnd type="none" w="med" len="med"/>
+                    </a:lnT>
+                    <a:lnB w="9525" cap="flat" cmpd="sng" algn="ctr">
+                      <a:solidFill>
+                        <a:srgbClr val="000000"/>
+                      </a:solidFill>
+                      <a:prstDash val="solid"/>
+                      <a:round/>
+                      <a:headEnd type="none" w="med" len="med"/>
+                      <a:tailEnd type="none" w="med" len="med"/>
+                    </a:lnB>
+                    <a:solidFill>
+                      <a:srgbClr val="D4D4D4"/>
+                    </a:solidFill>
+                  </a:tcPr>
+                </a:tc>
+                <a:tc>
+                  <a:txBody>
+                    <a:bodyPr/>
+                    <a:lstStyle/>
+                    <a:p>
+                      <a:r>
+                        <a:rPr lang="en" sz="1100">
+                          <a:solidFill>
+                            <a:srgbClr val="000000"/>
+                          </a:solidFill>
+                          <a:effectLst/>
+                          <a:latin typeface="Hiragino Kaku Gothic ProN" panose="020B0300000000000000" pitchFamily="34" charset="-128"/>
+                          <a:ea typeface="Hiragino Kaku Gothic ProN" panose="020B0300000000000000" pitchFamily="34" charset="-128"/>
+                        </a:rPr>
+                        <a:t>WAIC</a:t>
+                      </a:r>
+                      <a:endParaRPr lang="en" sz="1100">
+                        <a:effectLst/>
+                      </a:endParaRPr>
+                    </a:p>
+                  </a:txBody>
+                  <a:tcPr marL="23047" marR="23047" marT="23047" marB="23047">
+                    <a:lnL w="9525" cap="flat" cmpd="sng" algn="ctr">
+                      <a:solidFill>
+                        <a:srgbClr val="000000"/>
+                      </a:solidFill>
+                      <a:prstDash val="solid"/>
+                      <a:round/>
+                      <a:headEnd type="none" w="med" len="med"/>
+                      <a:tailEnd type="none" w="med" len="med"/>
+                    </a:lnL>
+                    <a:lnR w="9525" cap="flat" cmpd="sng" algn="ctr">
+                      <a:solidFill>
+                        <a:srgbClr val="000000"/>
+                      </a:solidFill>
+                      <a:prstDash val="solid"/>
+                      <a:round/>
+                      <a:headEnd type="none" w="med" len="med"/>
+                      <a:tailEnd type="none" w="med" len="med"/>
+                    </a:lnR>
+                    <a:lnT w="9525" cap="flat" cmpd="sng" algn="ctr">
+                      <a:solidFill>
+                        <a:srgbClr val="000000"/>
+                      </a:solidFill>
+                      <a:prstDash val="solid"/>
+                      <a:round/>
+                      <a:headEnd type="none" w="med" len="med"/>
+                      <a:tailEnd type="none" w="med" len="med"/>
+                    </a:lnT>
+                    <a:lnB w="9525" cap="flat" cmpd="sng" algn="ctr">
+                      <a:solidFill>
+                        <a:srgbClr val="000000"/>
+                      </a:solidFill>
+                      <a:prstDash val="solid"/>
+                      <a:round/>
+                      <a:headEnd type="none" w="med" len="med"/>
+                      <a:tailEnd type="none" w="med" len="med"/>
+                    </a:lnB>
+                  </a:tcPr>
+                </a:tc>
+                <a:tc>
+                  <a:txBody>
+                    <a:bodyPr/>
+                    <a:lstStyle/>
+                    <a:p>
+                      <a:r>
+                        <a:rPr lang="en-US" altLang="ja-JP" sz="1100">
+                          <a:solidFill>
+                            <a:srgbClr val="000000"/>
+                          </a:solidFill>
+                          <a:effectLst/>
+                          <a:latin typeface="Hiragino Kaku Gothic ProN" panose="020B0300000000000000" pitchFamily="34" charset="-128"/>
+                          <a:ea typeface="Hiragino Kaku Gothic ProN" panose="020B0300000000000000" pitchFamily="34" charset="-128"/>
+                        </a:rPr>
+                        <a:t>3104.67858789482</a:t>
+                      </a:r>
+                      <a:endParaRPr lang="ja-JP" altLang="en-US" sz="1100">
+                        <a:effectLst/>
+                      </a:endParaRPr>
+                    </a:p>
+                  </a:txBody>
+                  <a:tcPr marL="23047" marR="23047" marT="23047" marB="23047">
+                    <a:lnL w="9525" cap="flat" cmpd="sng" algn="ctr">
+                      <a:solidFill>
+                        <a:srgbClr val="000000"/>
+                      </a:solidFill>
+                      <a:prstDash val="solid"/>
+                      <a:round/>
+                      <a:headEnd type="none" w="med" len="med"/>
+                      <a:tailEnd type="none" w="med" len="med"/>
+                    </a:lnL>
+                    <a:lnR w="9525" cap="flat" cmpd="sng" algn="ctr">
+                      <a:solidFill>
+                        <a:srgbClr val="000000"/>
+                      </a:solidFill>
+                      <a:prstDash val="solid"/>
+                      <a:round/>
+                      <a:headEnd type="none" w="med" len="med"/>
+                      <a:tailEnd type="none" w="med" len="med"/>
+                    </a:lnR>
+                    <a:lnT w="9525" cap="flat" cmpd="sng" algn="ctr">
+                      <a:solidFill>
+                        <a:srgbClr val="000000"/>
+                      </a:solidFill>
+                      <a:prstDash val="solid"/>
+                      <a:round/>
+                      <a:headEnd type="none" w="med" len="med"/>
+                      <a:tailEnd type="none" w="med" len="med"/>
+                    </a:lnT>
+                    <a:lnB w="9525" cap="flat" cmpd="sng" algn="ctr">
+                      <a:solidFill>
+                        <a:srgbClr val="000000"/>
+                      </a:solidFill>
+                      <a:prstDash val="solid"/>
+                      <a:round/>
+                      <a:headEnd type="none" w="med" len="med"/>
+                      <a:tailEnd type="none" w="med" len="med"/>
+                    </a:lnB>
+                  </a:tcPr>
+                </a:tc>
+                <a:extLst>
+                  <a:ext uri="{0D108BD9-81ED-4DB2-BD59-A6C34878D82A}">
+                    <a16:rowId xmlns:a16="http://schemas.microsoft.com/office/drawing/2014/main" val="3448218873"/>
+                  </a:ext>
+                </a:extLst>
+              </a:tr>
+              <a:tr h="424713">
+                <a:tc>
+                  <a:txBody>
+                    <a:bodyPr/>
+                    <a:lstStyle/>
+                    <a:p>
+                      <a:r>
+                        <a:rPr lang="en-US" altLang="ja-JP" sz="1100" b="1">
+                          <a:solidFill>
+                            <a:srgbClr val="000000"/>
+                          </a:solidFill>
+                          <a:effectLst/>
+                          <a:latin typeface="Hiragino Kaku Gothic ProN" panose="020B0300000000000000" pitchFamily="34" charset="-128"/>
+                          <a:ea typeface="Hiragino Kaku Gothic ProN" panose="020B0300000000000000" pitchFamily="34" charset="-128"/>
+                        </a:rPr>
+                        <a:t>2</a:t>
+                      </a:r>
+                      <a:endParaRPr lang="ja-JP" altLang="en-US" sz="1100">
+                        <a:effectLst/>
+                      </a:endParaRPr>
+                    </a:p>
+                  </a:txBody>
+                  <a:tcPr marL="23047" marR="23047" marT="23047" marB="23047">
+                    <a:lnL w="9525" cap="flat" cmpd="sng" algn="ctr">
+                      <a:solidFill>
+                        <a:srgbClr val="000000"/>
+                      </a:solidFill>
+                      <a:prstDash val="solid"/>
+                      <a:round/>
+                      <a:headEnd type="none" w="med" len="med"/>
+                      <a:tailEnd type="none" w="med" len="med"/>
+                    </a:lnL>
+                    <a:lnR w="9525" cap="flat" cmpd="sng" algn="ctr">
+                      <a:solidFill>
+                        <a:srgbClr val="000000"/>
+                      </a:solidFill>
+                      <a:prstDash val="solid"/>
+                      <a:round/>
+                      <a:headEnd type="none" w="med" len="med"/>
+                      <a:tailEnd type="none" w="med" len="med"/>
+                    </a:lnR>
+                    <a:lnT w="9525" cap="flat" cmpd="sng" algn="ctr">
+                      <a:solidFill>
+                        <a:srgbClr val="000000"/>
+                      </a:solidFill>
+                      <a:prstDash val="solid"/>
+                      <a:round/>
+                      <a:headEnd type="none" w="med" len="med"/>
+                      <a:tailEnd type="none" w="med" len="med"/>
+                    </a:lnT>
+                    <a:lnB w="9525" cap="flat" cmpd="sng" algn="ctr">
+                      <a:solidFill>
+                        <a:srgbClr val="000000"/>
+                      </a:solidFill>
+                      <a:prstDash val="solid"/>
+                      <a:round/>
+                      <a:headEnd type="none" w="med" len="med"/>
+                      <a:tailEnd type="none" w="med" len="med"/>
+                    </a:lnB>
+                    <a:solidFill>
+                      <a:srgbClr val="D4D4D4"/>
+                    </a:solidFill>
+                  </a:tcPr>
+                </a:tc>
+                <a:tc>
+                  <a:txBody>
+                    <a:bodyPr/>
+                    <a:lstStyle/>
+                    <a:p>
+                      <a:r>
+                        <a:rPr lang="en" sz="1100">
+                          <a:solidFill>
+                            <a:srgbClr val="000000"/>
+                          </a:solidFill>
+                          <a:effectLst/>
+                          <a:latin typeface="Hiragino Kaku Gothic ProN" panose="020B0300000000000000" pitchFamily="34" charset="-128"/>
+                          <a:ea typeface="Hiragino Kaku Gothic ProN" panose="020B0300000000000000" pitchFamily="34" charset="-128"/>
+                        </a:rPr>
+                        <a:t>ML</a:t>
+                      </a:r>
+                      <a:endParaRPr lang="en" sz="1100">
+                        <a:effectLst/>
+                      </a:endParaRPr>
+                    </a:p>
+                  </a:txBody>
+                  <a:tcPr marL="23047" marR="23047" marT="23047" marB="23047">
+                    <a:lnL w="9525" cap="flat" cmpd="sng" algn="ctr">
+                      <a:solidFill>
+                        <a:srgbClr val="000000"/>
+                      </a:solidFill>
+                      <a:prstDash val="solid"/>
+                      <a:round/>
+                      <a:headEnd type="none" w="med" len="med"/>
+                      <a:tailEnd type="none" w="med" len="med"/>
+                    </a:lnL>
+                    <a:lnR w="9525" cap="flat" cmpd="sng" algn="ctr">
+                      <a:solidFill>
+                        <a:srgbClr val="000000"/>
+                      </a:solidFill>
+                      <a:prstDash val="solid"/>
+                      <a:round/>
+                      <a:headEnd type="none" w="med" len="med"/>
+                      <a:tailEnd type="none" w="med" len="med"/>
+                    </a:lnR>
+                    <a:lnT w="9525" cap="flat" cmpd="sng" algn="ctr">
+                      <a:solidFill>
+                        <a:srgbClr val="000000"/>
+                      </a:solidFill>
+                      <a:prstDash val="solid"/>
+                      <a:round/>
+                      <a:headEnd type="none" w="med" len="med"/>
+                      <a:tailEnd type="none" w="med" len="med"/>
+                    </a:lnT>
+                    <a:lnB w="9525" cap="flat" cmpd="sng" algn="ctr">
+                      <a:solidFill>
+                        <a:srgbClr val="000000"/>
+                      </a:solidFill>
+                      <a:prstDash val="solid"/>
+                      <a:round/>
+                      <a:headEnd type="none" w="med" len="med"/>
+                      <a:tailEnd type="none" w="med" len="med"/>
+                    </a:lnB>
+                  </a:tcPr>
+                </a:tc>
+                <a:tc>
+                  <a:txBody>
+                    <a:bodyPr/>
+                    <a:lstStyle/>
+                    <a:p>
+                      <a:r>
+                        <a:rPr lang="en-US" altLang="ja-JP" sz="1100">
+                          <a:solidFill>
+                            <a:srgbClr val="000000"/>
+                          </a:solidFill>
+                          <a:effectLst/>
+                          <a:latin typeface="Hiragino Kaku Gothic ProN" panose="020B0300000000000000" pitchFamily="34" charset="-128"/>
+                          <a:ea typeface="Hiragino Kaku Gothic ProN" panose="020B0300000000000000" pitchFamily="34" charset="-128"/>
+                        </a:rPr>
+                        <a:t>3036.36406954869</a:t>
+                      </a:r>
+                      <a:endParaRPr lang="ja-JP" altLang="en-US" sz="1100">
+                        <a:effectLst/>
+                      </a:endParaRPr>
+                    </a:p>
+                  </a:txBody>
+                  <a:tcPr marL="23047" marR="23047" marT="23047" marB="23047">
+                    <a:lnL w="9525" cap="flat" cmpd="sng" algn="ctr">
+                      <a:solidFill>
+                        <a:srgbClr val="000000"/>
+                      </a:solidFill>
+                      <a:prstDash val="solid"/>
+                      <a:round/>
+                      <a:headEnd type="none" w="med" len="med"/>
+                      <a:tailEnd type="none" w="med" len="med"/>
+                    </a:lnL>
+                    <a:lnR w="9525" cap="flat" cmpd="sng" algn="ctr">
+                      <a:solidFill>
+                        <a:srgbClr val="000000"/>
+                      </a:solidFill>
+                      <a:prstDash val="solid"/>
+                      <a:round/>
+                      <a:headEnd type="none" w="med" len="med"/>
+                      <a:tailEnd type="none" w="med" len="med"/>
+                    </a:lnR>
+                    <a:lnT w="9525" cap="flat" cmpd="sng" algn="ctr">
+                      <a:solidFill>
+                        <a:srgbClr val="000000"/>
+                      </a:solidFill>
+                      <a:prstDash val="solid"/>
+                      <a:round/>
+                      <a:headEnd type="none" w="med" len="med"/>
+                      <a:tailEnd type="none" w="med" len="med"/>
+                    </a:lnT>
+                    <a:lnB w="9525" cap="flat" cmpd="sng" algn="ctr">
+                      <a:solidFill>
+                        <a:srgbClr val="000000"/>
+                      </a:solidFill>
+                      <a:prstDash val="solid"/>
+                      <a:round/>
+                      <a:headEnd type="none" w="med" len="med"/>
+                      <a:tailEnd type="none" w="med" len="med"/>
+                    </a:lnB>
+                  </a:tcPr>
+                </a:tc>
+                <a:extLst>
+                  <a:ext uri="{0D108BD9-81ED-4DB2-BD59-A6C34878D82A}">
+                    <a16:rowId xmlns:a16="http://schemas.microsoft.com/office/drawing/2014/main" val="4051010335"/>
+                  </a:ext>
+                </a:extLst>
+              </a:tr>
+              <a:tr h="295028">
+                <a:tc>
+                  <a:txBody>
+                    <a:bodyPr/>
+                    <a:lstStyle/>
+                    <a:p>
+                      <a:r>
+                        <a:rPr lang="en-US" altLang="ja-JP" sz="1100" b="1">
+                          <a:solidFill>
+                            <a:srgbClr val="000000"/>
+                          </a:solidFill>
+                          <a:effectLst/>
+                          <a:latin typeface="Hiragino Kaku Gothic ProN" panose="020B0300000000000000" pitchFamily="34" charset="-128"/>
+                          <a:ea typeface="Hiragino Kaku Gothic ProN" panose="020B0300000000000000" pitchFamily="34" charset="-128"/>
+                        </a:rPr>
+                        <a:t>3</a:t>
+                      </a:r>
+                      <a:endParaRPr lang="ja-JP" altLang="en-US" sz="1100">
+                        <a:effectLst/>
+                      </a:endParaRPr>
+                    </a:p>
+                  </a:txBody>
+                  <a:tcPr marL="23047" marR="23047" marT="23047" marB="23047">
+                    <a:lnL w="9525" cap="flat" cmpd="sng" algn="ctr">
+                      <a:solidFill>
+                        <a:srgbClr val="000000"/>
+                      </a:solidFill>
+                      <a:prstDash val="solid"/>
+                      <a:round/>
+                      <a:headEnd type="none" w="med" len="med"/>
+                      <a:tailEnd type="none" w="med" len="med"/>
+                    </a:lnL>
+                    <a:lnR w="9525" cap="flat" cmpd="sng" algn="ctr">
+                      <a:solidFill>
+                        <a:srgbClr val="000000"/>
+                      </a:solidFill>
+                      <a:prstDash val="solid"/>
+                      <a:round/>
+                      <a:headEnd type="none" w="med" len="med"/>
+                      <a:tailEnd type="none" w="med" len="med"/>
+                    </a:lnR>
+                    <a:lnT w="9525" cap="flat" cmpd="sng" algn="ctr">
+                      <a:solidFill>
+                        <a:srgbClr val="000000"/>
+                      </a:solidFill>
+                      <a:prstDash val="solid"/>
+                      <a:round/>
+                      <a:headEnd type="none" w="med" len="med"/>
+                      <a:tailEnd type="none" w="med" len="med"/>
+                    </a:lnT>
+                    <a:lnB w="9525" cap="flat" cmpd="sng" algn="ctr">
+                      <a:solidFill>
+                        <a:srgbClr val="000000"/>
+                      </a:solidFill>
+                      <a:prstDash val="solid"/>
+                      <a:round/>
+                      <a:headEnd type="none" w="med" len="med"/>
+                      <a:tailEnd type="none" w="med" len="med"/>
+                    </a:lnB>
+                    <a:solidFill>
+                      <a:srgbClr val="D4D4D4"/>
+                    </a:solidFill>
+                  </a:tcPr>
+                </a:tc>
+                <a:tc>
+                  <a:txBody>
+                    <a:bodyPr/>
+                    <a:lstStyle/>
+                    <a:p>
+                      <a:r>
+                        <a:rPr lang="en" sz="1100">
+                          <a:solidFill>
+                            <a:srgbClr val="000000"/>
+                          </a:solidFill>
+                          <a:effectLst/>
+                          <a:latin typeface="Hiragino Kaku Gothic ProN" panose="020B0300000000000000" pitchFamily="34" charset="-128"/>
+                          <a:ea typeface="Hiragino Kaku Gothic ProN" panose="020B0300000000000000" pitchFamily="34" charset="-128"/>
+                        </a:rPr>
+                        <a:t>AIC</a:t>
+                      </a:r>
+                      <a:endParaRPr lang="en" sz="1100">
+                        <a:effectLst/>
+                      </a:endParaRPr>
+                    </a:p>
+                  </a:txBody>
+                  <a:tcPr marL="23047" marR="23047" marT="23047" marB="23047">
+                    <a:lnL w="9525" cap="flat" cmpd="sng" algn="ctr">
+                      <a:solidFill>
+                        <a:srgbClr val="000000"/>
+                      </a:solidFill>
+                      <a:prstDash val="solid"/>
+                      <a:round/>
+                      <a:headEnd type="none" w="med" len="med"/>
+                      <a:tailEnd type="none" w="med" len="med"/>
+                    </a:lnL>
+                    <a:lnR w="9525" cap="flat" cmpd="sng" algn="ctr">
+                      <a:solidFill>
+                        <a:srgbClr val="000000"/>
+                      </a:solidFill>
+                      <a:prstDash val="solid"/>
+                      <a:round/>
+                      <a:headEnd type="none" w="med" len="med"/>
+                      <a:tailEnd type="none" w="med" len="med"/>
+                    </a:lnR>
+                    <a:lnT w="9525" cap="flat" cmpd="sng" algn="ctr">
+                      <a:solidFill>
+                        <a:srgbClr val="000000"/>
+                      </a:solidFill>
+                      <a:prstDash val="solid"/>
+                      <a:round/>
+                      <a:headEnd type="none" w="med" len="med"/>
+                      <a:tailEnd type="none" w="med" len="med"/>
+                    </a:lnT>
+                    <a:lnB w="9525" cap="flat" cmpd="sng" algn="ctr">
+                      <a:solidFill>
+                        <a:srgbClr val="000000"/>
+                      </a:solidFill>
+                      <a:prstDash val="solid"/>
+                      <a:round/>
+                      <a:headEnd type="none" w="med" len="med"/>
+                      <a:tailEnd type="none" w="med" len="med"/>
+                    </a:lnB>
+                  </a:tcPr>
+                </a:tc>
+                <a:tc>
+                  <a:txBody>
+                    <a:bodyPr/>
+                    <a:lstStyle/>
+                    <a:p>
+                      <a:r>
+                        <a:rPr lang="en" sz="1100">
+                          <a:solidFill>
+                            <a:srgbClr val="000000"/>
+                          </a:solidFill>
+                          <a:effectLst/>
+                          <a:latin typeface="Hiragino Kaku Gothic ProN" panose="020B0300000000000000" pitchFamily="34" charset="-128"/>
+                          <a:ea typeface="Hiragino Kaku Gothic ProN" panose="020B0300000000000000" pitchFamily="34" charset="-128"/>
+                        </a:rPr>
+                        <a:t>BIC</a:t>
+                      </a:r>
+                      <a:endParaRPr lang="en" sz="1100">
+                        <a:effectLst/>
+                      </a:endParaRPr>
+                    </a:p>
+                  </a:txBody>
+                  <a:tcPr marL="23047" marR="23047" marT="23047" marB="23047">
+                    <a:lnL w="9525" cap="flat" cmpd="sng" algn="ctr">
+                      <a:solidFill>
+                        <a:srgbClr val="000000"/>
+                      </a:solidFill>
+                      <a:prstDash val="solid"/>
+                      <a:round/>
+                      <a:headEnd type="none" w="med" len="med"/>
+                      <a:tailEnd type="none" w="med" len="med"/>
+                    </a:lnL>
+                    <a:lnR w="9525" cap="flat" cmpd="sng" algn="ctr">
+                      <a:solidFill>
+                        <a:srgbClr val="000000"/>
+                      </a:solidFill>
+                      <a:prstDash val="solid"/>
+                      <a:round/>
+                      <a:headEnd type="none" w="med" len="med"/>
+                      <a:tailEnd type="none" w="med" len="med"/>
+                    </a:lnR>
+                    <a:lnT w="9525" cap="flat" cmpd="sng" algn="ctr">
+                      <a:solidFill>
+                        <a:srgbClr val="000000"/>
+                      </a:solidFill>
+                      <a:prstDash val="solid"/>
+                      <a:round/>
+                      <a:headEnd type="none" w="med" len="med"/>
+                      <a:tailEnd type="none" w="med" len="med"/>
+                    </a:lnT>
+                    <a:lnB w="9525" cap="flat" cmpd="sng" algn="ctr">
+                      <a:solidFill>
+                        <a:srgbClr val="000000"/>
+                      </a:solidFill>
+                      <a:prstDash val="solid"/>
+                      <a:round/>
+                      <a:headEnd type="none" w="med" len="med"/>
+                      <a:tailEnd type="none" w="med" len="med"/>
+                    </a:lnB>
+                  </a:tcPr>
+                </a:tc>
+                <a:extLst>
+                  <a:ext uri="{0D108BD9-81ED-4DB2-BD59-A6C34878D82A}">
+                    <a16:rowId xmlns:a16="http://schemas.microsoft.com/office/drawing/2014/main" val="4013600400"/>
+                  </a:ext>
+                </a:extLst>
+              </a:tr>
+              <a:tr h="554397">
+                <a:tc>
+                  <a:txBody>
+                    <a:bodyPr/>
+                    <a:lstStyle/>
+                    <a:p>
+                      <a:r>
+                        <a:rPr lang="en-US" altLang="ja-JP" sz="1100" b="1">
+                          <a:solidFill>
+                            <a:srgbClr val="000000"/>
+                          </a:solidFill>
+                          <a:effectLst/>
+                          <a:latin typeface="Hiragino Kaku Gothic ProN" panose="020B0300000000000000" pitchFamily="34" charset="-128"/>
+                          <a:ea typeface="Hiragino Kaku Gothic ProN" panose="020B0300000000000000" pitchFamily="34" charset="-128"/>
+                        </a:rPr>
+                        <a:t>4</a:t>
+                      </a:r>
+                      <a:endParaRPr lang="ja-JP" altLang="en-US" sz="1100">
+                        <a:effectLst/>
+                      </a:endParaRPr>
+                    </a:p>
+                  </a:txBody>
+                  <a:tcPr marL="23047" marR="23047" marT="23047" marB="23047">
+                    <a:lnL w="9525" cap="flat" cmpd="sng" algn="ctr">
+                      <a:solidFill>
+                        <a:srgbClr val="000000"/>
+                      </a:solidFill>
+                      <a:prstDash val="solid"/>
+                      <a:round/>
+                      <a:headEnd type="none" w="med" len="med"/>
+                      <a:tailEnd type="none" w="med" len="med"/>
+                    </a:lnL>
+                    <a:lnR w="9525" cap="flat" cmpd="sng" algn="ctr">
+                      <a:solidFill>
+                        <a:srgbClr val="000000"/>
+                      </a:solidFill>
+                      <a:prstDash val="solid"/>
+                      <a:round/>
+                      <a:headEnd type="none" w="med" len="med"/>
+                      <a:tailEnd type="none" w="med" len="med"/>
+                    </a:lnR>
+                    <a:lnT w="9525" cap="flat" cmpd="sng" algn="ctr">
+                      <a:solidFill>
+                        <a:srgbClr val="000000"/>
+                      </a:solidFill>
+                      <a:prstDash val="solid"/>
+                      <a:round/>
+                      <a:headEnd type="none" w="med" len="med"/>
+                      <a:tailEnd type="none" w="med" len="med"/>
+                    </a:lnT>
+                    <a:lnB w="9525" cap="flat" cmpd="sng" algn="ctr">
+                      <a:solidFill>
+                        <a:srgbClr val="000000"/>
+                      </a:solidFill>
+                      <a:prstDash val="solid"/>
+                      <a:round/>
+                      <a:headEnd type="none" w="med" len="med"/>
+                      <a:tailEnd type="none" w="med" len="med"/>
+                    </a:lnB>
+                    <a:solidFill>
+                      <a:srgbClr val="D4D4D4"/>
+                    </a:solidFill>
+                  </a:tcPr>
+                </a:tc>
+                <a:tc>
+                  <a:txBody>
+                    <a:bodyPr/>
+                    <a:lstStyle/>
+                    <a:p>
+                      <a:r>
+                        <a:rPr lang="en" sz="1100">
+                          <a:solidFill>
+                            <a:srgbClr val="000000"/>
+                          </a:solidFill>
+                          <a:effectLst/>
+                          <a:latin typeface="Hiragino Kaku Gothic ProN" panose="020B0300000000000000" pitchFamily="34" charset="-128"/>
+                          <a:ea typeface="Hiragino Kaku Gothic ProN" panose="020B0300000000000000" pitchFamily="34" charset="-128"/>
+                        </a:rPr>
+                        <a:t>RhatMax</a:t>
+                      </a:r>
+                      <a:endParaRPr lang="en" sz="1100">
+                        <a:effectLst/>
+                      </a:endParaRPr>
+                    </a:p>
+                  </a:txBody>
+                  <a:tcPr marL="23047" marR="23047" marT="23047" marB="23047">
+                    <a:lnL w="9525" cap="flat" cmpd="sng" algn="ctr">
+                      <a:solidFill>
+                        <a:srgbClr val="000000"/>
+                      </a:solidFill>
+                      <a:prstDash val="solid"/>
+                      <a:round/>
+                      <a:headEnd type="none" w="med" len="med"/>
+                      <a:tailEnd type="none" w="med" len="med"/>
+                    </a:lnL>
+                    <a:lnR w="9525" cap="flat" cmpd="sng" algn="ctr">
+                      <a:solidFill>
+                        <a:srgbClr val="000000"/>
+                      </a:solidFill>
+                      <a:prstDash val="solid"/>
+                      <a:round/>
+                      <a:headEnd type="none" w="med" len="med"/>
+                      <a:tailEnd type="none" w="med" len="med"/>
+                    </a:lnR>
+                    <a:lnT w="9525" cap="flat" cmpd="sng" algn="ctr">
+                      <a:solidFill>
+                        <a:srgbClr val="000000"/>
+                      </a:solidFill>
+                      <a:prstDash val="solid"/>
+                      <a:round/>
+                      <a:headEnd type="none" w="med" len="med"/>
+                      <a:tailEnd type="none" w="med" len="med"/>
+                    </a:lnT>
+                    <a:lnB w="9525" cap="flat" cmpd="sng" algn="ctr">
+                      <a:solidFill>
+                        <a:srgbClr val="000000"/>
+                      </a:solidFill>
+                      <a:prstDash val="solid"/>
+                      <a:round/>
+                      <a:headEnd type="none" w="med" len="med"/>
+                      <a:tailEnd type="none" w="med" len="med"/>
+                    </a:lnB>
+                  </a:tcPr>
+                </a:tc>
+                <a:tc>
+                  <a:txBody>
+                    <a:bodyPr/>
+                    <a:lstStyle/>
+                    <a:p>
+                      <a:r>
+                        <a:rPr lang="en-US" altLang="ja-JP" sz="1100">
+                          <a:solidFill>
+                            <a:srgbClr val="000000"/>
+                          </a:solidFill>
+                          <a:effectLst/>
+                          <a:latin typeface="Hiragino Kaku Gothic ProN" panose="020B0300000000000000" pitchFamily="34" charset="-128"/>
+                          <a:ea typeface="Hiragino Kaku Gothic ProN" panose="020B0300000000000000" pitchFamily="34" charset="-128"/>
+                        </a:rPr>
+                        <a:t>1.00647575133575</a:t>
+                      </a:r>
+                      <a:endParaRPr lang="ja-JP" altLang="en-US" sz="1100">
+                        <a:effectLst/>
+                      </a:endParaRPr>
+                    </a:p>
+                  </a:txBody>
+                  <a:tcPr marL="23047" marR="23047" marT="23047" marB="23047">
+                    <a:lnL w="9525" cap="flat" cmpd="sng" algn="ctr">
+                      <a:solidFill>
+                        <a:srgbClr val="000000"/>
+                      </a:solidFill>
+                      <a:prstDash val="solid"/>
+                      <a:round/>
+                      <a:headEnd type="none" w="med" len="med"/>
+                      <a:tailEnd type="none" w="med" len="med"/>
+                    </a:lnL>
+                    <a:lnR w="9525" cap="flat" cmpd="sng" algn="ctr">
+                      <a:solidFill>
+                        <a:srgbClr val="000000"/>
+                      </a:solidFill>
+                      <a:prstDash val="solid"/>
+                      <a:round/>
+                      <a:headEnd type="none" w="med" len="med"/>
+                      <a:tailEnd type="none" w="med" len="med"/>
+                    </a:lnR>
+                    <a:lnT w="9525" cap="flat" cmpd="sng" algn="ctr">
+                      <a:solidFill>
+                        <a:srgbClr val="000000"/>
+                      </a:solidFill>
+                      <a:prstDash val="solid"/>
+                      <a:round/>
+                      <a:headEnd type="none" w="med" len="med"/>
+                      <a:tailEnd type="none" w="med" len="med"/>
+                    </a:lnT>
+                    <a:lnB w="9525" cap="flat" cmpd="sng" algn="ctr">
+                      <a:solidFill>
+                        <a:srgbClr val="000000"/>
+                      </a:solidFill>
+                      <a:prstDash val="solid"/>
+                      <a:round/>
+                      <a:headEnd type="none" w="med" len="med"/>
+                      <a:tailEnd type="none" w="med" len="med"/>
+                    </a:lnB>
+                  </a:tcPr>
+                </a:tc>
+                <a:extLst>
+                  <a:ext uri="{0D108BD9-81ED-4DB2-BD59-A6C34878D82A}">
+                    <a16:rowId xmlns:a16="http://schemas.microsoft.com/office/drawing/2014/main" val="3369774705"/>
+                  </a:ext>
+                </a:extLst>
+              </a:tr>
+              <a:tr h="554397">
+                <a:tc>
+                  <a:txBody>
+                    <a:bodyPr/>
+                    <a:lstStyle/>
+                    <a:p>
+                      <a:r>
+                        <a:rPr lang="en-US" altLang="ja-JP" sz="1100" b="1">
+                          <a:solidFill>
+                            <a:srgbClr val="000000"/>
+                          </a:solidFill>
+                          <a:effectLst/>
+                          <a:latin typeface="Hiragino Kaku Gothic ProN" panose="020B0300000000000000" pitchFamily="34" charset="-128"/>
+                          <a:ea typeface="Hiragino Kaku Gothic ProN" panose="020B0300000000000000" pitchFamily="34" charset="-128"/>
+                        </a:rPr>
+                        <a:t>5</a:t>
+                      </a:r>
+                      <a:endParaRPr lang="ja-JP" altLang="en-US" sz="1100">
+                        <a:effectLst/>
+                      </a:endParaRPr>
+                    </a:p>
+                  </a:txBody>
+                  <a:tcPr marL="23047" marR="23047" marT="23047" marB="23047">
+                    <a:lnL w="9525" cap="flat" cmpd="sng" algn="ctr">
+                      <a:solidFill>
+                        <a:srgbClr val="000000"/>
+                      </a:solidFill>
+                      <a:prstDash val="solid"/>
+                      <a:round/>
+                      <a:headEnd type="none" w="med" len="med"/>
+                      <a:tailEnd type="none" w="med" len="med"/>
+                    </a:lnL>
+                    <a:lnR w="9525" cap="flat" cmpd="sng" algn="ctr">
+                      <a:solidFill>
+                        <a:srgbClr val="000000"/>
+                      </a:solidFill>
+                      <a:prstDash val="solid"/>
+                      <a:round/>
+                      <a:headEnd type="none" w="med" len="med"/>
+                      <a:tailEnd type="none" w="med" len="med"/>
+                    </a:lnR>
+                    <a:lnT w="9525" cap="flat" cmpd="sng" algn="ctr">
+                      <a:solidFill>
+                        <a:srgbClr val="000000"/>
+                      </a:solidFill>
+                      <a:prstDash val="solid"/>
+                      <a:round/>
+                      <a:headEnd type="none" w="med" len="med"/>
+                      <a:tailEnd type="none" w="med" len="med"/>
+                    </a:lnT>
+                    <a:lnB w="9525" cap="flat" cmpd="sng" algn="ctr">
+                      <a:solidFill>
+                        <a:srgbClr val="000000"/>
+                      </a:solidFill>
+                      <a:prstDash val="solid"/>
+                      <a:round/>
+                      <a:headEnd type="none" w="med" len="med"/>
+                      <a:tailEnd type="none" w="med" len="med"/>
+                    </a:lnB>
+                    <a:solidFill>
+                      <a:srgbClr val="D4D4D4"/>
+                    </a:solidFill>
+                  </a:tcPr>
+                </a:tc>
+                <a:tc>
+                  <a:txBody>
+                    <a:bodyPr/>
+                    <a:lstStyle/>
+                    <a:p>
+                      <a:r>
+                        <a:rPr lang="en" sz="1100">
+                          <a:solidFill>
+                            <a:srgbClr val="000000"/>
+                          </a:solidFill>
+                          <a:effectLst/>
+                          <a:latin typeface="Hiragino Kaku Gothic ProN" panose="020B0300000000000000" pitchFamily="34" charset="-128"/>
+                          <a:ea typeface="Hiragino Kaku Gothic ProN" panose="020B0300000000000000" pitchFamily="34" charset="-128"/>
+                        </a:rPr>
+                        <a:t>RhatMean</a:t>
+                      </a:r>
+                      <a:endParaRPr lang="en" sz="1100">
+                        <a:effectLst/>
+                      </a:endParaRPr>
+                    </a:p>
+                  </a:txBody>
+                  <a:tcPr marL="23047" marR="23047" marT="23047" marB="23047">
+                    <a:lnL w="9525" cap="flat" cmpd="sng" algn="ctr">
+                      <a:solidFill>
+                        <a:srgbClr val="000000"/>
+                      </a:solidFill>
+                      <a:prstDash val="solid"/>
+                      <a:round/>
+                      <a:headEnd type="none" w="med" len="med"/>
+                      <a:tailEnd type="none" w="med" len="med"/>
+                    </a:lnL>
+                    <a:lnR w="9525" cap="flat" cmpd="sng" algn="ctr">
+                      <a:solidFill>
+                        <a:srgbClr val="000000"/>
+                      </a:solidFill>
+                      <a:prstDash val="solid"/>
+                      <a:round/>
+                      <a:headEnd type="none" w="med" len="med"/>
+                      <a:tailEnd type="none" w="med" len="med"/>
+                    </a:lnR>
+                    <a:lnT w="9525" cap="flat" cmpd="sng" algn="ctr">
+                      <a:solidFill>
+                        <a:srgbClr val="000000"/>
+                      </a:solidFill>
+                      <a:prstDash val="solid"/>
+                      <a:round/>
+                      <a:headEnd type="none" w="med" len="med"/>
+                      <a:tailEnd type="none" w="med" len="med"/>
+                    </a:lnT>
+                    <a:lnB w="9525" cap="flat" cmpd="sng" algn="ctr">
+                      <a:solidFill>
+                        <a:srgbClr val="000000"/>
+                      </a:solidFill>
+                      <a:prstDash val="solid"/>
+                      <a:round/>
+                      <a:headEnd type="none" w="med" len="med"/>
+                      <a:tailEnd type="none" w="med" len="med"/>
+                    </a:lnB>
+                  </a:tcPr>
+                </a:tc>
+                <a:tc>
+                  <a:txBody>
+                    <a:bodyPr/>
+                    <a:lstStyle/>
+                    <a:p>
+                      <a:r>
+                        <a:rPr lang="en-US" altLang="ja-JP" sz="1100">
+                          <a:solidFill>
+                            <a:srgbClr val="000000"/>
+                          </a:solidFill>
+                          <a:effectLst/>
+                          <a:latin typeface="Hiragino Kaku Gothic ProN" panose="020B0300000000000000" pitchFamily="34" charset="-128"/>
+                          <a:ea typeface="Hiragino Kaku Gothic ProN" panose="020B0300000000000000" pitchFamily="34" charset="-128"/>
+                        </a:rPr>
+                        <a:t>1.00078189018683</a:t>
+                      </a:r>
+                      <a:endParaRPr lang="ja-JP" altLang="en-US" sz="1100">
+                        <a:effectLst/>
+                      </a:endParaRPr>
+                    </a:p>
+                  </a:txBody>
+                  <a:tcPr marL="23047" marR="23047" marT="23047" marB="23047">
+                    <a:lnL w="9525" cap="flat" cmpd="sng" algn="ctr">
+                      <a:solidFill>
+                        <a:srgbClr val="000000"/>
+                      </a:solidFill>
+                      <a:prstDash val="solid"/>
+                      <a:round/>
+                      <a:headEnd type="none" w="med" len="med"/>
+                      <a:tailEnd type="none" w="med" len="med"/>
+                    </a:lnL>
+                    <a:lnR w="9525" cap="flat" cmpd="sng" algn="ctr">
+                      <a:solidFill>
+                        <a:srgbClr val="000000"/>
+                      </a:solidFill>
+                      <a:prstDash val="solid"/>
+                      <a:round/>
+                      <a:headEnd type="none" w="med" len="med"/>
+                      <a:tailEnd type="none" w="med" len="med"/>
+                    </a:lnR>
+                    <a:lnT w="9525" cap="flat" cmpd="sng" algn="ctr">
+                      <a:solidFill>
+                        <a:srgbClr val="000000"/>
+                      </a:solidFill>
+                      <a:prstDash val="solid"/>
+                      <a:round/>
+                      <a:headEnd type="none" w="med" len="med"/>
+                      <a:tailEnd type="none" w="med" len="med"/>
+                    </a:lnT>
+                    <a:lnB w="9525" cap="flat" cmpd="sng" algn="ctr">
+                      <a:solidFill>
+                        <a:srgbClr val="000000"/>
+                      </a:solidFill>
+                      <a:prstDash val="solid"/>
+                      <a:round/>
+                      <a:headEnd type="none" w="med" len="med"/>
+                      <a:tailEnd type="none" w="med" len="med"/>
+                    </a:lnB>
+                  </a:tcPr>
+                </a:tc>
+                <a:extLst>
+                  <a:ext uri="{0D108BD9-81ED-4DB2-BD59-A6C34878D82A}">
+                    <a16:rowId xmlns:a16="http://schemas.microsoft.com/office/drawing/2014/main" val="4015513513"/>
+                  </a:ext>
+                </a:extLst>
+              </a:tr>
+              <a:tr h="424713">
+                <a:tc>
+                  <a:txBody>
+                    <a:bodyPr/>
+                    <a:lstStyle/>
+                    <a:p>
+                      <a:r>
+                        <a:rPr lang="en-US" altLang="ja-JP" sz="1100" b="1">
+                          <a:solidFill>
+                            <a:srgbClr val="000000"/>
+                          </a:solidFill>
+                          <a:effectLst/>
+                          <a:latin typeface="Hiragino Kaku Gothic ProN" panose="020B0300000000000000" pitchFamily="34" charset="-128"/>
+                          <a:ea typeface="Hiragino Kaku Gothic ProN" panose="020B0300000000000000" pitchFamily="34" charset="-128"/>
+                        </a:rPr>
+                        <a:t>6</a:t>
+                      </a:r>
+                      <a:endParaRPr lang="ja-JP" altLang="en-US" sz="1100">
+                        <a:effectLst/>
+                      </a:endParaRPr>
+                    </a:p>
+                  </a:txBody>
+                  <a:tcPr marL="23047" marR="23047" marT="23047" marB="23047">
+                    <a:lnL w="9525" cap="flat" cmpd="sng" algn="ctr">
+                      <a:solidFill>
+                        <a:srgbClr val="000000"/>
+                      </a:solidFill>
+                      <a:prstDash val="solid"/>
+                      <a:round/>
+                      <a:headEnd type="none" w="med" len="med"/>
+                      <a:tailEnd type="none" w="med" len="med"/>
+                    </a:lnL>
+                    <a:lnR w="9525" cap="flat" cmpd="sng" algn="ctr">
+                      <a:solidFill>
+                        <a:srgbClr val="000000"/>
+                      </a:solidFill>
+                      <a:prstDash val="solid"/>
+                      <a:round/>
+                      <a:headEnd type="none" w="med" len="med"/>
+                      <a:tailEnd type="none" w="med" len="med"/>
+                    </a:lnR>
+                    <a:lnT w="9525" cap="flat" cmpd="sng" algn="ctr">
+                      <a:solidFill>
+                        <a:srgbClr val="000000"/>
+                      </a:solidFill>
+                      <a:prstDash val="solid"/>
+                      <a:round/>
+                      <a:headEnd type="none" w="med" len="med"/>
+                      <a:tailEnd type="none" w="med" len="med"/>
+                    </a:lnT>
+                    <a:lnB w="9525" cap="flat" cmpd="sng" algn="ctr">
+                      <a:solidFill>
+                        <a:srgbClr val="000000"/>
+                      </a:solidFill>
+                      <a:prstDash val="solid"/>
+                      <a:round/>
+                      <a:headEnd type="none" w="med" len="med"/>
+                      <a:tailEnd type="none" w="med" len="med"/>
+                    </a:lnB>
+                    <a:solidFill>
+                      <a:srgbClr val="D4D4D4"/>
+                    </a:solidFill>
+                  </a:tcPr>
+                </a:tc>
+                <a:tc>
+                  <a:txBody>
+                    <a:bodyPr/>
+                    <a:lstStyle/>
+                    <a:p>
+                      <a:r>
+                        <a:rPr lang="en" sz="1100">
+                          <a:solidFill>
+                            <a:srgbClr val="000000"/>
+                          </a:solidFill>
+                          <a:effectLst/>
+                          <a:latin typeface="Hiragino Kaku Gothic ProN" panose="020B0300000000000000" pitchFamily="34" charset="-128"/>
+                          <a:ea typeface="Hiragino Kaku Gothic ProN" panose="020B0300000000000000" pitchFamily="34" charset="-128"/>
+                        </a:rPr>
+                        <a:t>SE Mean</a:t>
+                      </a:r>
+                      <a:endParaRPr lang="en" sz="1100">
+                        <a:effectLst/>
+                      </a:endParaRPr>
+                    </a:p>
+                  </a:txBody>
+                  <a:tcPr marL="23047" marR="23047" marT="23047" marB="23047">
+                    <a:lnL w="9525" cap="flat" cmpd="sng" algn="ctr">
+                      <a:solidFill>
+                        <a:srgbClr val="000000"/>
+                      </a:solidFill>
+                      <a:prstDash val="solid"/>
+                      <a:round/>
+                      <a:headEnd type="none" w="med" len="med"/>
+                      <a:tailEnd type="none" w="med" len="med"/>
+                    </a:lnL>
+                    <a:lnR w="9525" cap="flat" cmpd="sng" algn="ctr">
+                      <a:solidFill>
+                        <a:srgbClr val="000000"/>
+                      </a:solidFill>
+                      <a:prstDash val="solid"/>
+                      <a:round/>
+                      <a:headEnd type="none" w="med" len="med"/>
+                      <a:tailEnd type="none" w="med" len="med"/>
+                    </a:lnR>
+                    <a:lnT w="9525" cap="flat" cmpd="sng" algn="ctr">
+                      <a:solidFill>
+                        <a:srgbClr val="000000"/>
+                      </a:solidFill>
+                      <a:prstDash val="solid"/>
+                      <a:round/>
+                      <a:headEnd type="none" w="med" len="med"/>
+                      <a:tailEnd type="none" w="med" len="med"/>
+                    </a:lnT>
+                    <a:lnB w="9525" cap="flat" cmpd="sng" algn="ctr">
+                      <a:solidFill>
+                        <a:srgbClr val="000000"/>
+                      </a:solidFill>
+                      <a:prstDash val="solid"/>
+                      <a:round/>
+                      <a:headEnd type="none" w="med" len="med"/>
+                      <a:tailEnd type="none" w="med" len="med"/>
+                    </a:lnB>
+                  </a:tcPr>
+                </a:tc>
+                <a:tc>
+                  <a:txBody>
+                    <a:bodyPr/>
+                    <a:lstStyle/>
+                    <a:p>
+                      <a:r>
+                        <a:rPr lang="en-US" altLang="ja-JP" sz="1100" dirty="0">
+                          <a:solidFill>
+                            <a:srgbClr val="000000"/>
+                          </a:solidFill>
+                          <a:effectLst/>
+                          <a:latin typeface="Hiragino Kaku Gothic ProN" panose="020B0300000000000000" pitchFamily="34" charset="-128"/>
+                          <a:ea typeface="Hiragino Kaku Gothic ProN" panose="020B0300000000000000" pitchFamily="34" charset="-128"/>
+                        </a:rPr>
+                        <a:t>0.238111213340013</a:t>
+                      </a:r>
+                      <a:endParaRPr lang="ja-JP" altLang="en-US" sz="1100">
+                        <a:effectLst/>
+                      </a:endParaRPr>
+                    </a:p>
+                  </a:txBody>
+                  <a:tcPr marL="23047" marR="23047" marT="23047" marB="23047">
+                    <a:lnL w="9525" cap="flat" cmpd="sng" algn="ctr">
+                      <a:solidFill>
+                        <a:srgbClr val="000000"/>
+                      </a:solidFill>
+                      <a:prstDash val="solid"/>
+                      <a:round/>
+                      <a:headEnd type="none" w="med" len="med"/>
+                      <a:tailEnd type="none" w="med" len="med"/>
+                    </a:lnL>
+                    <a:lnR w="9525" cap="flat" cmpd="sng" algn="ctr">
+                      <a:solidFill>
+                        <a:srgbClr val="000000"/>
+                      </a:solidFill>
+                      <a:prstDash val="solid"/>
+                      <a:round/>
+                      <a:headEnd type="none" w="med" len="med"/>
+                      <a:tailEnd type="none" w="med" len="med"/>
+                    </a:lnR>
+                    <a:lnT w="9525" cap="flat" cmpd="sng" algn="ctr">
+                      <a:solidFill>
+                        <a:srgbClr val="000000"/>
+                      </a:solidFill>
+                      <a:prstDash val="solid"/>
+                      <a:round/>
+                      <a:headEnd type="none" w="med" len="med"/>
+                      <a:tailEnd type="none" w="med" len="med"/>
+                    </a:lnT>
+                    <a:lnB w="9525" cap="flat" cmpd="sng" algn="ctr">
+                      <a:solidFill>
+                        <a:srgbClr val="000000"/>
+                      </a:solidFill>
+                      <a:prstDash val="solid"/>
+                      <a:round/>
+                      <a:headEnd type="none" w="med" len="med"/>
+                      <a:tailEnd type="none" w="med" len="med"/>
+                    </a:lnB>
+                  </a:tcPr>
+                </a:tc>
+                <a:extLst>
+                  <a:ext uri="{0D108BD9-81ED-4DB2-BD59-A6C34878D82A}">
+                    <a16:rowId xmlns:a16="http://schemas.microsoft.com/office/drawing/2014/main" val="2320512721"/>
+                  </a:ext>
+                </a:extLst>
+              </a:tr>
+              <a:tr h="424713">
+                <a:tc>
+                  <a:txBody>
+                    <a:bodyPr/>
+                    <a:lstStyle/>
+                    <a:p>
+                      <a:r>
+                        <a:rPr lang="en-US" altLang="ja-JP" sz="1100" b="1">
+                          <a:solidFill>
+                            <a:srgbClr val="000000"/>
+                          </a:solidFill>
+                          <a:effectLst/>
+                          <a:latin typeface="Hiragino Kaku Gothic ProN" panose="020B0300000000000000" pitchFamily="34" charset="-128"/>
+                          <a:ea typeface="Hiragino Kaku Gothic ProN" panose="020B0300000000000000" pitchFamily="34" charset="-128"/>
+                        </a:rPr>
+                        <a:t>7</a:t>
+                      </a:r>
+                      <a:endParaRPr lang="ja-JP" altLang="en-US" sz="1100">
+                        <a:effectLst/>
+                      </a:endParaRPr>
+                    </a:p>
+                  </a:txBody>
+                  <a:tcPr marL="23047" marR="23047" marT="23047" marB="23047">
+                    <a:lnL w="9525" cap="flat" cmpd="sng" algn="ctr">
+                      <a:solidFill>
+                        <a:srgbClr val="000000"/>
+                      </a:solidFill>
+                      <a:prstDash val="solid"/>
+                      <a:round/>
+                      <a:headEnd type="none" w="med" len="med"/>
+                      <a:tailEnd type="none" w="med" len="med"/>
+                    </a:lnL>
+                    <a:lnR w="9525" cap="flat" cmpd="sng" algn="ctr">
+                      <a:solidFill>
+                        <a:srgbClr val="000000"/>
+                      </a:solidFill>
+                      <a:prstDash val="solid"/>
+                      <a:round/>
+                      <a:headEnd type="none" w="med" len="med"/>
+                      <a:tailEnd type="none" w="med" len="med"/>
+                    </a:lnR>
+                    <a:lnT w="9525" cap="flat" cmpd="sng" algn="ctr">
+                      <a:solidFill>
+                        <a:srgbClr val="000000"/>
+                      </a:solidFill>
+                      <a:prstDash val="solid"/>
+                      <a:round/>
+                      <a:headEnd type="none" w="med" len="med"/>
+                      <a:tailEnd type="none" w="med" len="med"/>
+                    </a:lnT>
+                    <a:lnB w="9525" cap="flat" cmpd="sng" algn="ctr">
+                      <a:solidFill>
+                        <a:srgbClr val="000000"/>
+                      </a:solidFill>
+                      <a:prstDash val="solid"/>
+                      <a:round/>
+                      <a:headEnd type="none" w="med" len="med"/>
+                      <a:tailEnd type="none" w="med" len="med"/>
+                    </a:lnB>
+                    <a:solidFill>
+                      <a:srgbClr val="D4D4D4"/>
+                    </a:solidFill>
+                  </a:tcPr>
+                </a:tc>
+                <a:tc>
+                  <a:txBody>
+                    <a:bodyPr/>
+                    <a:lstStyle/>
+                    <a:p>
+                      <a:r>
+                        <a:rPr lang="en" sz="1100">
+                          <a:solidFill>
+                            <a:srgbClr val="000000"/>
+                          </a:solidFill>
+                          <a:effectLst/>
+                          <a:latin typeface="Hiragino Kaku Gothic ProN" panose="020B0300000000000000" pitchFamily="34" charset="-128"/>
+                          <a:ea typeface="Hiragino Kaku Gothic ProN" panose="020B0300000000000000" pitchFamily="34" charset="-128"/>
+                        </a:rPr>
+                        <a:t>SE SD</a:t>
+                      </a:r>
+                      <a:endParaRPr lang="en" sz="1100">
+                        <a:effectLst/>
+                      </a:endParaRPr>
+                    </a:p>
+                  </a:txBody>
+                  <a:tcPr marL="23047" marR="23047" marT="23047" marB="23047">
+                    <a:lnL w="9525" cap="flat" cmpd="sng" algn="ctr">
+                      <a:solidFill>
+                        <a:srgbClr val="000000"/>
+                      </a:solidFill>
+                      <a:prstDash val="solid"/>
+                      <a:round/>
+                      <a:headEnd type="none" w="med" len="med"/>
+                      <a:tailEnd type="none" w="med" len="med"/>
+                    </a:lnL>
+                    <a:lnR w="9525" cap="flat" cmpd="sng" algn="ctr">
+                      <a:solidFill>
+                        <a:srgbClr val="000000"/>
+                      </a:solidFill>
+                      <a:prstDash val="solid"/>
+                      <a:round/>
+                      <a:headEnd type="none" w="med" len="med"/>
+                      <a:tailEnd type="none" w="med" len="med"/>
+                    </a:lnR>
+                    <a:lnT w="9525" cap="flat" cmpd="sng" algn="ctr">
+                      <a:solidFill>
+                        <a:srgbClr val="000000"/>
+                      </a:solidFill>
+                      <a:prstDash val="solid"/>
+                      <a:round/>
+                      <a:headEnd type="none" w="med" len="med"/>
+                      <a:tailEnd type="none" w="med" len="med"/>
+                    </a:lnT>
+                    <a:lnB w="9525" cap="flat" cmpd="sng" algn="ctr">
+                      <a:solidFill>
+                        <a:srgbClr val="000000"/>
+                      </a:solidFill>
+                      <a:prstDash val="solid"/>
+                      <a:round/>
+                      <a:headEnd type="none" w="med" len="med"/>
+                      <a:tailEnd type="none" w="med" len="med"/>
+                    </a:lnB>
+                  </a:tcPr>
+                </a:tc>
+                <a:tc>
+                  <a:txBody>
+                    <a:bodyPr/>
+                    <a:lstStyle/>
+                    <a:p>
+                      <a:r>
+                        <a:rPr lang="en-US" altLang="ja-JP" sz="1100" dirty="0">
+                          <a:solidFill>
+                            <a:srgbClr val="000000"/>
+                          </a:solidFill>
+                          <a:effectLst/>
+                          <a:latin typeface="Hiragino Kaku Gothic ProN" panose="020B0300000000000000" pitchFamily="34" charset="-128"/>
+                          <a:ea typeface="Hiragino Kaku Gothic ProN" panose="020B0300000000000000" pitchFamily="34" charset="-128"/>
+                        </a:rPr>
+                        <a:t>0.0157558154332407</a:t>
+                      </a:r>
+                      <a:endParaRPr lang="ja-JP" altLang="en-US" sz="1100">
+                        <a:effectLst/>
+                      </a:endParaRPr>
+                    </a:p>
+                  </a:txBody>
+                  <a:tcPr marL="23047" marR="23047" marT="23047" marB="23047">
+                    <a:lnL w="9525" cap="flat" cmpd="sng" algn="ctr">
+                      <a:solidFill>
+                        <a:srgbClr val="000000"/>
+                      </a:solidFill>
+                      <a:prstDash val="solid"/>
+                      <a:round/>
+                      <a:headEnd type="none" w="med" len="med"/>
+                      <a:tailEnd type="none" w="med" len="med"/>
+                    </a:lnL>
+                    <a:lnR w="9525" cap="flat" cmpd="sng" algn="ctr">
+                      <a:solidFill>
+                        <a:srgbClr val="000000"/>
+                      </a:solidFill>
+                      <a:prstDash val="solid"/>
+                      <a:round/>
+                      <a:headEnd type="none" w="med" len="med"/>
+                      <a:tailEnd type="none" w="med" len="med"/>
+                    </a:lnR>
+                    <a:lnT w="9525" cap="flat" cmpd="sng" algn="ctr">
+                      <a:solidFill>
+                        <a:srgbClr val="000000"/>
+                      </a:solidFill>
+                      <a:prstDash val="solid"/>
+                      <a:round/>
+                      <a:headEnd type="none" w="med" len="med"/>
+                      <a:tailEnd type="none" w="med" len="med"/>
+                    </a:lnT>
+                    <a:lnB w="9525" cap="flat" cmpd="sng" algn="ctr">
+                      <a:solidFill>
+                        <a:srgbClr val="000000"/>
+                      </a:solidFill>
+                      <a:prstDash val="solid"/>
+                      <a:round/>
+                      <a:headEnd type="none" w="med" len="med"/>
+                      <a:tailEnd type="none" w="med" len="med"/>
+                    </a:lnB>
+                  </a:tcPr>
+                </a:tc>
+                <a:extLst>
+                  <a:ext uri="{0D108BD9-81ED-4DB2-BD59-A6C34878D82A}">
+                    <a16:rowId xmlns:a16="http://schemas.microsoft.com/office/drawing/2014/main" val="3392467239"/>
                   </a:ext>
                 </a:extLst>
               </a:tr>

--- a/ゼミ0713.pptx
+++ b/ゼミ0713.pptx
@@ -106,6 +106,11 @@
       </a:defRPr>
     </a:lvl9pPr>
   </p:defaultTextStyle>
+  <p:extLst>
+    <p:ext uri="{EFAFB233-063F-42B5-8137-9DF3F51BA10A}">
+      <p15:sldGuideLst xmlns:p15="http://schemas.microsoft.com/office/powerpoint/2012/main"/>
+    </p:ext>
+  </p:extLst>
 </p:presentation>
 </file>
 
@@ -256,7 +261,7 @@
           <a:p>
             <a:fld id="{6BE5B419-B26E-FB47-854B-6EE4B0DCC28A}" type="datetimeFigureOut">
               <a:rPr kumimoji="1" lang="ja-JP" altLang="en-US" smtClean="0"/>
-              <a:t>2021/7/9</a:t>
+              <a:t>2021/7/12</a:t>
             </a:fld>
             <a:endParaRPr kumimoji="1" lang="ja-JP" altLang="en-US"/>
           </a:p>
@@ -486,7 +491,7 @@
           <a:p>
             <a:fld id="{6BE5B419-B26E-FB47-854B-6EE4B0DCC28A}" type="datetimeFigureOut">
               <a:rPr kumimoji="1" lang="ja-JP" altLang="en-US" smtClean="0"/>
-              <a:t>2021/7/9</a:t>
+              <a:t>2021/7/12</a:t>
             </a:fld>
             <a:endParaRPr kumimoji="1" lang="ja-JP" altLang="en-US"/>
           </a:p>
@@ -726,7 +731,7 @@
           <a:p>
             <a:fld id="{6BE5B419-B26E-FB47-854B-6EE4B0DCC28A}" type="datetimeFigureOut">
               <a:rPr kumimoji="1" lang="ja-JP" altLang="en-US" smtClean="0"/>
-              <a:t>2021/7/9</a:t>
+              <a:t>2021/7/12</a:t>
             </a:fld>
             <a:endParaRPr kumimoji="1" lang="ja-JP" altLang="en-US"/>
           </a:p>
@@ -956,7 +961,7 @@
           <a:p>
             <a:fld id="{6BE5B419-B26E-FB47-854B-6EE4B0DCC28A}" type="datetimeFigureOut">
               <a:rPr kumimoji="1" lang="ja-JP" altLang="en-US" smtClean="0"/>
-              <a:t>2021/7/9</a:t>
+              <a:t>2021/7/12</a:t>
             </a:fld>
             <a:endParaRPr kumimoji="1" lang="ja-JP" altLang="en-US"/>
           </a:p>
@@ -1231,7 +1236,7 @@
           <a:p>
             <a:fld id="{6BE5B419-B26E-FB47-854B-6EE4B0DCC28A}" type="datetimeFigureOut">
               <a:rPr kumimoji="1" lang="ja-JP" altLang="en-US" smtClean="0"/>
-              <a:t>2021/7/9</a:t>
+              <a:t>2021/7/12</a:t>
             </a:fld>
             <a:endParaRPr kumimoji="1" lang="ja-JP" altLang="en-US"/>
           </a:p>
@@ -1560,7 +1565,7 @@
           <a:p>
             <a:fld id="{6BE5B419-B26E-FB47-854B-6EE4B0DCC28A}" type="datetimeFigureOut">
               <a:rPr kumimoji="1" lang="ja-JP" altLang="en-US" smtClean="0"/>
-              <a:t>2021/7/9</a:t>
+              <a:t>2021/7/12</a:t>
             </a:fld>
             <a:endParaRPr kumimoji="1" lang="ja-JP" altLang="en-US"/>
           </a:p>
@@ -2036,7 +2041,7 @@
           <a:p>
             <a:fld id="{6BE5B419-B26E-FB47-854B-6EE4B0DCC28A}" type="datetimeFigureOut">
               <a:rPr kumimoji="1" lang="ja-JP" altLang="en-US" smtClean="0"/>
-              <a:t>2021/7/9</a:t>
+              <a:t>2021/7/12</a:t>
             </a:fld>
             <a:endParaRPr kumimoji="1" lang="ja-JP" altLang="en-US"/>
           </a:p>
@@ -2177,7 +2182,7 @@
           <a:p>
             <a:fld id="{6BE5B419-B26E-FB47-854B-6EE4B0DCC28A}" type="datetimeFigureOut">
               <a:rPr kumimoji="1" lang="ja-JP" altLang="en-US" smtClean="0"/>
-              <a:t>2021/7/9</a:t>
+              <a:t>2021/7/12</a:t>
             </a:fld>
             <a:endParaRPr kumimoji="1" lang="ja-JP" altLang="en-US"/>
           </a:p>
@@ -2290,7 +2295,7 @@
           <a:p>
             <a:fld id="{6BE5B419-B26E-FB47-854B-6EE4B0DCC28A}" type="datetimeFigureOut">
               <a:rPr kumimoji="1" lang="ja-JP" altLang="en-US" smtClean="0"/>
-              <a:t>2021/7/9</a:t>
+              <a:t>2021/7/12</a:t>
             </a:fld>
             <a:endParaRPr kumimoji="1" lang="ja-JP" altLang="en-US"/>
           </a:p>
@@ -2633,7 +2638,7 @@
           <a:p>
             <a:fld id="{6BE5B419-B26E-FB47-854B-6EE4B0DCC28A}" type="datetimeFigureOut">
               <a:rPr kumimoji="1" lang="ja-JP" altLang="en-US" smtClean="0"/>
-              <a:t>2021/7/9</a:t>
+              <a:t>2021/7/12</a:t>
             </a:fld>
             <a:endParaRPr kumimoji="1" lang="ja-JP" altLang="en-US"/>
           </a:p>
@@ -2921,7 +2926,7 @@
           <a:p>
             <a:fld id="{6BE5B419-B26E-FB47-854B-6EE4B0DCC28A}" type="datetimeFigureOut">
               <a:rPr kumimoji="1" lang="ja-JP" altLang="en-US" smtClean="0"/>
-              <a:t>2021/7/9</a:t>
+              <a:t>2021/7/12</a:t>
             </a:fld>
             <a:endParaRPr kumimoji="1" lang="ja-JP" altLang="en-US"/>
           </a:p>
@@ -3194,7 +3199,7 @@
           <a:p>
             <a:fld id="{6BE5B419-B26E-FB47-854B-6EE4B0DCC28A}" type="datetimeFigureOut">
               <a:rPr kumimoji="1" lang="ja-JP" altLang="en-US" smtClean="0"/>
-              <a:t>2021/7/9</a:t>
+              <a:t>2021/7/12</a:t>
             </a:fld>
             <a:endParaRPr kumimoji="1" lang="ja-JP" altLang="en-US"/>
           </a:p>
@@ -3780,6 +3785,81 @@
             <a:endParaRPr lang="en-US" altLang="ja-JP" dirty="0"/>
           </a:p>
           <a:p>
+            <a:r>
+              <a:rPr lang="ja-JP" altLang="en-US"/>
+              <a:t>修正したモデルでまわす</a:t>
+            </a:r>
+            <a:endParaRPr lang="en-US" altLang="ja-JP" dirty="0"/>
+          </a:p>
+          <a:p>
+            <a:endParaRPr lang="en-US" altLang="ja-JP" dirty="0"/>
+          </a:p>
+          <a:p>
+            <a:r>
+              <a:rPr lang="ja-JP" altLang="en-US">
+                <a:solidFill>
+                  <a:schemeClr val="tx1">
+                    <a:lumMod val="50000"/>
+                    <a:lumOff val="50000"/>
+                  </a:schemeClr>
+                </a:solidFill>
+              </a:rPr>
+              <a:t>家に帰ってきてノート</a:t>
+            </a:r>
+            <a:r>
+              <a:rPr lang="en-US" altLang="ja-JP" dirty="0">
+                <a:solidFill>
+                  <a:schemeClr val="tx1">
+                    <a:lumMod val="50000"/>
+                    <a:lumOff val="50000"/>
+                  </a:schemeClr>
+                </a:solidFill>
+              </a:rPr>
+              <a:t>PC</a:t>
+            </a:r>
+            <a:r>
+              <a:rPr lang="ja-JP" altLang="en-US">
+                <a:solidFill>
+                  <a:schemeClr val="tx1">
+                    <a:lumMod val="50000"/>
+                    <a:lumOff val="50000"/>
+                  </a:schemeClr>
+                </a:solidFill>
+              </a:rPr>
+              <a:t>でやっていたらなぜか環境構築系のエラーが</a:t>
+            </a:r>
+            <a:r>
+              <a:rPr lang="en-US" altLang="ja-JP" dirty="0">
+                <a:solidFill>
+                  <a:schemeClr val="tx1">
+                    <a:lumMod val="50000"/>
+                    <a:lumOff val="50000"/>
+                  </a:schemeClr>
+                </a:solidFill>
+              </a:rPr>
+              <a:t>…</a:t>
+            </a:r>
+            <a:r>
+              <a:rPr lang="ja-JP" altLang="en-US">
+                <a:solidFill>
+                  <a:schemeClr val="tx1">
+                    <a:lumMod val="50000"/>
+                    <a:lumOff val="50000"/>
+                  </a:schemeClr>
+                </a:solidFill>
+              </a:rPr>
+              <a:t>→多分解決</a:t>
+            </a:r>
+            <a:endParaRPr lang="en-US" altLang="ja-JP" dirty="0">
+              <a:solidFill>
+                <a:schemeClr val="tx1">
+                  <a:lumMod val="50000"/>
+                  <a:lumOff val="50000"/>
+                </a:schemeClr>
+              </a:solidFill>
+            </a:endParaRPr>
+          </a:p>
+          <a:p>
             <a:endParaRPr lang="en-US" altLang="ja-JP" dirty="0"/>
           </a:p>
         </p:txBody>
@@ -3925,1618 +4005,6 @@
           </a:p>
         </p:txBody>
       </p:sp>
-      <p:sp>
-        <p:nvSpPr>
-          <p:cNvPr id="8" name="テキスト ボックス 7">
-            <a:extLst>
-              <a:ext uri="{FF2B5EF4-FFF2-40B4-BE49-F238E27FC236}">
-                <a16:creationId xmlns:a16="http://schemas.microsoft.com/office/drawing/2014/main" id="{F2876216-AB4C-B749-B801-F5A1CCC9D605}"/>
-              </a:ext>
-            </a:extLst>
-          </p:cNvPr>
-          <p:cNvSpPr txBox="1"/>
-          <p:nvPr/>
-        </p:nvSpPr>
-        <p:spPr>
-          <a:xfrm>
-            <a:off x="6172202" y="6110418"/>
-            <a:ext cx="2907585" cy="369332"/>
-          </a:xfrm>
-          <a:prstGeom prst="rect">
-            <a:avLst/>
-          </a:prstGeom>
-          <a:noFill/>
-        </p:spPr>
-        <p:txBody>
-          <a:bodyPr wrap="square" rtlCol="0">
-            <a:spAutoFit/>
-          </a:bodyPr>
-          <a:lstStyle/>
-          <a:p>
-            <a:r>
-              <a:rPr kumimoji="1" lang="ja-JP" altLang="en-US"/>
-              <a:t>こっちの方が悪い？</a:t>
-            </a:r>
-          </a:p>
-        </p:txBody>
-      </p:sp>
-      <p:graphicFrame>
-        <p:nvGraphicFramePr>
-          <p:cNvPr id="10" name="表 9">
-            <a:extLst>
-              <a:ext uri="{FF2B5EF4-FFF2-40B4-BE49-F238E27FC236}">
-                <a16:creationId xmlns:a16="http://schemas.microsoft.com/office/drawing/2014/main" id="{9C8E1A95-F45A-5D41-ABF5-DA4BF41ADF36}"/>
-              </a:ext>
-            </a:extLst>
-          </p:cNvPr>
-          <p:cNvGraphicFramePr>
-            <a:graphicFrameLocks noGrp="1"/>
-          </p:cNvGraphicFramePr>
-          <p:nvPr>
-            <p:extLst>
-              <p:ext uri="{D42A27DB-BD31-4B8C-83A1-F6EECF244321}">
-                <p14:modId xmlns:p14="http://schemas.microsoft.com/office/powerpoint/2010/main" val="4000810587"/>
-              </p:ext>
-            </p:extLst>
-          </p:nvPr>
-        </p:nvGraphicFramePr>
-        <p:xfrm>
-          <a:off x="922534" y="2202503"/>
-          <a:ext cx="2743199" cy="3466649"/>
-        </p:xfrm>
-        <a:graphic>
-          <a:graphicData uri="http://schemas.openxmlformats.org/drawingml/2006/table">
-            <a:tbl>
-              <a:tblPr/>
-              <a:tblGrid>
-                <a:gridCol w="390417">
-                  <a:extLst>
-                    <a:ext uri="{9D8B030D-6E8A-4147-A177-3AD203B41FA5}">
-                      <a16:colId xmlns:a16="http://schemas.microsoft.com/office/drawing/2014/main" val="476239027"/>
-                    </a:ext>
-                  </a:extLst>
-                </a:gridCol>
-                <a:gridCol w="1047964">
-                  <a:extLst>
-                    <a:ext uri="{9D8B030D-6E8A-4147-A177-3AD203B41FA5}">
-                      <a16:colId xmlns:a16="http://schemas.microsoft.com/office/drawing/2014/main" val="3098815093"/>
-                    </a:ext>
-                  </a:extLst>
-                </a:gridCol>
-                <a:gridCol w="1304818">
-                  <a:extLst>
-                    <a:ext uri="{9D8B030D-6E8A-4147-A177-3AD203B41FA5}">
-                      <a16:colId xmlns:a16="http://schemas.microsoft.com/office/drawing/2014/main" val="2806955985"/>
-                    </a:ext>
-                  </a:extLst>
-                </a:gridCol>
-              </a:tblGrid>
-              <a:tr h="293373">
-                <a:tc>
-                  <a:txBody>
-                    <a:bodyPr/>
-                    <a:lstStyle/>
-                    <a:p>
-                      <a:br>
-                        <a:rPr lang="ja-JP" altLang="en-US" sz="1100">
-                          <a:effectLst/>
-                          <a:latin typeface="Helvetica" pitchFamily="2" charset="0"/>
-                        </a:rPr>
-                      </a:br>
-                      <a:endParaRPr lang="ja-JP" altLang="en-US" sz="1100">
-                        <a:effectLst/>
-                        <a:latin typeface="Helvetica" pitchFamily="2" charset="0"/>
-                      </a:endParaRPr>
-                    </a:p>
-                  </a:txBody>
-                  <a:tcPr marL="23047" marR="23047" marT="23047" marB="23047">
-                    <a:lnL w="9525" cap="flat" cmpd="sng" algn="ctr">
-                      <a:solidFill>
-                        <a:srgbClr val="000000"/>
-                      </a:solidFill>
-                      <a:prstDash val="solid"/>
-                      <a:round/>
-                      <a:headEnd type="none" w="med" len="med"/>
-                      <a:tailEnd type="none" w="med" len="med"/>
-                    </a:lnL>
-                    <a:lnR w="9525" cap="flat" cmpd="sng" algn="ctr">
-                      <a:solidFill>
-                        <a:srgbClr val="000000"/>
-                      </a:solidFill>
-                      <a:prstDash val="solid"/>
-                      <a:round/>
-                      <a:headEnd type="none" w="med" len="med"/>
-                      <a:tailEnd type="none" w="med" len="med"/>
-                    </a:lnR>
-                    <a:lnT w="9525" cap="flat" cmpd="sng" algn="ctr">
-                      <a:solidFill>
-                        <a:srgbClr val="000000"/>
-                      </a:solidFill>
-                      <a:prstDash val="solid"/>
-                      <a:round/>
-                      <a:headEnd type="none" w="med" len="med"/>
-                      <a:tailEnd type="none" w="med" len="med"/>
-                    </a:lnT>
-                    <a:lnB w="9525" cap="flat" cmpd="sng" algn="ctr">
-                      <a:solidFill>
-                        <a:srgbClr val="000000"/>
-                      </a:solidFill>
-                      <a:prstDash val="solid"/>
-                      <a:round/>
-                      <a:headEnd type="none" w="med" len="med"/>
-                      <a:tailEnd type="none" w="med" len="med"/>
-                    </a:lnB>
-                    <a:solidFill>
-                      <a:srgbClr val="B0B3B2"/>
-                    </a:solidFill>
-                  </a:tcPr>
-                </a:tc>
-                <a:tc>
-                  <a:txBody>
-                    <a:bodyPr/>
-                    <a:lstStyle/>
-                    <a:p>
-                      <a:r>
-                        <a:rPr lang="en" sz="1100" b="1">
-                          <a:solidFill>
-                            <a:srgbClr val="000000"/>
-                          </a:solidFill>
-                          <a:effectLst/>
-                          <a:latin typeface="Hiragino Kaku Gothic ProN" panose="020B0300000000000000" pitchFamily="34" charset="-128"/>
-                          <a:ea typeface="Hiragino Kaku Gothic ProN" panose="020B0300000000000000" pitchFamily="34" charset="-128"/>
-                        </a:rPr>
-                        <a:t>V1</a:t>
-                      </a:r>
-                      <a:endParaRPr lang="en" sz="1100">
-                        <a:effectLst/>
-                      </a:endParaRPr>
-                    </a:p>
-                  </a:txBody>
-                  <a:tcPr marL="23047" marR="23047" marT="23047" marB="23047">
-                    <a:lnL w="9525" cap="flat" cmpd="sng" algn="ctr">
-                      <a:solidFill>
-                        <a:srgbClr val="000000"/>
-                      </a:solidFill>
-                      <a:prstDash val="solid"/>
-                      <a:round/>
-                      <a:headEnd type="none" w="med" len="med"/>
-                      <a:tailEnd type="none" w="med" len="med"/>
-                    </a:lnL>
-                    <a:lnR w="9525" cap="flat" cmpd="sng" algn="ctr">
-                      <a:solidFill>
-                        <a:srgbClr val="000000"/>
-                      </a:solidFill>
-                      <a:prstDash val="solid"/>
-                      <a:round/>
-                      <a:headEnd type="none" w="med" len="med"/>
-                      <a:tailEnd type="none" w="med" len="med"/>
-                    </a:lnR>
-                    <a:lnT w="9525" cap="flat" cmpd="sng" algn="ctr">
-                      <a:solidFill>
-                        <a:srgbClr val="000000"/>
-                      </a:solidFill>
-                      <a:prstDash val="solid"/>
-                      <a:round/>
-                      <a:headEnd type="none" w="med" len="med"/>
-                      <a:tailEnd type="none" w="med" len="med"/>
-                    </a:lnT>
-                    <a:lnB w="9525" cap="flat" cmpd="sng" algn="ctr">
-                      <a:solidFill>
-                        <a:srgbClr val="000000"/>
-                      </a:solidFill>
-                      <a:prstDash val="solid"/>
-                      <a:round/>
-                      <a:headEnd type="none" w="med" len="med"/>
-                      <a:tailEnd type="none" w="med" len="med"/>
-                    </a:lnB>
-                    <a:solidFill>
-                      <a:srgbClr val="B0B3B2"/>
-                    </a:solidFill>
-                  </a:tcPr>
-                </a:tc>
-                <a:tc>
-                  <a:txBody>
-                    <a:bodyPr/>
-                    <a:lstStyle/>
-                    <a:p>
-                      <a:r>
-                        <a:rPr lang="en" sz="1100" b="1" dirty="0">
-                          <a:solidFill>
-                            <a:srgbClr val="000000"/>
-                          </a:solidFill>
-                          <a:effectLst/>
-                          <a:latin typeface="Hiragino Kaku Gothic ProN" panose="020B0300000000000000" pitchFamily="34" charset="-128"/>
-                          <a:ea typeface="Hiragino Kaku Gothic ProN" panose="020B0300000000000000" pitchFamily="34" charset="-128"/>
-                        </a:rPr>
-                        <a:t>V2</a:t>
-                      </a:r>
-                      <a:endParaRPr lang="en" sz="1100" dirty="0">
-                        <a:effectLst/>
-                      </a:endParaRPr>
-                    </a:p>
-                  </a:txBody>
-                  <a:tcPr marL="23047" marR="23047" marT="23047" marB="23047">
-                    <a:lnL w="9525" cap="flat" cmpd="sng" algn="ctr">
-                      <a:solidFill>
-                        <a:srgbClr val="000000"/>
-                      </a:solidFill>
-                      <a:prstDash val="solid"/>
-                      <a:round/>
-                      <a:headEnd type="none" w="med" len="med"/>
-                      <a:tailEnd type="none" w="med" len="med"/>
-                    </a:lnL>
-                    <a:lnR w="9525" cap="flat" cmpd="sng" algn="ctr">
-                      <a:solidFill>
-                        <a:srgbClr val="000000"/>
-                      </a:solidFill>
-                      <a:prstDash val="solid"/>
-                      <a:round/>
-                      <a:headEnd type="none" w="med" len="med"/>
-                      <a:tailEnd type="none" w="med" len="med"/>
-                    </a:lnR>
-                    <a:lnT w="9525" cap="flat" cmpd="sng" algn="ctr">
-                      <a:solidFill>
-                        <a:srgbClr val="000000"/>
-                      </a:solidFill>
-                      <a:prstDash val="solid"/>
-                      <a:round/>
-                      <a:headEnd type="none" w="med" len="med"/>
-                      <a:tailEnd type="none" w="med" len="med"/>
-                    </a:lnT>
-                    <a:lnB w="9525" cap="flat" cmpd="sng" algn="ctr">
-                      <a:solidFill>
-                        <a:srgbClr val="000000"/>
-                      </a:solidFill>
-                      <a:prstDash val="solid"/>
-                      <a:round/>
-                      <a:headEnd type="none" w="med" len="med"/>
-                      <a:tailEnd type="none" w="med" len="med"/>
-                    </a:lnB>
-                    <a:solidFill>
-                      <a:srgbClr val="B0B3B2"/>
-                    </a:solidFill>
-                  </a:tcPr>
-                </a:tc>
-                <a:extLst>
-                  <a:ext uri="{0D108BD9-81ED-4DB2-BD59-A6C34878D82A}">
-                    <a16:rowId xmlns:a16="http://schemas.microsoft.com/office/drawing/2014/main" val="309989113"/>
-                  </a:ext>
-                </a:extLst>
-              </a:tr>
-              <a:tr h="422331">
-                <a:tc>
-                  <a:txBody>
-                    <a:bodyPr/>
-                    <a:lstStyle/>
-                    <a:p>
-                      <a:r>
-                        <a:rPr lang="en-US" altLang="ja-JP" sz="1100" b="1">
-                          <a:solidFill>
-                            <a:srgbClr val="000000"/>
-                          </a:solidFill>
-                          <a:effectLst/>
-                          <a:latin typeface="Hiragino Kaku Gothic ProN" panose="020B0300000000000000" pitchFamily="34" charset="-128"/>
-                          <a:ea typeface="Hiragino Kaku Gothic ProN" panose="020B0300000000000000" pitchFamily="34" charset="-128"/>
-                        </a:rPr>
-                        <a:t>1</a:t>
-                      </a:r>
-                      <a:endParaRPr lang="ja-JP" altLang="en-US" sz="1100">
-                        <a:effectLst/>
-                      </a:endParaRPr>
-                    </a:p>
-                  </a:txBody>
-                  <a:tcPr marL="23047" marR="23047" marT="23047" marB="23047">
-                    <a:lnL w="9525" cap="flat" cmpd="sng" algn="ctr">
-                      <a:solidFill>
-                        <a:srgbClr val="000000"/>
-                      </a:solidFill>
-                      <a:prstDash val="solid"/>
-                      <a:round/>
-                      <a:headEnd type="none" w="med" len="med"/>
-                      <a:tailEnd type="none" w="med" len="med"/>
-                    </a:lnL>
-                    <a:lnR w="9525" cap="flat" cmpd="sng" algn="ctr">
-                      <a:solidFill>
-                        <a:srgbClr val="000000"/>
-                      </a:solidFill>
-                      <a:prstDash val="solid"/>
-                      <a:round/>
-                      <a:headEnd type="none" w="med" len="med"/>
-                      <a:tailEnd type="none" w="med" len="med"/>
-                    </a:lnR>
-                    <a:lnT w="9525" cap="flat" cmpd="sng" algn="ctr">
-                      <a:solidFill>
-                        <a:srgbClr val="000000"/>
-                      </a:solidFill>
-                      <a:prstDash val="solid"/>
-                      <a:round/>
-                      <a:headEnd type="none" w="med" len="med"/>
-                      <a:tailEnd type="none" w="med" len="med"/>
-                    </a:lnT>
-                    <a:lnB w="9525" cap="flat" cmpd="sng" algn="ctr">
-                      <a:solidFill>
-                        <a:srgbClr val="000000"/>
-                      </a:solidFill>
-                      <a:prstDash val="solid"/>
-                      <a:round/>
-                      <a:headEnd type="none" w="med" len="med"/>
-                      <a:tailEnd type="none" w="med" len="med"/>
-                    </a:lnB>
-                    <a:solidFill>
-                      <a:srgbClr val="D4D4D4"/>
-                    </a:solidFill>
-                  </a:tcPr>
-                </a:tc>
-                <a:tc>
-                  <a:txBody>
-                    <a:bodyPr/>
-                    <a:lstStyle/>
-                    <a:p>
-                      <a:r>
-                        <a:rPr lang="en" sz="1100">
-                          <a:solidFill>
-                            <a:srgbClr val="000000"/>
-                          </a:solidFill>
-                          <a:effectLst/>
-                          <a:latin typeface="Hiragino Kaku Gothic ProN" panose="020B0300000000000000" pitchFamily="34" charset="-128"/>
-                          <a:ea typeface="Hiragino Kaku Gothic ProN" panose="020B0300000000000000" pitchFamily="34" charset="-128"/>
-                        </a:rPr>
-                        <a:t>WAIC</a:t>
-                      </a:r>
-                      <a:endParaRPr lang="en" sz="1100">
-                        <a:effectLst/>
-                      </a:endParaRPr>
-                    </a:p>
-                  </a:txBody>
-                  <a:tcPr marL="23047" marR="23047" marT="23047" marB="23047">
-                    <a:lnL w="9525" cap="flat" cmpd="sng" algn="ctr">
-                      <a:solidFill>
-                        <a:srgbClr val="000000"/>
-                      </a:solidFill>
-                      <a:prstDash val="solid"/>
-                      <a:round/>
-                      <a:headEnd type="none" w="med" len="med"/>
-                      <a:tailEnd type="none" w="med" len="med"/>
-                    </a:lnL>
-                    <a:lnR w="9525" cap="flat" cmpd="sng" algn="ctr">
-                      <a:solidFill>
-                        <a:srgbClr val="000000"/>
-                      </a:solidFill>
-                      <a:prstDash val="solid"/>
-                      <a:round/>
-                      <a:headEnd type="none" w="med" len="med"/>
-                      <a:tailEnd type="none" w="med" len="med"/>
-                    </a:lnR>
-                    <a:lnT w="9525" cap="flat" cmpd="sng" algn="ctr">
-                      <a:solidFill>
-                        <a:srgbClr val="000000"/>
-                      </a:solidFill>
-                      <a:prstDash val="solid"/>
-                      <a:round/>
-                      <a:headEnd type="none" w="med" len="med"/>
-                      <a:tailEnd type="none" w="med" len="med"/>
-                    </a:lnT>
-                    <a:lnB w="9525" cap="flat" cmpd="sng" algn="ctr">
-                      <a:solidFill>
-                        <a:srgbClr val="000000"/>
-                      </a:solidFill>
-                      <a:prstDash val="solid"/>
-                      <a:round/>
-                      <a:headEnd type="none" w="med" len="med"/>
-                      <a:tailEnd type="none" w="med" len="med"/>
-                    </a:lnB>
-                  </a:tcPr>
-                </a:tc>
-                <a:tc>
-                  <a:txBody>
-                    <a:bodyPr/>
-                    <a:lstStyle/>
-                    <a:p>
-                      <a:r>
-                        <a:rPr lang="en-US" altLang="ja-JP" sz="1100">
-                          <a:solidFill>
-                            <a:srgbClr val="000000"/>
-                          </a:solidFill>
-                          <a:effectLst/>
-                          <a:latin typeface="Hiragino Kaku Gothic ProN" panose="020B0300000000000000" pitchFamily="34" charset="-128"/>
-                          <a:ea typeface="Hiragino Kaku Gothic ProN" panose="020B0300000000000000" pitchFamily="34" charset="-128"/>
-                        </a:rPr>
-                        <a:t>3102.79458116312</a:t>
-                      </a:r>
-                      <a:endParaRPr lang="ja-JP" altLang="en-US" sz="1100">
-                        <a:effectLst/>
-                      </a:endParaRPr>
-                    </a:p>
-                  </a:txBody>
-                  <a:tcPr marL="23047" marR="23047" marT="23047" marB="23047">
-                    <a:lnL w="9525" cap="flat" cmpd="sng" algn="ctr">
-                      <a:solidFill>
-                        <a:srgbClr val="000000"/>
-                      </a:solidFill>
-                      <a:prstDash val="solid"/>
-                      <a:round/>
-                      <a:headEnd type="none" w="med" len="med"/>
-                      <a:tailEnd type="none" w="med" len="med"/>
-                    </a:lnL>
-                    <a:lnR w="9525" cap="flat" cmpd="sng" algn="ctr">
-                      <a:solidFill>
-                        <a:srgbClr val="000000"/>
-                      </a:solidFill>
-                      <a:prstDash val="solid"/>
-                      <a:round/>
-                      <a:headEnd type="none" w="med" len="med"/>
-                      <a:tailEnd type="none" w="med" len="med"/>
-                    </a:lnR>
-                    <a:lnT w="9525" cap="flat" cmpd="sng" algn="ctr">
-                      <a:solidFill>
-                        <a:srgbClr val="000000"/>
-                      </a:solidFill>
-                      <a:prstDash val="solid"/>
-                      <a:round/>
-                      <a:headEnd type="none" w="med" len="med"/>
-                      <a:tailEnd type="none" w="med" len="med"/>
-                    </a:lnT>
-                    <a:lnB w="9525" cap="flat" cmpd="sng" algn="ctr">
-                      <a:solidFill>
-                        <a:srgbClr val="000000"/>
-                      </a:solidFill>
-                      <a:prstDash val="solid"/>
-                      <a:round/>
-                      <a:headEnd type="none" w="med" len="med"/>
-                      <a:tailEnd type="none" w="med" len="med"/>
-                    </a:lnB>
-                  </a:tcPr>
-                </a:tc>
-                <a:extLst>
-                  <a:ext uri="{0D108BD9-81ED-4DB2-BD59-A6C34878D82A}">
-                    <a16:rowId xmlns:a16="http://schemas.microsoft.com/office/drawing/2014/main" val="880817577"/>
-                  </a:ext>
-                </a:extLst>
-              </a:tr>
-              <a:tr h="422331">
-                <a:tc>
-                  <a:txBody>
-                    <a:bodyPr/>
-                    <a:lstStyle/>
-                    <a:p>
-                      <a:r>
-                        <a:rPr lang="en-US" altLang="ja-JP" sz="1100" b="1">
-                          <a:solidFill>
-                            <a:srgbClr val="000000"/>
-                          </a:solidFill>
-                          <a:effectLst/>
-                          <a:latin typeface="Hiragino Kaku Gothic ProN" panose="020B0300000000000000" pitchFamily="34" charset="-128"/>
-                          <a:ea typeface="Hiragino Kaku Gothic ProN" panose="020B0300000000000000" pitchFamily="34" charset="-128"/>
-                        </a:rPr>
-                        <a:t>2</a:t>
-                      </a:r>
-                      <a:endParaRPr lang="ja-JP" altLang="en-US" sz="1100">
-                        <a:effectLst/>
-                      </a:endParaRPr>
-                    </a:p>
-                  </a:txBody>
-                  <a:tcPr marL="23047" marR="23047" marT="23047" marB="23047">
-                    <a:lnL w="9525" cap="flat" cmpd="sng" algn="ctr">
-                      <a:solidFill>
-                        <a:srgbClr val="000000"/>
-                      </a:solidFill>
-                      <a:prstDash val="solid"/>
-                      <a:round/>
-                      <a:headEnd type="none" w="med" len="med"/>
-                      <a:tailEnd type="none" w="med" len="med"/>
-                    </a:lnL>
-                    <a:lnR w="9525" cap="flat" cmpd="sng" algn="ctr">
-                      <a:solidFill>
-                        <a:srgbClr val="000000"/>
-                      </a:solidFill>
-                      <a:prstDash val="solid"/>
-                      <a:round/>
-                      <a:headEnd type="none" w="med" len="med"/>
-                      <a:tailEnd type="none" w="med" len="med"/>
-                    </a:lnR>
-                    <a:lnT w="9525" cap="flat" cmpd="sng" algn="ctr">
-                      <a:solidFill>
-                        <a:srgbClr val="000000"/>
-                      </a:solidFill>
-                      <a:prstDash val="solid"/>
-                      <a:round/>
-                      <a:headEnd type="none" w="med" len="med"/>
-                      <a:tailEnd type="none" w="med" len="med"/>
-                    </a:lnT>
-                    <a:lnB w="9525" cap="flat" cmpd="sng" algn="ctr">
-                      <a:solidFill>
-                        <a:srgbClr val="000000"/>
-                      </a:solidFill>
-                      <a:prstDash val="solid"/>
-                      <a:round/>
-                      <a:headEnd type="none" w="med" len="med"/>
-                      <a:tailEnd type="none" w="med" len="med"/>
-                    </a:lnB>
-                    <a:solidFill>
-                      <a:srgbClr val="D4D4D4"/>
-                    </a:solidFill>
-                  </a:tcPr>
-                </a:tc>
-                <a:tc>
-                  <a:txBody>
-                    <a:bodyPr/>
-                    <a:lstStyle/>
-                    <a:p>
-                      <a:r>
-                        <a:rPr lang="en" sz="1100">
-                          <a:solidFill>
-                            <a:srgbClr val="000000"/>
-                          </a:solidFill>
-                          <a:effectLst/>
-                          <a:latin typeface="Hiragino Kaku Gothic ProN" panose="020B0300000000000000" pitchFamily="34" charset="-128"/>
-                          <a:ea typeface="Hiragino Kaku Gothic ProN" panose="020B0300000000000000" pitchFamily="34" charset="-128"/>
-                        </a:rPr>
-                        <a:t>ML</a:t>
-                      </a:r>
-                      <a:endParaRPr lang="en" sz="1100">
-                        <a:effectLst/>
-                      </a:endParaRPr>
-                    </a:p>
-                  </a:txBody>
-                  <a:tcPr marL="23047" marR="23047" marT="23047" marB="23047">
-                    <a:lnL w="9525" cap="flat" cmpd="sng" algn="ctr">
-                      <a:solidFill>
-                        <a:srgbClr val="000000"/>
-                      </a:solidFill>
-                      <a:prstDash val="solid"/>
-                      <a:round/>
-                      <a:headEnd type="none" w="med" len="med"/>
-                      <a:tailEnd type="none" w="med" len="med"/>
-                    </a:lnL>
-                    <a:lnR w="9525" cap="flat" cmpd="sng" algn="ctr">
-                      <a:solidFill>
-                        <a:srgbClr val="000000"/>
-                      </a:solidFill>
-                      <a:prstDash val="solid"/>
-                      <a:round/>
-                      <a:headEnd type="none" w="med" len="med"/>
-                      <a:tailEnd type="none" w="med" len="med"/>
-                    </a:lnR>
-                    <a:lnT w="9525" cap="flat" cmpd="sng" algn="ctr">
-                      <a:solidFill>
-                        <a:srgbClr val="000000"/>
-                      </a:solidFill>
-                      <a:prstDash val="solid"/>
-                      <a:round/>
-                      <a:headEnd type="none" w="med" len="med"/>
-                      <a:tailEnd type="none" w="med" len="med"/>
-                    </a:lnT>
-                    <a:lnB w="9525" cap="flat" cmpd="sng" algn="ctr">
-                      <a:solidFill>
-                        <a:srgbClr val="000000"/>
-                      </a:solidFill>
-                      <a:prstDash val="solid"/>
-                      <a:round/>
-                      <a:headEnd type="none" w="med" len="med"/>
-                      <a:tailEnd type="none" w="med" len="med"/>
-                    </a:lnB>
-                  </a:tcPr>
-                </a:tc>
-                <a:tc>
-                  <a:txBody>
-                    <a:bodyPr/>
-                    <a:lstStyle/>
-                    <a:p>
-                      <a:r>
-                        <a:rPr lang="en-US" altLang="ja-JP" sz="1100">
-                          <a:solidFill>
-                            <a:srgbClr val="000000"/>
-                          </a:solidFill>
-                          <a:effectLst/>
-                          <a:latin typeface="Hiragino Kaku Gothic ProN" panose="020B0300000000000000" pitchFamily="34" charset="-128"/>
-                          <a:ea typeface="Hiragino Kaku Gothic ProN" panose="020B0300000000000000" pitchFamily="34" charset="-128"/>
-                        </a:rPr>
-                        <a:t>3066.33583379206</a:t>
-                      </a:r>
-                      <a:endParaRPr lang="ja-JP" altLang="en-US" sz="1100">
-                        <a:effectLst/>
-                      </a:endParaRPr>
-                    </a:p>
-                  </a:txBody>
-                  <a:tcPr marL="23047" marR="23047" marT="23047" marB="23047">
-                    <a:lnL w="9525" cap="flat" cmpd="sng" algn="ctr">
-                      <a:solidFill>
-                        <a:srgbClr val="000000"/>
-                      </a:solidFill>
-                      <a:prstDash val="solid"/>
-                      <a:round/>
-                      <a:headEnd type="none" w="med" len="med"/>
-                      <a:tailEnd type="none" w="med" len="med"/>
-                    </a:lnL>
-                    <a:lnR w="9525" cap="flat" cmpd="sng" algn="ctr">
-                      <a:solidFill>
-                        <a:srgbClr val="000000"/>
-                      </a:solidFill>
-                      <a:prstDash val="solid"/>
-                      <a:round/>
-                      <a:headEnd type="none" w="med" len="med"/>
-                      <a:tailEnd type="none" w="med" len="med"/>
-                    </a:lnR>
-                    <a:lnT w="9525" cap="flat" cmpd="sng" algn="ctr">
-                      <a:solidFill>
-                        <a:srgbClr val="000000"/>
-                      </a:solidFill>
-                      <a:prstDash val="solid"/>
-                      <a:round/>
-                      <a:headEnd type="none" w="med" len="med"/>
-                      <a:tailEnd type="none" w="med" len="med"/>
-                    </a:lnT>
-                    <a:lnB w="9525" cap="flat" cmpd="sng" algn="ctr">
-                      <a:solidFill>
-                        <a:srgbClr val="000000"/>
-                      </a:solidFill>
-                      <a:prstDash val="solid"/>
-                      <a:round/>
-                      <a:headEnd type="none" w="med" len="med"/>
-                      <a:tailEnd type="none" w="med" len="med"/>
-                    </a:lnB>
-                  </a:tcPr>
-                </a:tc>
-                <a:extLst>
-                  <a:ext uri="{0D108BD9-81ED-4DB2-BD59-A6C34878D82A}">
-                    <a16:rowId xmlns:a16="http://schemas.microsoft.com/office/drawing/2014/main" val="2589121111"/>
-                  </a:ext>
-                </a:extLst>
-              </a:tr>
-              <a:tr h="293373">
-                <a:tc>
-                  <a:txBody>
-                    <a:bodyPr/>
-                    <a:lstStyle/>
-                    <a:p>
-                      <a:r>
-                        <a:rPr lang="en-US" altLang="ja-JP" sz="1100" b="1">
-                          <a:solidFill>
-                            <a:srgbClr val="000000"/>
-                          </a:solidFill>
-                          <a:effectLst/>
-                          <a:latin typeface="Hiragino Kaku Gothic ProN" panose="020B0300000000000000" pitchFamily="34" charset="-128"/>
-                          <a:ea typeface="Hiragino Kaku Gothic ProN" panose="020B0300000000000000" pitchFamily="34" charset="-128"/>
-                        </a:rPr>
-                        <a:t>3</a:t>
-                      </a:r>
-                      <a:endParaRPr lang="ja-JP" altLang="en-US" sz="1100">
-                        <a:effectLst/>
-                      </a:endParaRPr>
-                    </a:p>
-                  </a:txBody>
-                  <a:tcPr marL="23047" marR="23047" marT="23047" marB="23047">
-                    <a:lnL w="9525" cap="flat" cmpd="sng" algn="ctr">
-                      <a:solidFill>
-                        <a:srgbClr val="000000"/>
-                      </a:solidFill>
-                      <a:prstDash val="solid"/>
-                      <a:round/>
-                      <a:headEnd type="none" w="med" len="med"/>
-                      <a:tailEnd type="none" w="med" len="med"/>
-                    </a:lnL>
-                    <a:lnR w="9525" cap="flat" cmpd="sng" algn="ctr">
-                      <a:solidFill>
-                        <a:srgbClr val="000000"/>
-                      </a:solidFill>
-                      <a:prstDash val="solid"/>
-                      <a:round/>
-                      <a:headEnd type="none" w="med" len="med"/>
-                      <a:tailEnd type="none" w="med" len="med"/>
-                    </a:lnR>
-                    <a:lnT w="9525" cap="flat" cmpd="sng" algn="ctr">
-                      <a:solidFill>
-                        <a:srgbClr val="000000"/>
-                      </a:solidFill>
-                      <a:prstDash val="solid"/>
-                      <a:round/>
-                      <a:headEnd type="none" w="med" len="med"/>
-                      <a:tailEnd type="none" w="med" len="med"/>
-                    </a:lnT>
-                    <a:lnB w="9525" cap="flat" cmpd="sng" algn="ctr">
-                      <a:solidFill>
-                        <a:srgbClr val="000000"/>
-                      </a:solidFill>
-                      <a:prstDash val="solid"/>
-                      <a:round/>
-                      <a:headEnd type="none" w="med" len="med"/>
-                      <a:tailEnd type="none" w="med" len="med"/>
-                    </a:lnB>
-                    <a:solidFill>
-                      <a:srgbClr val="D4D4D4"/>
-                    </a:solidFill>
-                  </a:tcPr>
-                </a:tc>
-                <a:tc>
-                  <a:txBody>
-                    <a:bodyPr/>
-                    <a:lstStyle/>
-                    <a:p>
-                      <a:r>
-                        <a:rPr lang="en" sz="1100">
-                          <a:solidFill>
-                            <a:srgbClr val="000000"/>
-                          </a:solidFill>
-                          <a:effectLst/>
-                          <a:latin typeface="Hiragino Kaku Gothic ProN" panose="020B0300000000000000" pitchFamily="34" charset="-128"/>
-                          <a:ea typeface="Hiragino Kaku Gothic ProN" panose="020B0300000000000000" pitchFamily="34" charset="-128"/>
-                        </a:rPr>
-                        <a:t>AIC</a:t>
-                      </a:r>
-                      <a:endParaRPr lang="en" sz="1100">
-                        <a:effectLst/>
-                      </a:endParaRPr>
-                    </a:p>
-                  </a:txBody>
-                  <a:tcPr marL="23047" marR="23047" marT="23047" marB="23047">
-                    <a:lnL w="9525" cap="flat" cmpd="sng" algn="ctr">
-                      <a:solidFill>
-                        <a:srgbClr val="000000"/>
-                      </a:solidFill>
-                      <a:prstDash val="solid"/>
-                      <a:round/>
-                      <a:headEnd type="none" w="med" len="med"/>
-                      <a:tailEnd type="none" w="med" len="med"/>
-                    </a:lnL>
-                    <a:lnR w="9525" cap="flat" cmpd="sng" algn="ctr">
-                      <a:solidFill>
-                        <a:srgbClr val="000000"/>
-                      </a:solidFill>
-                      <a:prstDash val="solid"/>
-                      <a:round/>
-                      <a:headEnd type="none" w="med" len="med"/>
-                      <a:tailEnd type="none" w="med" len="med"/>
-                    </a:lnR>
-                    <a:lnT w="9525" cap="flat" cmpd="sng" algn="ctr">
-                      <a:solidFill>
-                        <a:srgbClr val="000000"/>
-                      </a:solidFill>
-                      <a:prstDash val="solid"/>
-                      <a:round/>
-                      <a:headEnd type="none" w="med" len="med"/>
-                      <a:tailEnd type="none" w="med" len="med"/>
-                    </a:lnT>
-                    <a:lnB w="9525" cap="flat" cmpd="sng" algn="ctr">
-                      <a:solidFill>
-                        <a:srgbClr val="000000"/>
-                      </a:solidFill>
-                      <a:prstDash val="solid"/>
-                      <a:round/>
-                      <a:headEnd type="none" w="med" len="med"/>
-                      <a:tailEnd type="none" w="med" len="med"/>
-                    </a:lnB>
-                  </a:tcPr>
-                </a:tc>
-                <a:tc>
-                  <a:txBody>
-                    <a:bodyPr/>
-                    <a:lstStyle/>
-                    <a:p>
-                      <a:r>
-                        <a:rPr lang="en" sz="1100">
-                          <a:solidFill>
-                            <a:srgbClr val="000000"/>
-                          </a:solidFill>
-                          <a:effectLst/>
-                          <a:latin typeface="Hiragino Kaku Gothic ProN" panose="020B0300000000000000" pitchFamily="34" charset="-128"/>
-                          <a:ea typeface="Hiragino Kaku Gothic ProN" panose="020B0300000000000000" pitchFamily="34" charset="-128"/>
-                        </a:rPr>
-                        <a:t>BIC</a:t>
-                      </a:r>
-                      <a:endParaRPr lang="en" sz="1100">
-                        <a:effectLst/>
-                      </a:endParaRPr>
-                    </a:p>
-                  </a:txBody>
-                  <a:tcPr marL="23047" marR="23047" marT="23047" marB="23047">
-                    <a:lnL w="9525" cap="flat" cmpd="sng" algn="ctr">
-                      <a:solidFill>
-                        <a:srgbClr val="000000"/>
-                      </a:solidFill>
-                      <a:prstDash val="solid"/>
-                      <a:round/>
-                      <a:headEnd type="none" w="med" len="med"/>
-                      <a:tailEnd type="none" w="med" len="med"/>
-                    </a:lnL>
-                    <a:lnR w="9525" cap="flat" cmpd="sng" algn="ctr">
-                      <a:solidFill>
-                        <a:srgbClr val="000000"/>
-                      </a:solidFill>
-                      <a:prstDash val="solid"/>
-                      <a:round/>
-                      <a:headEnd type="none" w="med" len="med"/>
-                      <a:tailEnd type="none" w="med" len="med"/>
-                    </a:lnR>
-                    <a:lnT w="9525" cap="flat" cmpd="sng" algn="ctr">
-                      <a:solidFill>
-                        <a:srgbClr val="000000"/>
-                      </a:solidFill>
-                      <a:prstDash val="solid"/>
-                      <a:round/>
-                      <a:headEnd type="none" w="med" len="med"/>
-                      <a:tailEnd type="none" w="med" len="med"/>
-                    </a:lnT>
-                    <a:lnB w="9525" cap="flat" cmpd="sng" algn="ctr">
-                      <a:solidFill>
-                        <a:srgbClr val="000000"/>
-                      </a:solidFill>
-                      <a:prstDash val="solid"/>
-                      <a:round/>
-                      <a:headEnd type="none" w="med" len="med"/>
-                      <a:tailEnd type="none" w="med" len="med"/>
-                    </a:lnB>
-                  </a:tcPr>
-                </a:tc>
-                <a:extLst>
-                  <a:ext uri="{0D108BD9-81ED-4DB2-BD59-A6C34878D82A}">
-                    <a16:rowId xmlns:a16="http://schemas.microsoft.com/office/drawing/2014/main" val="2923073519"/>
-                  </a:ext>
-                </a:extLst>
-              </a:tr>
-              <a:tr h="551289">
-                <a:tc>
-                  <a:txBody>
-                    <a:bodyPr/>
-                    <a:lstStyle/>
-                    <a:p>
-                      <a:r>
-                        <a:rPr lang="en-US" altLang="ja-JP" sz="1100" b="1">
-                          <a:solidFill>
-                            <a:srgbClr val="000000"/>
-                          </a:solidFill>
-                          <a:effectLst/>
-                          <a:latin typeface="Hiragino Kaku Gothic ProN" panose="020B0300000000000000" pitchFamily="34" charset="-128"/>
-                          <a:ea typeface="Hiragino Kaku Gothic ProN" panose="020B0300000000000000" pitchFamily="34" charset="-128"/>
-                        </a:rPr>
-                        <a:t>4</a:t>
-                      </a:r>
-                      <a:endParaRPr lang="ja-JP" altLang="en-US" sz="1100">
-                        <a:effectLst/>
-                      </a:endParaRPr>
-                    </a:p>
-                  </a:txBody>
-                  <a:tcPr marL="23047" marR="23047" marT="23047" marB="23047">
-                    <a:lnL w="9525" cap="flat" cmpd="sng" algn="ctr">
-                      <a:solidFill>
-                        <a:srgbClr val="000000"/>
-                      </a:solidFill>
-                      <a:prstDash val="solid"/>
-                      <a:round/>
-                      <a:headEnd type="none" w="med" len="med"/>
-                      <a:tailEnd type="none" w="med" len="med"/>
-                    </a:lnL>
-                    <a:lnR w="9525" cap="flat" cmpd="sng" algn="ctr">
-                      <a:solidFill>
-                        <a:srgbClr val="000000"/>
-                      </a:solidFill>
-                      <a:prstDash val="solid"/>
-                      <a:round/>
-                      <a:headEnd type="none" w="med" len="med"/>
-                      <a:tailEnd type="none" w="med" len="med"/>
-                    </a:lnR>
-                    <a:lnT w="9525" cap="flat" cmpd="sng" algn="ctr">
-                      <a:solidFill>
-                        <a:srgbClr val="000000"/>
-                      </a:solidFill>
-                      <a:prstDash val="solid"/>
-                      <a:round/>
-                      <a:headEnd type="none" w="med" len="med"/>
-                      <a:tailEnd type="none" w="med" len="med"/>
-                    </a:lnT>
-                    <a:lnB w="9525" cap="flat" cmpd="sng" algn="ctr">
-                      <a:solidFill>
-                        <a:srgbClr val="000000"/>
-                      </a:solidFill>
-                      <a:prstDash val="solid"/>
-                      <a:round/>
-                      <a:headEnd type="none" w="med" len="med"/>
-                      <a:tailEnd type="none" w="med" len="med"/>
-                    </a:lnB>
-                    <a:solidFill>
-                      <a:srgbClr val="D4D4D4"/>
-                    </a:solidFill>
-                  </a:tcPr>
-                </a:tc>
-                <a:tc>
-                  <a:txBody>
-                    <a:bodyPr/>
-                    <a:lstStyle/>
-                    <a:p>
-                      <a:r>
-                        <a:rPr lang="en" sz="1100">
-                          <a:solidFill>
-                            <a:srgbClr val="000000"/>
-                          </a:solidFill>
-                          <a:effectLst/>
-                          <a:latin typeface="Hiragino Kaku Gothic ProN" panose="020B0300000000000000" pitchFamily="34" charset="-128"/>
-                          <a:ea typeface="Hiragino Kaku Gothic ProN" panose="020B0300000000000000" pitchFamily="34" charset="-128"/>
-                        </a:rPr>
-                        <a:t>RhatMax</a:t>
-                      </a:r>
-                      <a:endParaRPr lang="en" sz="1100">
-                        <a:effectLst/>
-                      </a:endParaRPr>
-                    </a:p>
-                  </a:txBody>
-                  <a:tcPr marL="23047" marR="23047" marT="23047" marB="23047">
-                    <a:lnL w="9525" cap="flat" cmpd="sng" algn="ctr">
-                      <a:solidFill>
-                        <a:srgbClr val="000000"/>
-                      </a:solidFill>
-                      <a:prstDash val="solid"/>
-                      <a:round/>
-                      <a:headEnd type="none" w="med" len="med"/>
-                      <a:tailEnd type="none" w="med" len="med"/>
-                    </a:lnL>
-                    <a:lnR w="9525" cap="flat" cmpd="sng" algn="ctr">
-                      <a:solidFill>
-                        <a:srgbClr val="000000"/>
-                      </a:solidFill>
-                      <a:prstDash val="solid"/>
-                      <a:round/>
-                      <a:headEnd type="none" w="med" len="med"/>
-                      <a:tailEnd type="none" w="med" len="med"/>
-                    </a:lnR>
-                    <a:lnT w="9525" cap="flat" cmpd="sng" algn="ctr">
-                      <a:solidFill>
-                        <a:srgbClr val="000000"/>
-                      </a:solidFill>
-                      <a:prstDash val="solid"/>
-                      <a:round/>
-                      <a:headEnd type="none" w="med" len="med"/>
-                      <a:tailEnd type="none" w="med" len="med"/>
-                    </a:lnT>
-                    <a:lnB w="9525" cap="flat" cmpd="sng" algn="ctr">
-                      <a:solidFill>
-                        <a:srgbClr val="000000"/>
-                      </a:solidFill>
-                      <a:prstDash val="solid"/>
-                      <a:round/>
-                      <a:headEnd type="none" w="med" len="med"/>
-                      <a:tailEnd type="none" w="med" len="med"/>
-                    </a:lnB>
-                  </a:tcPr>
-                </a:tc>
-                <a:tc>
-                  <a:txBody>
-                    <a:bodyPr/>
-                    <a:lstStyle/>
-                    <a:p>
-                      <a:r>
-                        <a:rPr lang="en-US" altLang="ja-JP" sz="1100">
-                          <a:solidFill>
-                            <a:srgbClr val="000000"/>
-                          </a:solidFill>
-                          <a:effectLst/>
-                          <a:latin typeface="Hiragino Kaku Gothic ProN" panose="020B0300000000000000" pitchFamily="34" charset="-128"/>
-                          <a:ea typeface="Hiragino Kaku Gothic ProN" panose="020B0300000000000000" pitchFamily="34" charset="-128"/>
-                        </a:rPr>
-                        <a:t>1.00504940833118</a:t>
-                      </a:r>
-                      <a:endParaRPr lang="ja-JP" altLang="en-US" sz="1100">
-                        <a:effectLst/>
-                      </a:endParaRPr>
-                    </a:p>
-                  </a:txBody>
-                  <a:tcPr marL="23047" marR="23047" marT="23047" marB="23047">
-                    <a:lnL w="9525" cap="flat" cmpd="sng" algn="ctr">
-                      <a:solidFill>
-                        <a:srgbClr val="000000"/>
-                      </a:solidFill>
-                      <a:prstDash val="solid"/>
-                      <a:round/>
-                      <a:headEnd type="none" w="med" len="med"/>
-                      <a:tailEnd type="none" w="med" len="med"/>
-                    </a:lnL>
-                    <a:lnR w="9525" cap="flat" cmpd="sng" algn="ctr">
-                      <a:solidFill>
-                        <a:srgbClr val="000000"/>
-                      </a:solidFill>
-                      <a:prstDash val="solid"/>
-                      <a:round/>
-                      <a:headEnd type="none" w="med" len="med"/>
-                      <a:tailEnd type="none" w="med" len="med"/>
-                    </a:lnR>
-                    <a:lnT w="9525" cap="flat" cmpd="sng" algn="ctr">
-                      <a:solidFill>
-                        <a:srgbClr val="000000"/>
-                      </a:solidFill>
-                      <a:prstDash val="solid"/>
-                      <a:round/>
-                      <a:headEnd type="none" w="med" len="med"/>
-                      <a:tailEnd type="none" w="med" len="med"/>
-                    </a:lnT>
-                    <a:lnB w="9525" cap="flat" cmpd="sng" algn="ctr">
-                      <a:solidFill>
-                        <a:srgbClr val="000000"/>
-                      </a:solidFill>
-                      <a:prstDash val="solid"/>
-                      <a:round/>
-                      <a:headEnd type="none" w="med" len="med"/>
-                      <a:tailEnd type="none" w="med" len="med"/>
-                    </a:lnB>
-                  </a:tcPr>
-                </a:tc>
-                <a:extLst>
-                  <a:ext uri="{0D108BD9-81ED-4DB2-BD59-A6C34878D82A}">
-                    <a16:rowId xmlns:a16="http://schemas.microsoft.com/office/drawing/2014/main" val="3039307657"/>
-                  </a:ext>
-                </a:extLst>
-              </a:tr>
-              <a:tr h="551289">
-                <a:tc>
-                  <a:txBody>
-                    <a:bodyPr/>
-                    <a:lstStyle/>
-                    <a:p>
-                      <a:r>
-                        <a:rPr lang="en-US" altLang="ja-JP" sz="1100" b="1">
-                          <a:solidFill>
-                            <a:srgbClr val="000000"/>
-                          </a:solidFill>
-                          <a:effectLst/>
-                          <a:latin typeface="Hiragino Kaku Gothic ProN" panose="020B0300000000000000" pitchFamily="34" charset="-128"/>
-                          <a:ea typeface="Hiragino Kaku Gothic ProN" panose="020B0300000000000000" pitchFamily="34" charset="-128"/>
-                        </a:rPr>
-                        <a:t>5</a:t>
-                      </a:r>
-                      <a:endParaRPr lang="ja-JP" altLang="en-US" sz="1100">
-                        <a:effectLst/>
-                      </a:endParaRPr>
-                    </a:p>
-                  </a:txBody>
-                  <a:tcPr marL="23047" marR="23047" marT="23047" marB="23047">
-                    <a:lnL w="9525" cap="flat" cmpd="sng" algn="ctr">
-                      <a:solidFill>
-                        <a:srgbClr val="000000"/>
-                      </a:solidFill>
-                      <a:prstDash val="solid"/>
-                      <a:round/>
-                      <a:headEnd type="none" w="med" len="med"/>
-                      <a:tailEnd type="none" w="med" len="med"/>
-                    </a:lnL>
-                    <a:lnR w="9525" cap="flat" cmpd="sng" algn="ctr">
-                      <a:solidFill>
-                        <a:srgbClr val="000000"/>
-                      </a:solidFill>
-                      <a:prstDash val="solid"/>
-                      <a:round/>
-                      <a:headEnd type="none" w="med" len="med"/>
-                      <a:tailEnd type="none" w="med" len="med"/>
-                    </a:lnR>
-                    <a:lnT w="9525" cap="flat" cmpd="sng" algn="ctr">
-                      <a:solidFill>
-                        <a:srgbClr val="000000"/>
-                      </a:solidFill>
-                      <a:prstDash val="solid"/>
-                      <a:round/>
-                      <a:headEnd type="none" w="med" len="med"/>
-                      <a:tailEnd type="none" w="med" len="med"/>
-                    </a:lnT>
-                    <a:lnB w="9525" cap="flat" cmpd="sng" algn="ctr">
-                      <a:solidFill>
-                        <a:srgbClr val="000000"/>
-                      </a:solidFill>
-                      <a:prstDash val="solid"/>
-                      <a:round/>
-                      <a:headEnd type="none" w="med" len="med"/>
-                      <a:tailEnd type="none" w="med" len="med"/>
-                    </a:lnB>
-                    <a:solidFill>
-                      <a:srgbClr val="D4D4D4"/>
-                    </a:solidFill>
-                  </a:tcPr>
-                </a:tc>
-                <a:tc>
-                  <a:txBody>
-                    <a:bodyPr/>
-                    <a:lstStyle/>
-                    <a:p>
-                      <a:r>
-                        <a:rPr lang="en" sz="1100">
-                          <a:solidFill>
-                            <a:srgbClr val="000000"/>
-                          </a:solidFill>
-                          <a:effectLst/>
-                          <a:latin typeface="Hiragino Kaku Gothic ProN" panose="020B0300000000000000" pitchFamily="34" charset="-128"/>
-                          <a:ea typeface="Hiragino Kaku Gothic ProN" panose="020B0300000000000000" pitchFamily="34" charset="-128"/>
-                        </a:rPr>
-                        <a:t>RhatMean</a:t>
-                      </a:r>
-                      <a:endParaRPr lang="en" sz="1100">
-                        <a:effectLst/>
-                      </a:endParaRPr>
-                    </a:p>
-                  </a:txBody>
-                  <a:tcPr marL="23047" marR="23047" marT="23047" marB="23047">
-                    <a:lnL w="9525" cap="flat" cmpd="sng" algn="ctr">
-                      <a:solidFill>
-                        <a:srgbClr val="000000"/>
-                      </a:solidFill>
-                      <a:prstDash val="solid"/>
-                      <a:round/>
-                      <a:headEnd type="none" w="med" len="med"/>
-                      <a:tailEnd type="none" w="med" len="med"/>
-                    </a:lnL>
-                    <a:lnR w="9525" cap="flat" cmpd="sng" algn="ctr">
-                      <a:solidFill>
-                        <a:srgbClr val="000000"/>
-                      </a:solidFill>
-                      <a:prstDash val="solid"/>
-                      <a:round/>
-                      <a:headEnd type="none" w="med" len="med"/>
-                      <a:tailEnd type="none" w="med" len="med"/>
-                    </a:lnR>
-                    <a:lnT w="9525" cap="flat" cmpd="sng" algn="ctr">
-                      <a:solidFill>
-                        <a:srgbClr val="000000"/>
-                      </a:solidFill>
-                      <a:prstDash val="solid"/>
-                      <a:round/>
-                      <a:headEnd type="none" w="med" len="med"/>
-                      <a:tailEnd type="none" w="med" len="med"/>
-                    </a:lnT>
-                    <a:lnB w="9525" cap="flat" cmpd="sng" algn="ctr">
-                      <a:solidFill>
-                        <a:srgbClr val="000000"/>
-                      </a:solidFill>
-                      <a:prstDash val="solid"/>
-                      <a:round/>
-                      <a:headEnd type="none" w="med" len="med"/>
-                      <a:tailEnd type="none" w="med" len="med"/>
-                    </a:lnB>
-                  </a:tcPr>
-                </a:tc>
-                <a:tc>
-                  <a:txBody>
-                    <a:bodyPr/>
-                    <a:lstStyle/>
-                    <a:p>
-                      <a:r>
-                        <a:rPr lang="en-US" altLang="ja-JP" sz="1100">
-                          <a:solidFill>
-                            <a:srgbClr val="000000"/>
-                          </a:solidFill>
-                          <a:effectLst/>
-                          <a:latin typeface="Hiragino Kaku Gothic ProN" panose="020B0300000000000000" pitchFamily="34" charset="-128"/>
-                          <a:ea typeface="Hiragino Kaku Gothic ProN" panose="020B0300000000000000" pitchFamily="34" charset="-128"/>
-                        </a:rPr>
-                        <a:t>0.999191570984307</a:t>
-                      </a:r>
-                      <a:endParaRPr lang="ja-JP" altLang="en-US" sz="1100">
-                        <a:effectLst/>
-                      </a:endParaRPr>
-                    </a:p>
-                  </a:txBody>
-                  <a:tcPr marL="23047" marR="23047" marT="23047" marB="23047">
-                    <a:lnL w="9525" cap="flat" cmpd="sng" algn="ctr">
-                      <a:solidFill>
-                        <a:srgbClr val="000000"/>
-                      </a:solidFill>
-                      <a:prstDash val="solid"/>
-                      <a:round/>
-                      <a:headEnd type="none" w="med" len="med"/>
-                      <a:tailEnd type="none" w="med" len="med"/>
-                    </a:lnL>
-                    <a:lnR w="9525" cap="flat" cmpd="sng" algn="ctr">
-                      <a:solidFill>
-                        <a:srgbClr val="000000"/>
-                      </a:solidFill>
-                      <a:prstDash val="solid"/>
-                      <a:round/>
-                      <a:headEnd type="none" w="med" len="med"/>
-                      <a:tailEnd type="none" w="med" len="med"/>
-                    </a:lnR>
-                    <a:lnT w="9525" cap="flat" cmpd="sng" algn="ctr">
-                      <a:solidFill>
-                        <a:srgbClr val="000000"/>
-                      </a:solidFill>
-                      <a:prstDash val="solid"/>
-                      <a:round/>
-                      <a:headEnd type="none" w="med" len="med"/>
-                      <a:tailEnd type="none" w="med" len="med"/>
-                    </a:lnT>
-                    <a:lnB w="9525" cap="flat" cmpd="sng" algn="ctr">
-                      <a:solidFill>
-                        <a:srgbClr val="000000"/>
-                      </a:solidFill>
-                      <a:prstDash val="solid"/>
-                      <a:round/>
-                      <a:headEnd type="none" w="med" len="med"/>
-                      <a:tailEnd type="none" w="med" len="med"/>
-                    </a:lnB>
-                  </a:tcPr>
-                </a:tc>
-                <a:extLst>
-                  <a:ext uri="{0D108BD9-81ED-4DB2-BD59-A6C34878D82A}">
-                    <a16:rowId xmlns:a16="http://schemas.microsoft.com/office/drawing/2014/main" val="3571121511"/>
-                  </a:ext>
-                </a:extLst>
-              </a:tr>
-              <a:tr h="422331">
-                <a:tc>
-                  <a:txBody>
-                    <a:bodyPr/>
-                    <a:lstStyle/>
-                    <a:p>
-                      <a:r>
-                        <a:rPr lang="en-US" altLang="ja-JP" sz="1100" b="1">
-                          <a:solidFill>
-                            <a:srgbClr val="000000"/>
-                          </a:solidFill>
-                          <a:effectLst/>
-                          <a:latin typeface="Hiragino Kaku Gothic ProN" panose="020B0300000000000000" pitchFamily="34" charset="-128"/>
-                          <a:ea typeface="Hiragino Kaku Gothic ProN" panose="020B0300000000000000" pitchFamily="34" charset="-128"/>
-                        </a:rPr>
-                        <a:t>6</a:t>
-                      </a:r>
-                      <a:endParaRPr lang="ja-JP" altLang="en-US" sz="1100">
-                        <a:effectLst/>
-                      </a:endParaRPr>
-                    </a:p>
-                  </a:txBody>
-                  <a:tcPr marL="23047" marR="23047" marT="23047" marB="23047">
-                    <a:lnL w="9525" cap="flat" cmpd="sng" algn="ctr">
-                      <a:solidFill>
-                        <a:srgbClr val="000000"/>
-                      </a:solidFill>
-                      <a:prstDash val="solid"/>
-                      <a:round/>
-                      <a:headEnd type="none" w="med" len="med"/>
-                      <a:tailEnd type="none" w="med" len="med"/>
-                    </a:lnL>
-                    <a:lnR w="9525" cap="flat" cmpd="sng" algn="ctr">
-                      <a:solidFill>
-                        <a:srgbClr val="000000"/>
-                      </a:solidFill>
-                      <a:prstDash val="solid"/>
-                      <a:round/>
-                      <a:headEnd type="none" w="med" len="med"/>
-                      <a:tailEnd type="none" w="med" len="med"/>
-                    </a:lnR>
-                    <a:lnT w="9525" cap="flat" cmpd="sng" algn="ctr">
-                      <a:solidFill>
-                        <a:srgbClr val="000000"/>
-                      </a:solidFill>
-                      <a:prstDash val="solid"/>
-                      <a:round/>
-                      <a:headEnd type="none" w="med" len="med"/>
-                      <a:tailEnd type="none" w="med" len="med"/>
-                    </a:lnT>
-                    <a:lnB w="9525" cap="flat" cmpd="sng" algn="ctr">
-                      <a:solidFill>
-                        <a:srgbClr val="000000"/>
-                      </a:solidFill>
-                      <a:prstDash val="solid"/>
-                      <a:round/>
-                      <a:headEnd type="none" w="med" len="med"/>
-                      <a:tailEnd type="none" w="med" len="med"/>
-                    </a:lnB>
-                    <a:solidFill>
-                      <a:srgbClr val="D4D4D4"/>
-                    </a:solidFill>
-                  </a:tcPr>
-                </a:tc>
-                <a:tc>
-                  <a:txBody>
-                    <a:bodyPr/>
-                    <a:lstStyle/>
-                    <a:p>
-                      <a:r>
-                        <a:rPr lang="en" sz="1100">
-                          <a:solidFill>
-                            <a:srgbClr val="000000"/>
-                          </a:solidFill>
-                          <a:effectLst/>
-                          <a:latin typeface="Hiragino Kaku Gothic ProN" panose="020B0300000000000000" pitchFamily="34" charset="-128"/>
-                          <a:ea typeface="Hiragino Kaku Gothic ProN" panose="020B0300000000000000" pitchFamily="34" charset="-128"/>
-                        </a:rPr>
-                        <a:t>SE Mean</a:t>
-                      </a:r>
-                      <a:endParaRPr lang="en" sz="1100">
-                        <a:effectLst/>
-                      </a:endParaRPr>
-                    </a:p>
-                  </a:txBody>
-                  <a:tcPr marL="23047" marR="23047" marT="23047" marB="23047">
-                    <a:lnL w="9525" cap="flat" cmpd="sng" algn="ctr">
-                      <a:solidFill>
-                        <a:srgbClr val="000000"/>
-                      </a:solidFill>
-                      <a:prstDash val="solid"/>
-                      <a:round/>
-                      <a:headEnd type="none" w="med" len="med"/>
-                      <a:tailEnd type="none" w="med" len="med"/>
-                    </a:lnL>
-                    <a:lnR w="9525" cap="flat" cmpd="sng" algn="ctr">
-                      <a:solidFill>
-                        <a:srgbClr val="000000"/>
-                      </a:solidFill>
-                      <a:prstDash val="solid"/>
-                      <a:round/>
-                      <a:headEnd type="none" w="med" len="med"/>
-                      <a:tailEnd type="none" w="med" len="med"/>
-                    </a:lnR>
-                    <a:lnT w="9525" cap="flat" cmpd="sng" algn="ctr">
-                      <a:solidFill>
-                        <a:srgbClr val="000000"/>
-                      </a:solidFill>
-                      <a:prstDash val="solid"/>
-                      <a:round/>
-                      <a:headEnd type="none" w="med" len="med"/>
-                      <a:tailEnd type="none" w="med" len="med"/>
-                    </a:lnT>
-                    <a:lnB w="9525" cap="flat" cmpd="sng" algn="ctr">
-                      <a:solidFill>
-                        <a:srgbClr val="000000"/>
-                      </a:solidFill>
-                      <a:prstDash val="solid"/>
-                      <a:round/>
-                      <a:headEnd type="none" w="med" len="med"/>
-                      <a:tailEnd type="none" w="med" len="med"/>
-                    </a:lnB>
-                  </a:tcPr>
-                </a:tc>
-                <a:tc>
-                  <a:txBody>
-                    <a:bodyPr/>
-                    <a:lstStyle/>
-                    <a:p>
-                      <a:r>
-                        <a:rPr lang="en-US" altLang="ja-JP" sz="1100">
-                          <a:solidFill>
-                            <a:srgbClr val="000000"/>
-                          </a:solidFill>
-                          <a:effectLst/>
-                          <a:latin typeface="Hiragino Kaku Gothic ProN" panose="020B0300000000000000" pitchFamily="34" charset="-128"/>
-                          <a:ea typeface="Hiragino Kaku Gothic ProN" panose="020B0300000000000000" pitchFamily="34" charset="-128"/>
-                        </a:rPr>
-                        <a:t>0.185610348557121</a:t>
-                      </a:r>
-                      <a:endParaRPr lang="ja-JP" altLang="en-US" sz="1100">
-                        <a:effectLst/>
-                      </a:endParaRPr>
-                    </a:p>
-                  </a:txBody>
-                  <a:tcPr marL="23047" marR="23047" marT="23047" marB="23047">
-                    <a:lnL w="9525" cap="flat" cmpd="sng" algn="ctr">
-                      <a:solidFill>
-                        <a:srgbClr val="000000"/>
-                      </a:solidFill>
-                      <a:prstDash val="solid"/>
-                      <a:round/>
-                      <a:headEnd type="none" w="med" len="med"/>
-                      <a:tailEnd type="none" w="med" len="med"/>
-                    </a:lnL>
-                    <a:lnR w="9525" cap="flat" cmpd="sng" algn="ctr">
-                      <a:solidFill>
-                        <a:srgbClr val="000000"/>
-                      </a:solidFill>
-                      <a:prstDash val="solid"/>
-                      <a:round/>
-                      <a:headEnd type="none" w="med" len="med"/>
-                      <a:tailEnd type="none" w="med" len="med"/>
-                    </a:lnR>
-                    <a:lnT w="9525" cap="flat" cmpd="sng" algn="ctr">
-                      <a:solidFill>
-                        <a:srgbClr val="000000"/>
-                      </a:solidFill>
-                      <a:prstDash val="solid"/>
-                      <a:round/>
-                      <a:headEnd type="none" w="med" len="med"/>
-                      <a:tailEnd type="none" w="med" len="med"/>
-                    </a:lnT>
-                    <a:lnB w="9525" cap="flat" cmpd="sng" algn="ctr">
-                      <a:solidFill>
-                        <a:srgbClr val="000000"/>
-                      </a:solidFill>
-                      <a:prstDash val="solid"/>
-                      <a:round/>
-                      <a:headEnd type="none" w="med" len="med"/>
-                      <a:tailEnd type="none" w="med" len="med"/>
-                    </a:lnB>
-                  </a:tcPr>
-                </a:tc>
-                <a:extLst>
-                  <a:ext uri="{0D108BD9-81ED-4DB2-BD59-A6C34878D82A}">
-                    <a16:rowId xmlns:a16="http://schemas.microsoft.com/office/drawing/2014/main" val="4031413334"/>
-                  </a:ext>
-                </a:extLst>
-              </a:tr>
-              <a:tr h="422331">
-                <a:tc>
-                  <a:txBody>
-                    <a:bodyPr/>
-                    <a:lstStyle/>
-                    <a:p>
-                      <a:r>
-                        <a:rPr lang="en-US" altLang="ja-JP" sz="1100" b="1">
-                          <a:solidFill>
-                            <a:srgbClr val="000000"/>
-                          </a:solidFill>
-                          <a:effectLst/>
-                          <a:latin typeface="Hiragino Kaku Gothic ProN" panose="020B0300000000000000" pitchFamily="34" charset="-128"/>
-                          <a:ea typeface="Hiragino Kaku Gothic ProN" panose="020B0300000000000000" pitchFamily="34" charset="-128"/>
-                        </a:rPr>
-                        <a:t>7</a:t>
-                      </a:r>
-                      <a:endParaRPr lang="ja-JP" altLang="en-US" sz="1100">
-                        <a:effectLst/>
-                      </a:endParaRPr>
-                    </a:p>
-                  </a:txBody>
-                  <a:tcPr marL="23047" marR="23047" marT="23047" marB="23047">
-                    <a:lnL w="9525" cap="flat" cmpd="sng" algn="ctr">
-                      <a:solidFill>
-                        <a:srgbClr val="000000"/>
-                      </a:solidFill>
-                      <a:prstDash val="solid"/>
-                      <a:round/>
-                      <a:headEnd type="none" w="med" len="med"/>
-                      <a:tailEnd type="none" w="med" len="med"/>
-                    </a:lnL>
-                    <a:lnR w="9525" cap="flat" cmpd="sng" algn="ctr">
-                      <a:solidFill>
-                        <a:srgbClr val="000000"/>
-                      </a:solidFill>
-                      <a:prstDash val="solid"/>
-                      <a:round/>
-                      <a:headEnd type="none" w="med" len="med"/>
-                      <a:tailEnd type="none" w="med" len="med"/>
-                    </a:lnR>
-                    <a:lnT w="9525" cap="flat" cmpd="sng" algn="ctr">
-                      <a:solidFill>
-                        <a:srgbClr val="000000"/>
-                      </a:solidFill>
-                      <a:prstDash val="solid"/>
-                      <a:round/>
-                      <a:headEnd type="none" w="med" len="med"/>
-                      <a:tailEnd type="none" w="med" len="med"/>
-                    </a:lnT>
-                    <a:lnB w="9525" cap="flat" cmpd="sng" algn="ctr">
-                      <a:solidFill>
-                        <a:srgbClr val="000000"/>
-                      </a:solidFill>
-                      <a:prstDash val="solid"/>
-                      <a:round/>
-                      <a:headEnd type="none" w="med" len="med"/>
-                      <a:tailEnd type="none" w="med" len="med"/>
-                    </a:lnB>
-                    <a:solidFill>
-                      <a:srgbClr val="D4D4D4"/>
-                    </a:solidFill>
-                  </a:tcPr>
-                </a:tc>
-                <a:tc>
-                  <a:txBody>
-                    <a:bodyPr/>
-                    <a:lstStyle/>
-                    <a:p>
-                      <a:r>
-                        <a:rPr lang="en" sz="1100">
-                          <a:solidFill>
-                            <a:srgbClr val="000000"/>
-                          </a:solidFill>
-                          <a:effectLst/>
-                          <a:latin typeface="Hiragino Kaku Gothic ProN" panose="020B0300000000000000" pitchFamily="34" charset="-128"/>
-                          <a:ea typeface="Hiragino Kaku Gothic ProN" panose="020B0300000000000000" pitchFamily="34" charset="-128"/>
-                        </a:rPr>
-                        <a:t>SE SD</a:t>
-                      </a:r>
-                      <a:endParaRPr lang="en" sz="1100">
-                        <a:effectLst/>
-                      </a:endParaRPr>
-                    </a:p>
-                  </a:txBody>
-                  <a:tcPr marL="23047" marR="23047" marT="23047" marB="23047">
-                    <a:lnL w="9525" cap="flat" cmpd="sng" algn="ctr">
-                      <a:solidFill>
-                        <a:srgbClr val="000000"/>
-                      </a:solidFill>
-                      <a:prstDash val="solid"/>
-                      <a:round/>
-                      <a:headEnd type="none" w="med" len="med"/>
-                      <a:tailEnd type="none" w="med" len="med"/>
-                    </a:lnL>
-                    <a:lnR w="9525" cap="flat" cmpd="sng" algn="ctr">
-                      <a:solidFill>
-                        <a:srgbClr val="000000"/>
-                      </a:solidFill>
-                      <a:prstDash val="solid"/>
-                      <a:round/>
-                      <a:headEnd type="none" w="med" len="med"/>
-                      <a:tailEnd type="none" w="med" len="med"/>
-                    </a:lnR>
-                    <a:lnT w="9525" cap="flat" cmpd="sng" algn="ctr">
-                      <a:solidFill>
-                        <a:srgbClr val="000000"/>
-                      </a:solidFill>
-                      <a:prstDash val="solid"/>
-                      <a:round/>
-                      <a:headEnd type="none" w="med" len="med"/>
-                      <a:tailEnd type="none" w="med" len="med"/>
-                    </a:lnT>
-                    <a:lnB w="9525" cap="flat" cmpd="sng" algn="ctr">
-                      <a:solidFill>
-                        <a:srgbClr val="000000"/>
-                      </a:solidFill>
-                      <a:prstDash val="solid"/>
-                      <a:round/>
-                      <a:headEnd type="none" w="med" len="med"/>
-                      <a:tailEnd type="none" w="med" len="med"/>
-                    </a:lnB>
-                  </a:tcPr>
-                </a:tc>
-                <a:tc>
-                  <a:txBody>
-                    <a:bodyPr/>
-                    <a:lstStyle/>
-                    <a:p>
-                      <a:r>
-                        <a:rPr lang="en-US" altLang="ja-JP" sz="1100" dirty="0">
-                          <a:solidFill>
-                            <a:srgbClr val="000000"/>
-                          </a:solidFill>
-                          <a:effectLst/>
-                          <a:latin typeface="Hiragino Kaku Gothic ProN" panose="020B0300000000000000" pitchFamily="34" charset="-128"/>
-                          <a:ea typeface="Hiragino Kaku Gothic ProN" panose="020B0300000000000000" pitchFamily="34" charset="-128"/>
-                        </a:rPr>
-                        <a:t>0.0108953404778796</a:t>
-                      </a:r>
-                      <a:endParaRPr lang="ja-JP" altLang="en-US" sz="1100">
-                        <a:effectLst/>
-                      </a:endParaRPr>
-                    </a:p>
-                  </a:txBody>
-                  <a:tcPr marL="23047" marR="23047" marT="23047" marB="23047">
-                    <a:lnL w="9525" cap="flat" cmpd="sng" algn="ctr">
-                      <a:solidFill>
-                        <a:srgbClr val="000000"/>
-                      </a:solidFill>
-                      <a:prstDash val="solid"/>
-                      <a:round/>
-                      <a:headEnd type="none" w="med" len="med"/>
-                      <a:tailEnd type="none" w="med" len="med"/>
-                    </a:lnL>
-                    <a:lnR w="9525" cap="flat" cmpd="sng" algn="ctr">
-                      <a:solidFill>
-                        <a:srgbClr val="000000"/>
-                      </a:solidFill>
-                      <a:prstDash val="solid"/>
-                      <a:round/>
-                      <a:headEnd type="none" w="med" len="med"/>
-                      <a:tailEnd type="none" w="med" len="med"/>
-                    </a:lnR>
-                    <a:lnT w="9525" cap="flat" cmpd="sng" algn="ctr">
-                      <a:solidFill>
-                        <a:srgbClr val="000000"/>
-                      </a:solidFill>
-                      <a:prstDash val="solid"/>
-                      <a:round/>
-                      <a:headEnd type="none" w="med" len="med"/>
-                      <a:tailEnd type="none" w="med" len="med"/>
-                    </a:lnT>
-                    <a:lnB w="9525" cap="flat" cmpd="sng" algn="ctr">
-                      <a:solidFill>
-                        <a:srgbClr val="000000"/>
-                      </a:solidFill>
-                      <a:prstDash val="solid"/>
-                      <a:round/>
-                      <a:headEnd type="none" w="med" len="med"/>
-                      <a:tailEnd type="none" w="med" len="med"/>
-                    </a:lnB>
-                  </a:tcPr>
-                </a:tc>
-                <a:extLst>
-                  <a:ext uri="{0D108BD9-81ED-4DB2-BD59-A6C34878D82A}">
-                    <a16:rowId xmlns:a16="http://schemas.microsoft.com/office/drawing/2014/main" val="2505681690"/>
-                  </a:ext>
-                </a:extLst>
-              </a:tr>
-            </a:tbl>
-          </a:graphicData>
-        </a:graphic>
-      </p:graphicFrame>
       <p:graphicFrame>
         <p:nvGraphicFramePr>
           <p:cNvPr id="11" name="表 10">
@@ -8896,6 +7364,1583 @@
                 <a:extLst>
                   <a:ext uri="{0D108BD9-81ED-4DB2-BD59-A6C34878D82A}">
                     <a16:rowId xmlns:a16="http://schemas.microsoft.com/office/drawing/2014/main" val="3392467239"/>
+                  </a:ext>
+                </a:extLst>
+              </a:tr>
+            </a:tbl>
+          </a:graphicData>
+        </a:graphic>
+      </p:graphicFrame>
+      <p:graphicFrame>
+        <p:nvGraphicFramePr>
+          <p:cNvPr id="5" name="表 4">
+            <a:extLst>
+              <a:ext uri="{FF2B5EF4-FFF2-40B4-BE49-F238E27FC236}">
+                <a16:creationId xmlns:a16="http://schemas.microsoft.com/office/drawing/2014/main" id="{3371D453-36F5-7E40-B958-6BEDE9C28185}"/>
+              </a:ext>
+            </a:extLst>
+          </p:cNvPr>
+          <p:cNvGraphicFramePr>
+            <a:graphicFrameLocks noGrp="1"/>
+          </p:cNvGraphicFramePr>
+          <p:nvPr>
+            <p:extLst>
+              <p:ext uri="{D42A27DB-BD31-4B8C-83A1-F6EECF244321}">
+                <p14:modId xmlns:p14="http://schemas.microsoft.com/office/powerpoint/2010/main" val="2340905718"/>
+              </p:ext>
+            </p:extLst>
+          </p:nvPr>
+        </p:nvGraphicFramePr>
+        <p:xfrm>
+          <a:off x="799988" y="2207361"/>
+          <a:ext cx="2950078" cy="3562897"/>
+        </p:xfrm>
+        <a:graphic>
+          <a:graphicData uri="http://schemas.openxmlformats.org/drawingml/2006/table">
+            <a:tbl>
+              <a:tblPr/>
+              <a:tblGrid>
+                <a:gridCol w="330169">
+                  <a:extLst>
+                    <a:ext uri="{9D8B030D-6E8A-4147-A177-3AD203B41FA5}">
+                      <a16:colId xmlns:a16="http://schemas.microsoft.com/office/drawing/2014/main" val="1476104583"/>
+                    </a:ext>
+                  </a:extLst>
+                </a:gridCol>
+                <a:gridCol w="780836">
+                  <a:extLst>
+                    <a:ext uri="{9D8B030D-6E8A-4147-A177-3AD203B41FA5}">
+                      <a16:colId xmlns:a16="http://schemas.microsoft.com/office/drawing/2014/main" val="2772390141"/>
+                    </a:ext>
+                  </a:extLst>
+                </a:gridCol>
+                <a:gridCol w="1839073">
+                  <a:extLst>
+                    <a:ext uri="{9D8B030D-6E8A-4147-A177-3AD203B41FA5}">
+                      <a16:colId xmlns:a16="http://schemas.microsoft.com/office/drawing/2014/main" val="4088165266"/>
+                    </a:ext>
+                  </a:extLst>
+                </a:gridCol>
+              </a:tblGrid>
+              <a:tr h="302525">
+                <a:tc>
+                  <a:txBody>
+                    <a:bodyPr/>
+                    <a:lstStyle/>
+                    <a:p>
+                      <a:br>
+                        <a:rPr lang="ja-JP" altLang="en-US" sz="1100">
+                          <a:effectLst/>
+                          <a:latin typeface="Helvetica" pitchFamily="2" charset="0"/>
+                        </a:rPr>
+                      </a:br>
+                      <a:endParaRPr lang="ja-JP" altLang="en-US" sz="1100">
+                        <a:effectLst/>
+                        <a:latin typeface="Helvetica" pitchFamily="2" charset="0"/>
+                      </a:endParaRPr>
+                    </a:p>
+                  </a:txBody>
+                  <a:tcPr marL="23047" marR="23047" marT="23047" marB="23047">
+                    <a:lnL w="9525" cap="flat" cmpd="sng" algn="ctr">
+                      <a:solidFill>
+                        <a:srgbClr val="000000"/>
+                      </a:solidFill>
+                      <a:prstDash val="solid"/>
+                      <a:round/>
+                      <a:headEnd type="none" w="med" len="med"/>
+                      <a:tailEnd type="none" w="med" len="med"/>
+                    </a:lnL>
+                    <a:lnR w="9525" cap="flat" cmpd="sng" algn="ctr">
+                      <a:solidFill>
+                        <a:srgbClr val="000000"/>
+                      </a:solidFill>
+                      <a:prstDash val="solid"/>
+                      <a:round/>
+                      <a:headEnd type="none" w="med" len="med"/>
+                      <a:tailEnd type="none" w="med" len="med"/>
+                    </a:lnR>
+                    <a:lnT w="9525" cap="flat" cmpd="sng" algn="ctr">
+                      <a:solidFill>
+                        <a:srgbClr val="000000"/>
+                      </a:solidFill>
+                      <a:prstDash val="solid"/>
+                      <a:round/>
+                      <a:headEnd type="none" w="med" len="med"/>
+                      <a:tailEnd type="none" w="med" len="med"/>
+                    </a:lnT>
+                    <a:lnB w="9525" cap="flat" cmpd="sng" algn="ctr">
+                      <a:solidFill>
+                        <a:srgbClr val="000000"/>
+                      </a:solidFill>
+                      <a:prstDash val="solid"/>
+                      <a:round/>
+                      <a:headEnd type="none" w="med" len="med"/>
+                      <a:tailEnd type="none" w="med" len="med"/>
+                    </a:lnB>
+                    <a:solidFill>
+                      <a:srgbClr val="B0B3B2"/>
+                    </a:solidFill>
+                  </a:tcPr>
+                </a:tc>
+                <a:tc>
+                  <a:txBody>
+                    <a:bodyPr/>
+                    <a:lstStyle/>
+                    <a:p>
+                      <a:r>
+                        <a:rPr lang="en" sz="1100" b="1">
+                          <a:solidFill>
+                            <a:srgbClr val="000000"/>
+                          </a:solidFill>
+                          <a:effectLst/>
+                          <a:latin typeface="Hiragino Kaku Gothic ProN" panose="020B0300000000000000" pitchFamily="34" charset="-128"/>
+                          <a:ea typeface="Hiragino Kaku Gothic ProN" panose="020B0300000000000000" pitchFamily="34" charset="-128"/>
+                        </a:rPr>
+                        <a:t>V1</a:t>
+                      </a:r>
+                      <a:endParaRPr lang="en" sz="1100">
+                        <a:effectLst/>
+                      </a:endParaRPr>
+                    </a:p>
+                  </a:txBody>
+                  <a:tcPr marL="23047" marR="23047" marT="23047" marB="23047">
+                    <a:lnL w="9525" cap="flat" cmpd="sng" algn="ctr">
+                      <a:solidFill>
+                        <a:srgbClr val="000000"/>
+                      </a:solidFill>
+                      <a:prstDash val="solid"/>
+                      <a:round/>
+                      <a:headEnd type="none" w="med" len="med"/>
+                      <a:tailEnd type="none" w="med" len="med"/>
+                    </a:lnL>
+                    <a:lnR w="9525" cap="flat" cmpd="sng" algn="ctr">
+                      <a:solidFill>
+                        <a:srgbClr val="000000"/>
+                      </a:solidFill>
+                      <a:prstDash val="solid"/>
+                      <a:round/>
+                      <a:headEnd type="none" w="med" len="med"/>
+                      <a:tailEnd type="none" w="med" len="med"/>
+                    </a:lnR>
+                    <a:lnT w="9525" cap="flat" cmpd="sng" algn="ctr">
+                      <a:solidFill>
+                        <a:srgbClr val="000000"/>
+                      </a:solidFill>
+                      <a:prstDash val="solid"/>
+                      <a:round/>
+                      <a:headEnd type="none" w="med" len="med"/>
+                      <a:tailEnd type="none" w="med" len="med"/>
+                    </a:lnT>
+                    <a:lnB w="9525" cap="flat" cmpd="sng" algn="ctr">
+                      <a:solidFill>
+                        <a:srgbClr val="000000"/>
+                      </a:solidFill>
+                      <a:prstDash val="solid"/>
+                      <a:round/>
+                      <a:headEnd type="none" w="med" len="med"/>
+                      <a:tailEnd type="none" w="med" len="med"/>
+                    </a:lnB>
+                    <a:solidFill>
+                      <a:srgbClr val="B0B3B2"/>
+                    </a:solidFill>
+                  </a:tcPr>
+                </a:tc>
+                <a:tc>
+                  <a:txBody>
+                    <a:bodyPr/>
+                    <a:lstStyle/>
+                    <a:p>
+                      <a:r>
+                        <a:rPr lang="en" sz="1100" b="1">
+                          <a:solidFill>
+                            <a:srgbClr val="000000"/>
+                          </a:solidFill>
+                          <a:effectLst/>
+                          <a:latin typeface="Hiragino Kaku Gothic ProN" panose="020B0300000000000000" pitchFamily="34" charset="-128"/>
+                          <a:ea typeface="Hiragino Kaku Gothic ProN" panose="020B0300000000000000" pitchFamily="34" charset="-128"/>
+                        </a:rPr>
+                        <a:t>V2</a:t>
+                      </a:r>
+                      <a:endParaRPr lang="en" sz="1100">
+                        <a:effectLst/>
+                      </a:endParaRPr>
+                    </a:p>
+                  </a:txBody>
+                  <a:tcPr marL="23047" marR="23047" marT="23047" marB="23047">
+                    <a:lnL w="9525" cap="flat" cmpd="sng" algn="ctr">
+                      <a:solidFill>
+                        <a:srgbClr val="000000"/>
+                      </a:solidFill>
+                      <a:prstDash val="solid"/>
+                      <a:round/>
+                      <a:headEnd type="none" w="med" len="med"/>
+                      <a:tailEnd type="none" w="med" len="med"/>
+                    </a:lnL>
+                    <a:lnR w="9525" cap="flat" cmpd="sng" algn="ctr">
+                      <a:solidFill>
+                        <a:srgbClr val="000000"/>
+                      </a:solidFill>
+                      <a:prstDash val="solid"/>
+                      <a:round/>
+                      <a:headEnd type="none" w="med" len="med"/>
+                      <a:tailEnd type="none" w="med" len="med"/>
+                    </a:lnR>
+                    <a:lnT w="9525" cap="flat" cmpd="sng" algn="ctr">
+                      <a:solidFill>
+                        <a:srgbClr val="000000"/>
+                      </a:solidFill>
+                      <a:prstDash val="solid"/>
+                      <a:round/>
+                      <a:headEnd type="none" w="med" len="med"/>
+                      <a:tailEnd type="none" w="med" len="med"/>
+                    </a:lnT>
+                    <a:lnB w="9525" cap="flat" cmpd="sng" algn="ctr">
+                      <a:solidFill>
+                        <a:srgbClr val="000000"/>
+                      </a:solidFill>
+                      <a:prstDash val="solid"/>
+                      <a:round/>
+                      <a:headEnd type="none" w="med" len="med"/>
+                      <a:tailEnd type="none" w="med" len="med"/>
+                    </a:lnB>
+                    <a:solidFill>
+                      <a:srgbClr val="B0B3B2"/>
+                    </a:solidFill>
+                  </a:tcPr>
+                </a:tc>
+                <a:extLst>
+                  <a:ext uri="{0D108BD9-81ED-4DB2-BD59-A6C34878D82A}">
+                    <a16:rowId xmlns:a16="http://schemas.microsoft.com/office/drawing/2014/main" val="1420062232"/>
+                  </a:ext>
+                </a:extLst>
+              </a:tr>
+              <a:tr h="435506">
+                <a:tc>
+                  <a:txBody>
+                    <a:bodyPr/>
+                    <a:lstStyle/>
+                    <a:p>
+                      <a:r>
+                        <a:rPr lang="en-US" altLang="ja-JP" sz="1100" b="1">
+                          <a:solidFill>
+                            <a:srgbClr val="000000"/>
+                          </a:solidFill>
+                          <a:effectLst/>
+                          <a:latin typeface="Hiragino Kaku Gothic ProN" panose="020B0300000000000000" pitchFamily="34" charset="-128"/>
+                          <a:ea typeface="Hiragino Kaku Gothic ProN" panose="020B0300000000000000" pitchFamily="34" charset="-128"/>
+                        </a:rPr>
+                        <a:t>1</a:t>
+                      </a:r>
+                      <a:endParaRPr lang="ja-JP" altLang="en-US" sz="1100">
+                        <a:effectLst/>
+                      </a:endParaRPr>
+                    </a:p>
+                  </a:txBody>
+                  <a:tcPr marL="23047" marR="23047" marT="23047" marB="23047">
+                    <a:lnL w="9525" cap="flat" cmpd="sng" algn="ctr">
+                      <a:solidFill>
+                        <a:srgbClr val="000000"/>
+                      </a:solidFill>
+                      <a:prstDash val="solid"/>
+                      <a:round/>
+                      <a:headEnd type="none" w="med" len="med"/>
+                      <a:tailEnd type="none" w="med" len="med"/>
+                    </a:lnL>
+                    <a:lnR w="9525" cap="flat" cmpd="sng" algn="ctr">
+                      <a:solidFill>
+                        <a:srgbClr val="000000"/>
+                      </a:solidFill>
+                      <a:prstDash val="solid"/>
+                      <a:round/>
+                      <a:headEnd type="none" w="med" len="med"/>
+                      <a:tailEnd type="none" w="med" len="med"/>
+                    </a:lnR>
+                    <a:lnT w="9525" cap="flat" cmpd="sng" algn="ctr">
+                      <a:solidFill>
+                        <a:srgbClr val="000000"/>
+                      </a:solidFill>
+                      <a:prstDash val="solid"/>
+                      <a:round/>
+                      <a:headEnd type="none" w="med" len="med"/>
+                      <a:tailEnd type="none" w="med" len="med"/>
+                    </a:lnT>
+                    <a:lnB w="9525" cap="flat" cmpd="sng" algn="ctr">
+                      <a:solidFill>
+                        <a:srgbClr val="000000"/>
+                      </a:solidFill>
+                      <a:prstDash val="solid"/>
+                      <a:round/>
+                      <a:headEnd type="none" w="med" len="med"/>
+                      <a:tailEnd type="none" w="med" len="med"/>
+                    </a:lnB>
+                    <a:solidFill>
+                      <a:srgbClr val="D4D4D4"/>
+                    </a:solidFill>
+                  </a:tcPr>
+                </a:tc>
+                <a:tc>
+                  <a:txBody>
+                    <a:bodyPr/>
+                    <a:lstStyle/>
+                    <a:p>
+                      <a:r>
+                        <a:rPr lang="en" sz="1100">
+                          <a:solidFill>
+                            <a:srgbClr val="000000"/>
+                          </a:solidFill>
+                          <a:effectLst/>
+                          <a:latin typeface="Hiragino Kaku Gothic ProN" panose="020B0300000000000000" pitchFamily="34" charset="-128"/>
+                          <a:ea typeface="Hiragino Kaku Gothic ProN" panose="020B0300000000000000" pitchFamily="34" charset="-128"/>
+                        </a:rPr>
+                        <a:t>WAIC</a:t>
+                      </a:r>
+                      <a:endParaRPr lang="en" sz="1100">
+                        <a:effectLst/>
+                      </a:endParaRPr>
+                    </a:p>
+                  </a:txBody>
+                  <a:tcPr marL="23047" marR="23047" marT="23047" marB="23047">
+                    <a:lnL w="9525" cap="flat" cmpd="sng" algn="ctr">
+                      <a:solidFill>
+                        <a:srgbClr val="000000"/>
+                      </a:solidFill>
+                      <a:prstDash val="solid"/>
+                      <a:round/>
+                      <a:headEnd type="none" w="med" len="med"/>
+                      <a:tailEnd type="none" w="med" len="med"/>
+                    </a:lnL>
+                    <a:lnR w="9525" cap="flat" cmpd="sng" algn="ctr">
+                      <a:solidFill>
+                        <a:srgbClr val="000000"/>
+                      </a:solidFill>
+                      <a:prstDash val="solid"/>
+                      <a:round/>
+                      <a:headEnd type="none" w="med" len="med"/>
+                      <a:tailEnd type="none" w="med" len="med"/>
+                    </a:lnR>
+                    <a:lnT w="9525" cap="flat" cmpd="sng" algn="ctr">
+                      <a:solidFill>
+                        <a:srgbClr val="000000"/>
+                      </a:solidFill>
+                      <a:prstDash val="solid"/>
+                      <a:round/>
+                      <a:headEnd type="none" w="med" len="med"/>
+                      <a:tailEnd type="none" w="med" len="med"/>
+                    </a:lnT>
+                    <a:lnB w="9525" cap="flat" cmpd="sng" algn="ctr">
+                      <a:solidFill>
+                        <a:srgbClr val="000000"/>
+                      </a:solidFill>
+                      <a:prstDash val="solid"/>
+                      <a:round/>
+                      <a:headEnd type="none" w="med" len="med"/>
+                      <a:tailEnd type="none" w="med" len="med"/>
+                    </a:lnB>
+                  </a:tcPr>
+                </a:tc>
+                <a:tc>
+                  <a:txBody>
+                    <a:bodyPr/>
+                    <a:lstStyle/>
+                    <a:p>
+                      <a:r>
+                        <a:rPr lang="en-US" altLang="ja-JP" sz="1100">
+                          <a:solidFill>
+                            <a:srgbClr val="000000"/>
+                          </a:solidFill>
+                          <a:effectLst/>
+                          <a:latin typeface="Hiragino Kaku Gothic ProN" panose="020B0300000000000000" pitchFamily="34" charset="-128"/>
+                          <a:ea typeface="Hiragino Kaku Gothic ProN" panose="020B0300000000000000" pitchFamily="34" charset="-128"/>
+                        </a:rPr>
+                        <a:t>3105.55218399114</a:t>
+                      </a:r>
+                      <a:endParaRPr lang="ja-JP" altLang="en-US" sz="1100">
+                        <a:effectLst/>
+                      </a:endParaRPr>
+                    </a:p>
+                  </a:txBody>
+                  <a:tcPr marL="23047" marR="23047" marT="23047" marB="23047">
+                    <a:lnL w="9525" cap="flat" cmpd="sng" algn="ctr">
+                      <a:solidFill>
+                        <a:srgbClr val="000000"/>
+                      </a:solidFill>
+                      <a:prstDash val="solid"/>
+                      <a:round/>
+                      <a:headEnd type="none" w="med" len="med"/>
+                      <a:tailEnd type="none" w="med" len="med"/>
+                    </a:lnL>
+                    <a:lnR w="9525" cap="flat" cmpd="sng" algn="ctr">
+                      <a:solidFill>
+                        <a:srgbClr val="000000"/>
+                      </a:solidFill>
+                      <a:prstDash val="solid"/>
+                      <a:round/>
+                      <a:headEnd type="none" w="med" len="med"/>
+                      <a:tailEnd type="none" w="med" len="med"/>
+                    </a:lnR>
+                    <a:lnT w="9525" cap="flat" cmpd="sng" algn="ctr">
+                      <a:solidFill>
+                        <a:srgbClr val="000000"/>
+                      </a:solidFill>
+                      <a:prstDash val="solid"/>
+                      <a:round/>
+                      <a:headEnd type="none" w="med" len="med"/>
+                      <a:tailEnd type="none" w="med" len="med"/>
+                    </a:lnT>
+                    <a:lnB w="9525" cap="flat" cmpd="sng" algn="ctr">
+                      <a:solidFill>
+                        <a:srgbClr val="000000"/>
+                      </a:solidFill>
+                      <a:prstDash val="solid"/>
+                      <a:round/>
+                      <a:headEnd type="none" w="med" len="med"/>
+                      <a:tailEnd type="none" w="med" len="med"/>
+                    </a:lnB>
+                  </a:tcPr>
+                </a:tc>
+                <a:extLst>
+                  <a:ext uri="{0D108BD9-81ED-4DB2-BD59-A6C34878D82A}">
+                    <a16:rowId xmlns:a16="http://schemas.microsoft.com/office/drawing/2014/main" val="1357597124"/>
+                  </a:ext>
+                </a:extLst>
+              </a:tr>
+              <a:tr h="435506">
+                <a:tc>
+                  <a:txBody>
+                    <a:bodyPr/>
+                    <a:lstStyle/>
+                    <a:p>
+                      <a:r>
+                        <a:rPr lang="en-US" altLang="ja-JP" sz="1100" b="1">
+                          <a:solidFill>
+                            <a:srgbClr val="000000"/>
+                          </a:solidFill>
+                          <a:effectLst/>
+                          <a:latin typeface="Hiragino Kaku Gothic ProN" panose="020B0300000000000000" pitchFamily="34" charset="-128"/>
+                          <a:ea typeface="Hiragino Kaku Gothic ProN" panose="020B0300000000000000" pitchFamily="34" charset="-128"/>
+                        </a:rPr>
+                        <a:t>2</a:t>
+                      </a:r>
+                      <a:endParaRPr lang="ja-JP" altLang="en-US" sz="1100">
+                        <a:effectLst/>
+                      </a:endParaRPr>
+                    </a:p>
+                  </a:txBody>
+                  <a:tcPr marL="23047" marR="23047" marT="23047" marB="23047">
+                    <a:lnL w="9525" cap="flat" cmpd="sng" algn="ctr">
+                      <a:solidFill>
+                        <a:srgbClr val="000000"/>
+                      </a:solidFill>
+                      <a:prstDash val="solid"/>
+                      <a:round/>
+                      <a:headEnd type="none" w="med" len="med"/>
+                      <a:tailEnd type="none" w="med" len="med"/>
+                    </a:lnL>
+                    <a:lnR w="9525" cap="flat" cmpd="sng" algn="ctr">
+                      <a:solidFill>
+                        <a:srgbClr val="000000"/>
+                      </a:solidFill>
+                      <a:prstDash val="solid"/>
+                      <a:round/>
+                      <a:headEnd type="none" w="med" len="med"/>
+                      <a:tailEnd type="none" w="med" len="med"/>
+                    </a:lnR>
+                    <a:lnT w="9525" cap="flat" cmpd="sng" algn="ctr">
+                      <a:solidFill>
+                        <a:srgbClr val="000000"/>
+                      </a:solidFill>
+                      <a:prstDash val="solid"/>
+                      <a:round/>
+                      <a:headEnd type="none" w="med" len="med"/>
+                      <a:tailEnd type="none" w="med" len="med"/>
+                    </a:lnT>
+                    <a:lnB w="9525" cap="flat" cmpd="sng" algn="ctr">
+                      <a:solidFill>
+                        <a:srgbClr val="000000"/>
+                      </a:solidFill>
+                      <a:prstDash val="solid"/>
+                      <a:round/>
+                      <a:headEnd type="none" w="med" len="med"/>
+                      <a:tailEnd type="none" w="med" len="med"/>
+                    </a:lnB>
+                    <a:solidFill>
+                      <a:srgbClr val="D4D4D4"/>
+                    </a:solidFill>
+                  </a:tcPr>
+                </a:tc>
+                <a:tc>
+                  <a:txBody>
+                    <a:bodyPr/>
+                    <a:lstStyle/>
+                    <a:p>
+                      <a:r>
+                        <a:rPr lang="en" sz="1100">
+                          <a:solidFill>
+                            <a:srgbClr val="000000"/>
+                          </a:solidFill>
+                          <a:effectLst/>
+                          <a:latin typeface="Hiragino Kaku Gothic ProN" panose="020B0300000000000000" pitchFamily="34" charset="-128"/>
+                          <a:ea typeface="Hiragino Kaku Gothic ProN" panose="020B0300000000000000" pitchFamily="34" charset="-128"/>
+                        </a:rPr>
+                        <a:t>ML</a:t>
+                      </a:r>
+                      <a:endParaRPr lang="en" sz="1100">
+                        <a:effectLst/>
+                      </a:endParaRPr>
+                    </a:p>
+                  </a:txBody>
+                  <a:tcPr marL="23047" marR="23047" marT="23047" marB="23047">
+                    <a:lnL w="9525" cap="flat" cmpd="sng" algn="ctr">
+                      <a:solidFill>
+                        <a:srgbClr val="000000"/>
+                      </a:solidFill>
+                      <a:prstDash val="solid"/>
+                      <a:round/>
+                      <a:headEnd type="none" w="med" len="med"/>
+                      <a:tailEnd type="none" w="med" len="med"/>
+                    </a:lnL>
+                    <a:lnR w="9525" cap="flat" cmpd="sng" algn="ctr">
+                      <a:solidFill>
+                        <a:srgbClr val="000000"/>
+                      </a:solidFill>
+                      <a:prstDash val="solid"/>
+                      <a:round/>
+                      <a:headEnd type="none" w="med" len="med"/>
+                      <a:tailEnd type="none" w="med" len="med"/>
+                    </a:lnR>
+                    <a:lnT w="9525" cap="flat" cmpd="sng" algn="ctr">
+                      <a:solidFill>
+                        <a:srgbClr val="000000"/>
+                      </a:solidFill>
+                      <a:prstDash val="solid"/>
+                      <a:round/>
+                      <a:headEnd type="none" w="med" len="med"/>
+                      <a:tailEnd type="none" w="med" len="med"/>
+                    </a:lnT>
+                    <a:lnB w="9525" cap="flat" cmpd="sng" algn="ctr">
+                      <a:solidFill>
+                        <a:srgbClr val="000000"/>
+                      </a:solidFill>
+                      <a:prstDash val="solid"/>
+                      <a:round/>
+                      <a:headEnd type="none" w="med" len="med"/>
+                      <a:tailEnd type="none" w="med" len="med"/>
+                    </a:lnB>
+                  </a:tcPr>
+                </a:tc>
+                <a:tc>
+                  <a:txBody>
+                    <a:bodyPr/>
+                    <a:lstStyle/>
+                    <a:p>
+                      <a:r>
+                        <a:rPr lang="en-US" altLang="ja-JP" sz="1100">
+                          <a:solidFill>
+                            <a:srgbClr val="000000"/>
+                          </a:solidFill>
+                          <a:effectLst/>
+                          <a:latin typeface="Hiragino Kaku Gothic ProN" panose="020B0300000000000000" pitchFamily="34" charset="-128"/>
+                          <a:ea typeface="Hiragino Kaku Gothic ProN" panose="020B0300000000000000" pitchFamily="34" charset="-128"/>
+                        </a:rPr>
+                        <a:t>3067.64566879204</a:t>
+                      </a:r>
+                      <a:endParaRPr lang="ja-JP" altLang="en-US" sz="1100">
+                        <a:effectLst/>
+                      </a:endParaRPr>
+                    </a:p>
+                  </a:txBody>
+                  <a:tcPr marL="23047" marR="23047" marT="23047" marB="23047">
+                    <a:lnL w="9525" cap="flat" cmpd="sng" algn="ctr">
+                      <a:solidFill>
+                        <a:srgbClr val="000000"/>
+                      </a:solidFill>
+                      <a:prstDash val="solid"/>
+                      <a:round/>
+                      <a:headEnd type="none" w="med" len="med"/>
+                      <a:tailEnd type="none" w="med" len="med"/>
+                    </a:lnL>
+                    <a:lnR w="9525" cap="flat" cmpd="sng" algn="ctr">
+                      <a:solidFill>
+                        <a:srgbClr val="000000"/>
+                      </a:solidFill>
+                      <a:prstDash val="solid"/>
+                      <a:round/>
+                      <a:headEnd type="none" w="med" len="med"/>
+                      <a:tailEnd type="none" w="med" len="med"/>
+                    </a:lnR>
+                    <a:lnT w="9525" cap="flat" cmpd="sng" algn="ctr">
+                      <a:solidFill>
+                        <a:srgbClr val="000000"/>
+                      </a:solidFill>
+                      <a:prstDash val="solid"/>
+                      <a:round/>
+                      <a:headEnd type="none" w="med" len="med"/>
+                      <a:tailEnd type="none" w="med" len="med"/>
+                    </a:lnT>
+                    <a:lnB w="9525" cap="flat" cmpd="sng" algn="ctr">
+                      <a:solidFill>
+                        <a:srgbClr val="000000"/>
+                      </a:solidFill>
+                      <a:prstDash val="solid"/>
+                      <a:round/>
+                      <a:headEnd type="none" w="med" len="med"/>
+                      <a:tailEnd type="none" w="med" len="med"/>
+                    </a:lnB>
+                  </a:tcPr>
+                </a:tc>
+                <a:extLst>
+                  <a:ext uri="{0D108BD9-81ED-4DB2-BD59-A6C34878D82A}">
+                    <a16:rowId xmlns:a16="http://schemas.microsoft.com/office/drawing/2014/main" val="746988103"/>
+                  </a:ext>
+                </a:extLst>
+              </a:tr>
+              <a:tr h="302525">
+                <a:tc>
+                  <a:txBody>
+                    <a:bodyPr/>
+                    <a:lstStyle/>
+                    <a:p>
+                      <a:r>
+                        <a:rPr lang="en-US" altLang="ja-JP" sz="1100" b="1">
+                          <a:solidFill>
+                            <a:srgbClr val="000000"/>
+                          </a:solidFill>
+                          <a:effectLst/>
+                          <a:latin typeface="Hiragino Kaku Gothic ProN" panose="020B0300000000000000" pitchFamily="34" charset="-128"/>
+                          <a:ea typeface="Hiragino Kaku Gothic ProN" panose="020B0300000000000000" pitchFamily="34" charset="-128"/>
+                        </a:rPr>
+                        <a:t>3</a:t>
+                      </a:r>
+                      <a:endParaRPr lang="ja-JP" altLang="en-US" sz="1100">
+                        <a:effectLst/>
+                      </a:endParaRPr>
+                    </a:p>
+                  </a:txBody>
+                  <a:tcPr marL="23047" marR="23047" marT="23047" marB="23047">
+                    <a:lnL w="9525" cap="flat" cmpd="sng" algn="ctr">
+                      <a:solidFill>
+                        <a:srgbClr val="000000"/>
+                      </a:solidFill>
+                      <a:prstDash val="solid"/>
+                      <a:round/>
+                      <a:headEnd type="none" w="med" len="med"/>
+                      <a:tailEnd type="none" w="med" len="med"/>
+                    </a:lnL>
+                    <a:lnR w="9525" cap="flat" cmpd="sng" algn="ctr">
+                      <a:solidFill>
+                        <a:srgbClr val="000000"/>
+                      </a:solidFill>
+                      <a:prstDash val="solid"/>
+                      <a:round/>
+                      <a:headEnd type="none" w="med" len="med"/>
+                      <a:tailEnd type="none" w="med" len="med"/>
+                    </a:lnR>
+                    <a:lnT w="9525" cap="flat" cmpd="sng" algn="ctr">
+                      <a:solidFill>
+                        <a:srgbClr val="000000"/>
+                      </a:solidFill>
+                      <a:prstDash val="solid"/>
+                      <a:round/>
+                      <a:headEnd type="none" w="med" len="med"/>
+                      <a:tailEnd type="none" w="med" len="med"/>
+                    </a:lnT>
+                    <a:lnB w="9525" cap="flat" cmpd="sng" algn="ctr">
+                      <a:solidFill>
+                        <a:srgbClr val="000000"/>
+                      </a:solidFill>
+                      <a:prstDash val="solid"/>
+                      <a:round/>
+                      <a:headEnd type="none" w="med" len="med"/>
+                      <a:tailEnd type="none" w="med" len="med"/>
+                    </a:lnB>
+                    <a:solidFill>
+                      <a:srgbClr val="D4D4D4"/>
+                    </a:solidFill>
+                  </a:tcPr>
+                </a:tc>
+                <a:tc>
+                  <a:txBody>
+                    <a:bodyPr/>
+                    <a:lstStyle/>
+                    <a:p>
+                      <a:r>
+                        <a:rPr lang="en" sz="1100">
+                          <a:solidFill>
+                            <a:srgbClr val="000000"/>
+                          </a:solidFill>
+                          <a:effectLst/>
+                          <a:latin typeface="Hiragino Kaku Gothic ProN" panose="020B0300000000000000" pitchFamily="34" charset="-128"/>
+                          <a:ea typeface="Hiragino Kaku Gothic ProN" panose="020B0300000000000000" pitchFamily="34" charset="-128"/>
+                        </a:rPr>
+                        <a:t>AIC</a:t>
+                      </a:r>
+                      <a:endParaRPr lang="en" sz="1100">
+                        <a:effectLst/>
+                      </a:endParaRPr>
+                    </a:p>
+                  </a:txBody>
+                  <a:tcPr marL="23047" marR="23047" marT="23047" marB="23047">
+                    <a:lnL w="9525" cap="flat" cmpd="sng" algn="ctr">
+                      <a:solidFill>
+                        <a:srgbClr val="000000"/>
+                      </a:solidFill>
+                      <a:prstDash val="solid"/>
+                      <a:round/>
+                      <a:headEnd type="none" w="med" len="med"/>
+                      <a:tailEnd type="none" w="med" len="med"/>
+                    </a:lnL>
+                    <a:lnR w="9525" cap="flat" cmpd="sng" algn="ctr">
+                      <a:solidFill>
+                        <a:srgbClr val="000000"/>
+                      </a:solidFill>
+                      <a:prstDash val="solid"/>
+                      <a:round/>
+                      <a:headEnd type="none" w="med" len="med"/>
+                      <a:tailEnd type="none" w="med" len="med"/>
+                    </a:lnR>
+                    <a:lnT w="9525" cap="flat" cmpd="sng" algn="ctr">
+                      <a:solidFill>
+                        <a:srgbClr val="000000"/>
+                      </a:solidFill>
+                      <a:prstDash val="solid"/>
+                      <a:round/>
+                      <a:headEnd type="none" w="med" len="med"/>
+                      <a:tailEnd type="none" w="med" len="med"/>
+                    </a:lnT>
+                    <a:lnB w="9525" cap="flat" cmpd="sng" algn="ctr">
+                      <a:solidFill>
+                        <a:srgbClr val="000000"/>
+                      </a:solidFill>
+                      <a:prstDash val="solid"/>
+                      <a:round/>
+                      <a:headEnd type="none" w="med" len="med"/>
+                      <a:tailEnd type="none" w="med" len="med"/>
+                    </a:lnB>
+                  </a:tcPr>
+                </a:tc>
+                <a:tc>
+                  <a:txBody>
+                    <a:bodyPr/>
+                    <a:lstStyle/>
+                    <a:p>
+                      <a:r>
+                        <a:rPr lang="en" sz="1100">
+                          <a:solidFill>
+                            <a:srgbClr val="000000"/>
+                          </a:solidFill>
+                          <a:effectLst/>
+                          <a:latin typeface="Hiragino Kaku Gothic ProN" panose="020B0300000000000000" pitchFamily="34" charset="-128"/>
+                          <a:ea typeface="Hiragino Kaku Gothic ProN" panose="020B0300000000000000" pitchFamily="34" charset="-128"/>
+                        </a:rPr>
+                        <a:t>BIC</a:t>
+                      </a:r>
+                      <a:endParaRPr lang="en" sz="1100">
+                        <a:effectLst/>
+                      </a:endParaRPr>
+                    </a:p>
+                  </a:txBody>
+                  <a:tcPr marL="23047" marR="23047" marT="23047" marB="23047">
+                    <a:lnL w="9525" cap="flat" cmpd="sng" algn="ctr">
+                      <a:solidFill>
+                        <a:srgbClr val="000000"/>
+                      </a:solidFill>
+                      <a:prstDash val="solid"/>
+                      <a:round/>
+                      <a:headEnd type="none" w="med" len="med"/>
+                      <a:tailEnd type="none" w="med" len="med"/>
+                    </a:lnL>
+                    <a:lnR w="9525" cap="flat" cmpd="sng" algn="ctr">
+                      <a:solidFill>
+                        <a:srgbClr val="000000"/>
+                      </a:solidFill>
+                      <a:prstDash val="solid"/>
+                      <a:round/>
+                      <a:headEnd type="none" w="med" len="med"/>
+                      <a:tailEnd type="none" w="med" len="med"/>
+                    </a:lnR>
+                    <a:lnT w="9525" cap="flat" cmpd="sng" algn="ctr">
+                      <a:solidFill>
+                        <a:srgbClr val="000000"/>
+                      </a:solidFill>
+                      <a:prstDash val="solid"/>
+                      <a:round/>
+                      <a:headEnd type="none" w="med" len="med"/>
+                      <a:tailEnd type="none" w="med" len="med"/>
+                    </a:lnT>
+                    <a:lnB w="9525" cap="flat" cmpd="sng" algn="ctr">
+                      <a:solidFill>
+                        <a:srgbClr val="000000"/>
+                      </a:solidFill>
+                      <a:prstDash val="solid"/>
+                      <a:round/>
+                      <a:headEnd type="none" w="med" len="med"/>
+                      <a:tailEnd type="none" w="med" len="med"/>
+                    </a:lnB>
+                  </a:tcPr>
+                </a:tc>
+                <a:extLst>
+                  <a:ext uri="{0D108BD9-81ED-4DB2-BD59-A6C34878D82A}">
+                    <a16:rowId xmlns:a16="http://schemas.microsoft.com/office/drawing/2014/main" val="972567012"/>
+                  </a:ext>
+                </a:extLst>
+              </a:tr>
+              <a:tr h="568487">
+                <a:tc>
+                  <a:txBody>
+                    <a:bodyPr/>
+                    <a:lstStyle/>
+                    <a:p>
+                      <a:r>
+                        <a:rPr lang="en-US" altLang="ja-JP" sz="1100" b="1">
+                          <a:solidFill>
+                            <a:srgbClr val="000000"/>
+                          </a:solidFill>
+                          <a:effectLst/>
+                          <a:latin typeface="Hiragino Kaku Gothic ProN" panose="020B0300000000000000" pitchFamily="34" charset="-128"/>
+                          <a:ea typeface="Hiragino Kaku Gothic ProN" panose="020B0300000000000000" pitchFamily="34" charset="-128"/>
+                        </a:rPr>
+                        <a:t>4</a:t>
+                      </a:r>
+                      <a:endParaRPr lang="ja-JP" altLang="en-US" sz="1100">
+                        <a:effectLst/>
+                      </a:endParaRPr>
+                    </a:p>
+                  </a:txBody>
+                  <a:tcPr marL="23047" marR="23047" marT="23047" marB="23047">
+                    <a:lnL w="9525" cap="flat" cmpd="sng" algn="ctr">
+                      <a:solidFill>
+                        <a:srgbClr val="000000"/>
+                      </a:solidFill>
+                      <a:prstDash val="solid"/>
+                      <a:round/>
+                      <a:headEnd type="none" w="med" len="med"/>
+                      <a:tailEnd type="none" w="med" len="med"/>
+                    </a:lnL>
+                    <a:lnR w="9525" cap="flat" cmpd="sng" algn="ctr">
+                      <a:solidFill>
+                        <a:srgbClr val="000000"/>
+                      </a:solidFill>
+                      <a:prstDash val="solid"/>
+                      <a:round/>
+                      <a:headEnd type="none" w="med" len="med"/>
+                      <a:tailEnd type="none" w="med" len="med"/>
+                    </a:lnR>
+                    <a:lnT w="9525" cap="flat" cmpd="sng" algn="ctr">
+                      <a:solidFill>
+                        <a:srgbClr val="000000"/>
+                      </a:solidFill>
+                      <a:prstDash val="solid"/>
+                      <a:round/>
+                      <a:headEnd type="none" w="med" len="med"/>
+                      <a:tailEnd type="none" w="med" len="med"/>
+                    </a:lnT>
+                    <a:lnB w="9525" cap="flat" cmpd="sng" algn="ctr">
+                      <a:solidFill>
+                        <a:srgbClr val="000000"/>
+                      </a:solidFill>
+                      <a:prstDash val="solid"/>
+                      <a:round/>
+                      <a:headEnd type="none" w="med" len="med"/>
+                      <a:tailEnd type="none" w="med" len="med"/>
+                    </a:lnB>
+                    <a:solidFill>
+                      <a:srgbClr val="D4D4D4"/>
+                    </a:solidFill>
+                  </a:tcPr>
+                </a:tc>
+                <a:tc>
+                  <a:txBody>
+                    <a:bodyPr/>
+                    <a:lstStyle/>
+                    <a:p>
+                      <a:r>
+                        <a:rPr lang="en" sz="1100">
+                          <a:solidFill>
+                            <a:srgbClr val="000000"/>
+                          </a:solidFill>
+                          <a:effectLst/>
+                          <a:latin typeface="Hiragino Kaku Gothic ProN" panose="020B0300000000000000" pitchFamily="34" charset="-128"/>
+                          <a:ea typeface="Hiragino Kaku Gothic ProN" panose="020B0300000000000000" pitchFamily="34" charset="-128"/>
+                        </a:rPr>
+                        <a:t>RhatMax</a:t>
+                      </a:r>
+                      <a:endParaRPr lang="en" sz="1100">
+                        <a:effectLst/>
+                      </a:endParaRPr>
+                    </a:p>
+                  </a:txBody>
+                  <a:tcPr marL="23047" marR="23047" marT="23047" marB="23047">
+                    <a:lnL w="9525" cap="flat" cmpd="sng" algn="ctr">
+                      <a:solidFill>
+                        <a:srgbClr val="000000"/>
+                      </a:solidFill>
+                      <a:prstDash val="solid"/>
+                      <a:round/>
+                      <a:headEnd type="none" w="med" len="med"/>
+                      <a:tailEnd type="none" w="med" len="med"/>
+                    </a:lnL>
+                    <a:lnR w="9525" cap="flat" cmpd="sng" algn="ctr">
+                      <a:solidFill>
+                        <a:srgbClr val="000000"/>
+                      </a:solidFill>
+                      <a:prstDash val="solid"/>
+                      <a:round/>
+                      <a:headEnd type="none" w="med" len="med"/>
+                      <a:tailEnd type="none" w="med" len="med"/>
+                    </a:lnR>
+                    <a:lnT w="9525" cap="flat" cmpd="sng" algn="ctr">
+                      <a:solidFill>
+                        <a:srgbClr val="000000"/>
+                      </a:solidFill>
+                      <a:prstDash val="solid"/>
+                      <a:round/>
+                      <a:headEnd type="none" w="med" len="med"/>
+                      <a:tailEnd type="none" w="med" len="med"/>
+                    </a:lnT>
+                    <a:lnB w="9525" cap="flat" cmpd="sng" algn="ctr">
+                      <a:solidFill>
+                        <a:srgbClr val="000000"/>
+                      </a:solidFill>
+                      <a:prstDash val="solid"/>
+                      <a:round/>
+                      <a:headEnd type="none" w="med" len="med"/>
+                      <a:tailEnd type="none" w="med" len="med"/>
+                    </a:lnB>
+                  </a:tcPr>
+                </a:tc>
+                <a:tc>
+                  <a:txBody>
+                    <a:bodyPr/>
+                    <a:lstStyle/>
+                    <a:p>
+                      <a:r>
+                        <a:rPr lang="en-US" altLang="ja-JP" sz="1100">
+                          <a:solidFill>
+                            <a:srgbClr val="000000"/>
+                          </a:solidFill>
+                          <a:effectLst/>
+                          <a:latin typeface="Hiragino Kaku Gothic ProN" panose="020B0300000000000000" pitchFamily="34" charset="-128"/>
+                          <a:ea typeface="Hiragino Kaku Gothic ProN" panose="020B0300000000000000" pitchFamily="34" charset="-128"/>
+                        </a:rPr>
+                        <a:t>1.00485383546759</a:t>
+                      </a:r>
+                      <a:endParaRPr lang="ja-JP" altLang="en-US" sz="1100">
+                        <a:effectLst/>
+                      </a:endParaRPr>
+                    </a:p>
+                  </a:txBody>
+                  <a:tcPr marL="23047" marR="23047" marT="23047" marB="23047">
+                    <a:lnL w="9525" cap="flat" cmpd="sng" algn="ctr">
+                      <a:solidFill>
+                        <a:srgbClr val="000000"/>
+                      </a:solidFill>
+                      <a:prstDash val="solid"/>
+                      <a:round/>
+                      <a:headEnd type="none" w="med" len="med"/>
+                      <a:tailEnd type="none" w="med" len="med"/>
+                    </a:lnL>
+                    <a:lnR w="9525" cap="flat" cmpd="sng" algn="ctr">
+                      <a:solidFill>
+                        <a:srgbClr val="000000"/>
+                      </a:solidFill>
+                      <a:prstDash val="solid"/>
+                      <a:round/>
+                      <a:headEnd type="none" w="med" len="med"/>
+                      <a:tailEnd type="none" w="med" len="med"/>
+                    </a:lnR>
+                    <a:lnT w="9525" cap="flat" cmpd="sng" algn="ctr">
+                      <a:solidFill>
+                        <a:srgbClr val="000000"/>
+                      </a:solidFill>
+                      <a:prstDash val="solid"/>
+                      <a:round/>
+                      <a:headEnd type="none" w="med" len="med"/>
+                      <a:tailEnd type="none" w="med" len="med"/>
+                    </a:lnT>
+                    <a:lnB w="9525" cap="flat" cmpd="sng" algn="ctr">
+                      <a:solidFill>
+                        <a:srgbClr val="000000"/>
+                      </a:solidFill>
+                      <a:prstDash val="solid"/>
+                      <a:round/>
+                      <a:headEnd type="none" w="med" len="med"/>
+                      <a:tailEnd type="none" w="med" len="med"/>
+                    </a:lnB>
+                  </a:tcPr>
+                </a:tc>
+                <a:extLst>
+                  <a:ext uri="{0D108BD9-81ED-4DB2-BD59-A6C34878D82A}">
+                    <a16:rowId xmlns:a16="http://schemas.microsoft.com/office/drawing/2014/main" val="1285347347"/>
+                  </a:ext>
+                </a:extLst>
+              </a:tr>
+              <a:tr h="568487">
+                <a:tc>
+                  <a:txBody>
+                    <a:bodyPr/>
+                    <a:lstStyle/>
+                    <a:p>
+                      <a:r>
+                        <a:rPr lang="en-US" altLang="ja-JP" sz="1100" b="1">
+                          <a:solidFill>
+                            <a:srgbClr val="000000"/>
+                          </a:solidFill>
+                          <a:effectLst/>
+                          <a:latin typeface="Hiragino Kaku Gothic ProN" panose="020B0300000000000000" pitchFamily="34" charset="-128"/>
+                          <a:ea typeface="Hiragino Kaku Gothic ProN" panose="020B0300000000000000" pitchFamily="34" charset="-128"/>
+                        </a:rPr>
+                        <a:t>5</a:t>
+                      </a:r>
+                      <a:endParaRPr lang="ja-JP" altLang="en-US" sz="1100">
+                        <a:effectLst/>
+                      </a:endParaRPr>
+                    </a:p>
+                  </a:txBody>
+                  <a:tcPr marL="23047" marR="23047" marT="23047" marB="23047">
+                    <a:lnL w="9525" cap="flat" cmpd="sng" algn="ctr">
+                      <a:solidFill>
+                        <a:srgbClr val="000000"/>
+                      </a:solidFill>
+                      <a:prstDash val="solid"/>
+                      <a:round/>
+                      <a:headEnd type="none" w="med" len="med"/>
+                      <a:tailEnd type="none" w="med" len="med"/>
+                    </a:lnL>
+                    <a:lnR w="9525" cap="flat" cmpd="sng" algn="ctr">
+                      <a:solidFill>
+                        <a:srgbClr val="000000"/>
+                      </a:solidFill>
+                      <a:prstDash val="solid"/>
+                      <a:round/>
+                      <a:headEnd type="none" w="med" len="med"/>
+                      <a:tailEnd type="none" w="med" len="med"/>
+                    </a:lnR>
+                    <a:lnT w="9525" cap="flat" cmpd="sng" algn="ctr">
+                      <a:solidFill>
+                        <a:srgbClr val="000000"/>
+                      </a:solidFill>
+                      <a:prstDash val="solid"/>
+                      <a:round/>
+                      <a:headEnd type="none" w="med" len="med"/>
+                      <a:tailEnd type="none" w="med" len="med"/>
+                    </a:lnT>
+                    <a:lnB w="9525" cap="flat" cmpd="sng" algn="ctr">
+                      <a:solidFill>
+                        <a:srgbClr val="000000"/>
+                      </a:solidFill>
+                      <a:prstDash val="solid"/>
+                      <a:round/>
+                      <a:headEnd type="none" w="med" len="med"/>
+                      <a:tailEnd type="none" w="med" len="med"/>
+                    </a:lnB>
+                    <a:solidFill>
+                      <a:srgbClr val="D4D4D4"/>
+                    </a:solidFill>
+                  </a:tcPr>
+                </a:tc>
+                <a:tc>
+                  <a:txBody>
+                    <a:bodyPr/>
+                    <a:lstStyle/>
+                    <a:p>
+                      <a:r>
+                        <a:rPr lang="en" sz="1100">
+                          <a:solidFill>
+                            <a:srgbClr val="000000"/>
+                          </a:solidFill>
+                          <a:effectLst/>
+                          <a:latin typeface="Hiragino Kaku Gothic ProN" panose="020B0300000000000000" pitchFamily="34" charset="-128"/>
+                          <a:ea typeface="Hiragino Kaku Gothic ProN" panose="020B0300000000000000" pitchFamily="34" charset="-128"/>
+                        </a:rPr>
+                        <a:t>RhatMean</a:t>
+                      </a:r>
+                      <a:endParaRPr lang="en" sz="1100">
+                        <a:effectLst/>
+                      </a:endParaRPr>
+                    </a:p>
+                  </a:txBody>
+                  <a:tcPr marL="23047" marR="23047" marT="23047" marB="23047">
+                    <a:lnL w="9525" cap="flat" cmpd="sng" algn="ctr">
+                      <a:solidFill>
+                        <a:srgbClr val="000000"/>
+                      </a:solidFill>
+                      <a:prstDash val="solid"/>
+                      <a:round/>
+                      <a:headEnd type="none" w="med" len="med"/>
+                      <a:tailEnd type="none" w="med" len="med"/>
+                    </a:lnL>
+                    <a:lnR w="9525" cap="flat" cmpd="sng" algn="ctr">
+                      <a:solidFill>
+                        <a:srgbClr val="000000"/>
+                      </a:solidFill>
+                      <a:prstDash val="solid"/>
+                      <a:round/>
+                      <a:headEnd type="none" w="med" len="med"/>
+                      <a:tailEnd type="none" w="med" len="med"/>
+                    </a:lnR>
+                    <a:lnT w="9525" cap="flat" cmpd="sng" algn="ctr">
+                      <a:solidFill>
+                        <a:srgbClr val="000000"/>
+                      </a:solidFill>
+                      <a:prstDash val="solid"/>
+                      <a:round/>
+                      <a:headEnd type="none" w="med" len="med"/>
+                      <a:tailEnd type="none" w="med" len="med"/>
+                    </a:lnT>
+                    <a:lnB w="9525" cap="flat" cmpd="sng" algn="ctr">
+                      <a:solidFill>
+                        <a:srgbClr val="000000"/>
+                      </a:solidFill>
+                      <a:prstDash val="solid"/>
+                      <a:round/>
+                      <a:headEnd type="none" w="med" len="med"/>
+                      <a:tailEnd type="none" w="med" len="med"/>
+                    </a:lnB>
+                  </a:tcPr>
+                </a:tc>
+                <a:tc>
+                  <a:txBody>
+                    <a:bodyPr/>
+                    <a:lstStyle/>
+                    <a:p>
+                      <a:r>
+                        <a:rPr lang="en-US" altLang="ja-JP" sz="1100">
+                          <a:solidFill>
+                            <a:srgbClr val="000000"/>
+                          </a:solidFill>
+                          <a:effectLst/>
+                          <a:latin typeface="Hiragino Kaku Gothic ProN" panose="020B0300000000000000" pitchFamily="34" charset="-128"/>
+                          <a:ea typeface="Hiragino Kaku Gothic ProN" panose="020B0300000000000000" pitchFamily="34" charset="-128"/>
+                        </a:rPr>
+                        <a:t>0.999120405164026</a:t>
+                      </a:r>
+                      <a:endParaRPr lang="ja-JP" altLang="en-US" sz="1100">
+                        <a:effectLst/>
+                      </a:endParaRPr>
+                    </a:p>
+                  </a:txBody>
+                  <a:tcPr marL="23047" marR="23047" marT="23047" marB="23047">
+                    <a:lnL w="9525" cap="flat" cmpd="sng" algn="ctr">
+                      <a:solidFill>
+                        <a:srgbClr val="000000"/>
+                      </a:solidFill>
+                      <a:prstDash val="solid"/>
+                      <a:round/>
+                      <a:headEnd type="none" w="med" len="med"/>
+                      <a:tailEnd type="none" w="med" len="med"/>
+                    </a:lnL>
+                    <a:lnR w="9525" cap="flat" cmpd="sng" algn="ctr">
+                      <a:solidFill>
+                        <a:srgbClr val="000000"/>
+                      </a:solidFill>
+                      <a:prstDash val="solid"/>
+                      <a:round/>
+                      <a:headEnd type="none" w="med" len="med"/>
+                      <a:tailEnd type="none" w="med" len="med"/>
+                    </a:lnR>
+                    <a:lnT w="9525" cap="flat" cmpd="sng" algn="ctr">
+                      <a:solidFill>
+                        <a:srgbClr val="000000"/>
+                      </a:solidFill>
+                      <a:prstDash val="solid"/>
+                      <a:round/>
+                      <a:headEnd type="none" w="med" len="med"/>
+                      <a:tailEnd type="none" w="med" len="med"/>
+                    </a:lnT>
+                    <a:lnB w="9525" cap="flat" cmpd="sng" algn="ctr">
+                      <a:solidFill>
+                        <a:srgbClr val="000000"/>
+                      </a:solidFill>
+                      <a:prstDash val="solid"/>
+                      <a:round/>
+                      <a:headEnd type="none" w="med" len="med"/>
+                      <a:tailEnd type="none" w="med" len="med"/>
+                    </a:lnB>
+                  </a:tcPr>
+                </a:tc>
+                <a:extLst>
+                  <a:ext uri="{0D108BD9-81ED-4DB2-BD59-A6C34878D82A}">
+                    <a16:rowId xmlns:a16="http://schemas.microsoft.com/office/drawing/2014/main" val="206559099"/>
+                  </a:ext>
+                </a:extLst>
+              </a:tr>
+              <a:tr h="435506">
+                <a:tc>
+                  <a:txBody>
+                    <a:bodyPr/>
+                    <a:lstStyle/>
+                    <a:p>
+                      <a:r>
+                        <a:rPr lang="en-US" altLang="ja-JP" sz="1100" b="1">
+                          <a:solidFill>
+                            <a:srgbClr val="000000"/>
+                          </a:solidFill>
+                          <a:effectLst/>
+                          <a:latin typeface="Hiragino Kaku Gothic ProN" panose="020B0300000000000000" pitchFamily="34" charset="-128"/>
+                          <a:ea typeface="Hiragino Kaku Gothic ProN" panose="020B0300000000000000" pitchFamily="34" charset="-128"/>
+                        </a:rPr>
+                        <a:t>6</a:t>
+                      </a:r>
+                      <a:endParaRPr lang="ja-JP" altLang="en-US" sz="1100">
+                        <a:effectLst/>
+                      </a:endParaRPr>
+                    </a:p>
+                  </a:txBody>
+                  <a:tcPr marL="23047" marR="23047" marT="23047" marB="23047">
+                    <a:lnL w="9525" cap="flat" cmpd="sng" algn="ctr">
+                      <a:solidFill>
+                        <a:srgbClr val="000000"/>
+                      </a:solidFill>
+                      <a:prstDash val="solid"/>
+                      <a:round/>
+                      <a:headEnd type="none" w="med" len="med"/>
+                      <a:tailEnd type="none" w="med" len="med"/>
+                    </a:lnL>
+                    <a:lnR w="9525" cap="flat" cmpd="sng" algn="ctr">
+                      <a:solidFill>
+                        <a:srgbClr val="000000"/>
+                      </a:solidFill>
+                      <a:prstDash val="solid"/>
+                      <a:round/>
+                      <a:headEnd type="none" w="med" len="med"/>
+                      <a:tailEnd type="none" w="med" len="med"/>
+                    </a:lnR>
+                    <a:lnT w="9525" cap="flat" cmpd="sng" algn="ctr">
+                      <a:solidFill>
+                        <a:srgbClr val="000000"/>
+                      </a:solidFill>
+                      <a:prstDash val="solid"/>
+                      <a:round/>
+                      <a:headEnd type="none" w="med" len="med"/>
+                      <a:tailEnd type="none" w="med" len="med"/>
+                    </a:lnT>
+                    <a:lnB w="9525" cap="flat" cmpd="sng" algn="ctr">
+                      <a:solidFill>
+                        <a:srgbClr val="000000"/>
+                      </a:solidFill>
+                      <a:prstDash val="solid"/>
+                      <a:round/>
+                      <a:headEnd type="none" w="med" len="med"/>
+                      <a:tailEnd type="none" w="med" len="med"/>
+                    </a:lnB>
+                    <a:solidFill>
+                      <a:srgbClr val="D4D4D4"/>
+                    </a:solidFill>
+                  </a:tcPr>
+                </a:tc>
+                <a:tc>
+                  <a:txBody>
+                    <a:bodyPr/>
+                    <a:lstStyle/>
+                    <a:p>
+                      <a:r>
+                        <a:rPr lang="en" sz="1100">
+                          <a:solidFill>
+                            <a:srgbClr val="000000"/>
+                          </a:solidFill>
+                          <a:effectLst/>
+                          <a:latin typeface="Hiragino Kaku Gothic ProN" panose="020B0300000000000000" pitchFamily="34" charset="-128"/>
+                          <a:ea typeface="Hiragino Kaku Gothic ProN" panose="020B0300000000000000" pitchFamily="34" charset="-128"/>
+                        </a:rPr>
+                        <a:t>SE Mean</a:t>
+                      </a:r>
+                      <a:endParaRPr lang="en" sz="1100">
+                        <a:effectLst/>
+                      </a:endParaRPr>
+                    </a:p>
+                  </a:txBody>
+                  <a:tcPr marL="23047" marR="23047" marT="23047" marB="23047">
+                    <a:lnL w="9525" cap="flat" cmpd="sng" algn="ctr">
+                      <a:solidFill>
+                        <a:srgbClr val="000000"/>
+                      </a:solidFill>
+                      <a:prstDash val="solid"/>
+                      <a:round/>
+                      <a:headEnd type="none" w="med" len="med"/>
+                      <a:tailEnd type="none" w="med" len="med"/>
+                    </a:lnL>
+                    <a:lnR w="9525" cap="flat" cmpd="sng" algn="ctr">
+                      <a:solidFill>
+                        <a:srgbClr val="000000"/>
+                      </a:solidFill>
+                      <a:prstDash val="solid"/>
+                      <a:round/>
+                      <a:headEnd type="none" w="med" len="med"/>
+                      <a:tailEnd type="none" w="med" len="med"/>
+                    </a:lnR>
+                    <a:lnT w="9525" cap="flat" cmpd="sng" algn="ctr">
+                      <a:solidFill>
+                        <a:srgbClr val="000000"/>
+                      </a:solidFill>
+                      <a:prstDash val="solid"/>
+                      <a:round/>
+                      <a:headEnd type="none" w="med" len="med"/>
+                      <a:tailEnd type="none" w="med" len="med"/>
+                    </a:lnT>
+                    <a:lnB w="9525" cap="flat" cmpd="sng" algn="ctr">
+                      <a:solidFill>
+                        <a:srgbClr val="000000"/>
+                      </a:solidFill>
+                      <a:prstDash val="solid"/>
+                      <a:round/>
+                      <a:headEnd type="none" w="med" len="med"/>
+                      <a:tailEnd type="none" w="med" len="med"/>
+                    </a:lnB>
+                  </a:tcPr>
+                </a:tc>
+                <a:tc>
+                  <a:txBody>
+                    <a:bodyPr/>
+                    <a:lstStyle/>
+                    <a:p>
+                      <a:r>
+                        <a:rPr lang="en-US" altLang="ja-JP" sz="1100">
+                          <a:solidFill>
+                            <a:srgbClr val="000000"/>
+                          </a:solidFill>
+                          <a:effectLst/>
+                          <a:latin typeface="Hiragino Kaku Gothic ProN" panose="020B0300000000000000" pitchFamily="34" charset="-128"/>
+                          <a:ea typeface="Hiragino Kaku Gothic ProN" panose="020B0300000000000000" pitchFamily="34" charset="-128"/>
+                        </a:rPr>
+                        <a:t>0.188535937984213</a:t>
+                      </a:r>
+                      <a:endParaRPr lang="ja-JP" altLang="en-US" sz="1100">
+                        <a:effectLst/>
+                      </a:endParaRPr>
+                    </a:p>
+                  </a:txBody>
+                  <a:tcPr marL="23047" marR="23047" marT="23047" marB="23047">
+                    <a:lnL w="9525" cap="flat" cmpd="sng" algn="ctr">
+                      <a:solidFill>
+                        <a:srgbClr val="000000"/>
+                      </a:solidFill>
+                      <a:prstDash val="solid"/>
+                      <a:round/>
+                      <a:headEnd type="none" w="med" len="med"/>
+                      <a:tailEnd type="none" w="med" len="med"/>
+                    </a:lnL>
+                    <a:lnR w="9525" cap="flat" cmpd="sng" algn="ctr">
+                      <a:solidFill>
+                        <a:srgbClr val="000000"/>
+                      </a:solidFill>
+                      <a:prstDash val="solid"/>
+                      <a:round/>
+                      <a:headEnd type="none" w="med" len="med"/>
+                      <a:tailEnd type="none" w="med" len="med"/>
+                    </a:lnR>
+                    <a:lnT w="9525" cap="flat" cmpd="sng" algn="ctr">
+                      <a:solidFill>
+                        <a:srgbClr val="000000"/>
+                      </a:solidFill>
+                      <a:prstDash val="solid"/>
+                      <a:round/>
+                      <a:headEnd type="none" w="med" len="med"/>
+                      <a:tailEnd type="none" w="med" len="med"/>
+                    </a:lnT>
+                    <a:lnB w="9525" cap="flat" cmpd="sng" algn="ctr">
+                      <a:solidFill>
+                        <a:srgbClr val="000000"/>
+                      </a:solidFill>
+                      <a:prstDash val="solid"/>
+                      <a:round/>
+                      <a:headEnd type="none" w="med" len="med"/>
+                      <a:tailEnd type="none" w="med" len="med"/>
+                    </a:lnB>
+                  </a:tcPr>
+                </a:tc>
+                <a:extLst>
+                  <a:ext uri="{0D108BD9-81ED-4DB2-BD59-A6C34878D82A}">
+                    <a16:rowId xmlns:a16="http://schemas.microsoft.com/office/drawing/2014/main" val="199209228"/>
+                  </a:ext>
+                </a:extLst>
+              </a:tr>
+              <a:tr h="435506">
+                <a:tc>
+                  <a:txBody>
+                    <a:bodyPr/>
+                    <a:lstStyle/>
+                    <a:p>
+                      <a:r>
+                        <a:rPr lang="en-US" altLang="ja-JP" sz="1100" b="1">
+                          <a:solidFill>
+                            <a:srgbClr val="000000"/>
+                          </a:solidFill>
+                          <a:effectLst/>
+                          <a:latin typeface="Hiragino Kaku Gothic ProN" panose="020B0300000000000000" pitchFamily="34" charset="-128"/>
+                          <a:ea typeface="Hiragino Kaku Gothic ProN" panose="020B0300000000000000" pitchFamily="34" charset="-128"/>
+                        </a:rPr>
+                        <a:t>7</a:t>
+                      </a:r>
+                      <a:endParaRPr lang="ja-JP" altLang="en-US" sz="1100">
+                        <a:effectLst/>
+                      </a:endParaRPr>
+                    </a:p>
+                  </a:txBody>
+                  <a:tcPr marL="23047" marR="23047" marT="23047" marB="23047">
+                    <a:lnL w="9525" cap="flat" cmpd="sng" algn="ctr">
+                      <a:solidFill>
+                        <a:srgbClr val="000000"/>
+                      </a:solidFill>
+                      <a:prstDash val="solid"/>
+                      <a:round/>
+                      <a:headEnd type="none" w="med" len="med"/>
+                      <a:tailEnd type="none" w="med" len="med"/>
+                    </a:lnL>
+                    <a:lnR w="9525" cap="flat" cmpd="sng" algn="ctr">
+                      <a:solidFill>
+                        <a:srgbClr val="000000"/>
+                      </a:solidFill>
+                      <a:prstDash val="solid"/>
+                      <a:round/>
+                      <a:headEnd type="none" w="med" len="med"/>
+                      <a:tailEnd type="none" w="med" len="med"/>
+                    </a:lnR>
+                    <a:lnT w="9525" cap="flat" cmpd="sng" algn="ctr">
+                      <a:solidFill>
+                        <a:srgbClr val="000000"/>
+                      </a:solidFill>
+                      <a:prstDash val="solid"/>
+                      <a:round/>
+                      <a:headEnd type="none" w="med" len="med"/>
+                      <a:tailEnd type="none" w="med" len="med"/>
+                    </a:lnT>
+                    <a:lnB w="9525" cap="flat" cmpd="sng" algn="ctr">
+                      <a:solidFill>
+                        <a:srgbClr val="000000"/>
+                      </a:solidFill>
+                      <a:prstDash val="solid"/>
+                      <a:round/>
+                      <a:headEnd type="none" w="med" len="med"/>
+                      <a:tailEnd type="none" w="med" len="med"/>
+                    </a:lnB>
+                    <a:solidFill>
+                      <a:srgbClr val="D4D4D4"/>
+                    </a:solidFill>
+                  </a:tcPr>
+                </a:tc>
+                <a:tc>
+                  <a:txBody>
+                    <a:bodyPr/>
+                    <a:lstStyle/>
+                    <a:p>
+                      <a:r>
+                        <a:rPr lang="en" sz="1100">
+                          <a:solidFill>
+                            <a:srgbClr val="000000"/>
+                          </a:solidFill>
+                          <a:effectLst/>
+                          <a:latin typeface="Hiragino Kaku Gothic ProN" panose="020B0300000000000000" pitchFamily="34" charset="-128"/>
+                          <a:ea typeface="Hiragino Kaku Gothic ProN" panose="020B0300000000000000" pitchFamily="34" charset="-128"/>
+                        </a:rPr>
+                        <a:t>SE SD</a:t>
+                      </a:r>
+                      <a:endParaRPr lang="en" sz="1100">
+                        <a:effectLst/>
+                      </a:endParaRPr>
+                    </a:p>
+                  </a:txBody>
+                  <a:tcPr marL="23047" marR="23047" marT="23047" marB="23047">
+                    <a:lnL w="9525" cap="flat" cmpd="sng" algn="ctr">
+                      <a:solidFill>
+                        <a:srgbClr val="000000"/>
+                      </a:solidFill>
+                      <a:prstDash val="solid"/>
+                      <a:round/>
+                      <a:headEnd type="none" w="med" len="med"/>
+                      <a:tailEnd type="none" w="med" len="med"/>
+                    </a:lnL>
+                    <a:lnR w="9525" cap="flat" cmpd="sng" algn="ctr">
+                      <a:solidFill>
+                        <a:srgbClr val="000000"/>
+                      </a:solidFill>
+                      <a:prstDash val="solid"/>
+                      <a:round/>
+                      <a:headEnd type="none" w="med" len="med"/>
+                      <a:tailEnd type="none" w="med" len="med"/>
+                    </a:lnR>
+                    <a:lnT w="9525" cap="flat" cmpd="sng" algn="ctr">
+                      <a:solidFill>
+                        <a:srgbClr val="000000"/>
+                      </a:solidFill>
+                      <a:prstDash val="solid"/>
+                      <a:round/>
+                      <a:headEnd type="none" w="med" len="med"/>
+                      <a:tailEnd type="none" w="med" len="med"/>
+                    </a:lnT>
+                    <a:lnB w="9525" cap="flat" cmpd="sng" algn="ctr">
+                      <a:solidFill>
+                        <a:srgbClr val="000000"/>
+                      </a:solidFill>
+                      <a:prstDash val="solid"/>
+                      <a:round/>
+                      <a:headEnd type="none" w="med" len="med"/>
+                      <a:tailEnd type="none" w="med" len="med"/>
+                    </a:lnB>
+                  </a:tcPr>
+                </a:tc>
+                <a:tc>
+                  <a:txBody>
+                    <a:bodyPr/>
+                    <a:lstStyle/>
+                    <a:p>
+                      <a:r>
+                        <a:rPr lang="en-US" altLang="ja-JP" sz="1100" dirty="0">
+                          <a:solidFill>
+                            <a:srgbClr val="000000"/>
+                          </a:solidFill>
+                          <a:effectLst/>
+                          <a:latin typeface="Hiragino Kaku Gothic ProN" panose="020B0300000000000000" pitchFamily="34" charset="-128"/>
+                          <a:ea typeface="Hiragino Kaku Gothic ProN" panose="020B0300000000000000" pitchFamily="34" charset="-128"/>
+                        </a:rPr>
+                        <a:t>0.00921671740569098</a:t>
+                      </a:r>
+                      <a:endParaRPr lang="ja-JP" altLang="en-US" sz="1100">
+                        <a:effectLst/>
+                      </a:endParaRPr>
+                    </a:p>
+                  </a:txBody>
+                  <a:tcPr marL="23047" marR="23047" marT="23047" marB="23047">
+                    <a:lnL w="9525" cap="flat" cmpd="sng" algn="ctr">
+                      <a:solidFill>
+                        <a:srgbClr val="000000"/>
+                      </a:solidFill>
+                      <a:prstDash val="solid"/>
+                      <a:round/>
+                      <a:headEnd type="none" w="med" len="med"/>
+                      <a:tailEnd type="none" w="med" len="med"/>
+                    </a:lnL>
+                    <a:lnR w="9525" cap="flat" cmpd="sng" algn="ctr">
+                      <a:solidFill>
+                        <a:srgbClr val="000000"/>
+                      </a:solidFill>
+                      <a:prstDash val="solid"/>
+                      <a:round/>
+                      <a:headEnd type="none" w="med" len="med"/>
+                      <a:tailEnd type="none" w="med" len="med"/>
+                    </a:lnR>
+                    <a:lnT w="9525" cap="flat" cmpd="sng" algn="ctr">
+                      <a:solidFill>
+                        <a:srgbClr val="000000"/>
+                      </a:solidFill>
+                      <a:prstDash val="solid"/>
+                      <a:round/>
+                      <a:headEnd type="none" w="med" len="med"/>
+                      <a:tailEnd type="none" w="med" len="med"/>
+                    </a:lnT>
+                    <a:lnB w="9525" cap="flat" cmpd="sng" algn="ctr">
+                      <a:solidFill>
+                        <a:srgbClr val="000000"/>
+                      </a:solidFill>
+                      <a:prstDash val="solid"/>
+                      <a:round/>
+                      <a:headEnd type="none" w="med" len="med"/>
+                      <a:tailEnd type="none" w="med" len="med"/>
+                    </a:lnB>
+                  </a:tcPr>
+                </a:tc>
+                <a:extLst>
+                  <a:ext uri="{0D108BD9-81ED-4DB2-BD59-A6C34878D82A}">
+                    <a16:rowId xmlns:a16="http://schemas.microsoft.com/office/drawing/2014/main" val="1837612607"/>
                   </a:ext>
                 </a:extLst>
               </a:tr>

--- a/ゼミ0713.pptx
+++ b/ゼミ0713.pptx
@@ -8,6 +8,7 @@
     <p:sldId id="256" r:id="rId2"/>
     <p:sldId id="257" r:id="rId3"/>
     <p:sldId id="258" r:id="rId4"/>
+    <p:sldId id="259" r:id="rId5"/>
   </p:sldIdLst>
   <p:sldSz cx="12192000" cy="6858000"/>
   <p:notesSz cx="6858000" cy="9144000"/>
@@ -3796,68 +3797,26 @@
           </a:p>
           <a:p>
             <a:r>
-              <a:rPr lang="ja-JP" altLang="en-US">
-                <a:solidFill>
-                  <a:schemeClr val="tx1">
-                    <a:lumMod val="50000"/>
-                    <a:lumOff val="50000"/>
-                  </a:schemeClr>
-                </a:solidFill>
-              </a:rPr>
+              <a:rPr lang="ja-JP" altLang="en-US"/>
               <a:t>家に帰ってきてノート</a:t>
             </a:r>
             <a:r>
-              <a:rPr lang="en-US" altLang="ja-JP" dirty="0">
-                <a:solidFill>
-                  <a:schemeClr val="tx1">
-                    <a:lumMod val="50000"/>
-                    <a:lumOff val="50000"/>
-                  </a:schemeClr>
-                </a:solidFill>
-              </a:rPr>
+              <a:rPr lang="en-US" altLang="ja-JP" dirty="0"/>
               <a:t>PC</a:t>
             </a:r>
             <a:r>
-              <a:rPr lang="ja-JP" altLang="en-US">
-                <a:solidFill>
-                  <a:schemeClr val="tx1">
-                    <a:lumMod val="50000"/>
-                    <a:lumOff val="50000"/>
-                  </a:schemeClr>
-                </a:solidFill>
-              </a:rPr>
+              <a:rPr lang="ja-JP" altLang="en-US"/>
               <a:t>でやっていたらなぜか環境構築系のエラーが</a:t>
             </a:r>
             <a:r>
-              <a:rPr lang="en-US" altLang="ja-JP" dirty="0">
-                <a:solidFill>
-                  <a:schemeClr val="tx1">
-                    <a:lumMod val="50000"/>
-                    <a:lumOff val="50000"/>
-                  </a:schemeClr>
-                </a:solidFill>
-              </a:rPr>
+              <a:rPr lang="en-US" altLang="ja-JP" dirty="0"/>
               <a:t>…</a:t>
             </a:r>
             <a:r>
-              <a:rPr lang="ja-JP" altLang="en-US">
-                <a:solidFill>
-                  <a:schemeClr val="tx1">
-                    <a:lumMod val="50000"/>
-                    <a:lumOff val="50000"/>
-                  </a:schemeClr>
-                </a:solidFill>
-              </a:rPr>
+              <a:rPr lang="ja-JP" altLang="en-US"/>
               <a:t>→多分解決</a:t>
             </a:r>
-            <a:endParaRPr lang="en-US" altLang="ja-JP" dirty="0">
-              <a:solidFill>
-                <a:schemeClr val="tx1">
-                  <a:lumMod val="50000"/>
-                  <a:lumOff val="50000"/>
-                </a:schemeClr>
-              </a:solidFill>
-            </a:endParaRPr>
+            <a:endParaRPr lang="en-US" altLang="ja-JP" dirty="0"/>
           </a:p>
           <a:p>
             <a:endParaRPr lang="en-US" altLang="ja-JP" dirty="0"/>
@@ -8952,6 +8911,159 @@
     <p:extLst>
       <p:ext uri="{BB962C8B-B14F-4D97-AF65-F5344CB8AC3E}">
         <p14:creationId xmlns:p14="http://schemas.microsoft.com/office/powerpoint/2010/main" val="543295172"/>
+      </p:ext>
+    </p:extLst>
+  </p:cSld>
+  <p:clrMapOvr>
+    <a:masterClrMapping/>
+  </p:clrMapOvr>
+</p:sld>
+</file>
+
+<file path=ppt/slides/slide4.xml><?xml version="1.0" encoding="utf-8"?>
+<p:sld xmlns:a="http://schemas.openxmlformats.org/drawingml/2006/main" xmlns:r="http://schemas.openxmlformats.org/officeDocument/2006/relationships" xmlns:p="http://schemas.openxmlformats.org/presentationml/2006/main">
+  <p:cSld>
+    <p:spTree>
+      <p:nvGrpSpPr>
+        <p:cNvPr id="1" name=""/>
+        <p:cNvGrpSpPr/>
+        <p:nvPr/>
+      </p:nvGrpSpPr>
+      <p:grpSpPr>
+        <a:xfrm>
+          <a:off x="0" y="0"/>
+          <a:ext cx="0" cy="0"/>
+          <a:chOff x="0" y="0"/>
+          <a:chExt cx="0" cy="0"/>
+        </a:xfrm>
+      </p:grpSpPr>
+      <p:sp>
+        <p:nvSpPr>
+          <p:cNvPr id="2" name="タイトル 1">
+            <a:extLst>
+              <a:ext uri="{FF2B5EF4-FFF2-40B4-BE49-F238E27FC236}">
+                <a16:creationId xmlns:a16="http://schemas.microsoft.com/office/drawing/2014/main" id="{119ED3C5-BDA0-CB4D-9338-F16A1DD11C60}"/>
+              </a:ext>
+            </a:extLst>
+          </p:cNvPr>
+          <p:cNvSpPr>
+            <a:spLocks noGrp="1"/>
+          </p:cNvSpPr>
+          <p:nvPr>
+            <p:ph type="title"/>
+          </p:nvPr>
+        </p:nvSpPr>
+        <p:spPr/>
+        <p:txBody>
+          <a:bodyPr/>
+          <a:lstStyle/>
+          <a:p>
+            <a:r>
+              <a:rPr kumimoji="1" lang="ja-JP" altLang="en-US"/>
+              <a:t>来週やること</a:t>
+            </a:r>
+          </a:p>
+        </p:txBody>
+      </p:sp>
+      <p:sp>
+        <p:nvSpPr>
+          <p:cNvPr id="5" name="コンテンツ プレースホルダー 4">
+            <a:extLst>
+              <a:ext uri="{FF2B5EF4-FFF2-40B4-BE49-F238E27FC236}">
+                <a16:creationId xmlns:a16="http://schemas.microsoft.com/office/drawing/2014/main" id="{4315AC1D-AFB9-5D4A-BB3F-425CBE9EFFCD}"/>
+              </a:ext>
+            </a:extLst>
+          </p:cNvPr>
+          <p:cNvSpPr>
+            <a:spLocks noGrp="1"/>
+          </p:cNvSpPr>
+          <p:nvPr>
+            <p:ph idx="1"/>
+          </p:nvPr>
+        </p:nvSpPr>
+        <p:spPr/>
+        <p:txBody>
+          <a:bodyPr/>
+          <a:lstStyle/>
+          <a:p>
+            <a:r>
+              <a:rPr lang="en-US" altLang="ja-JP" dirty="0" err="1"/>
+              <a:t>Parameter_recevery</a:t>
+            </a:r>
+            <a:r>
+              <a:rPr lang="ja-JP" altLang="en-US"/>
+              <a:t>を作る→シミュレーション実験</a:t>
+            </a:r>
+            <a:endParaRPr lang="en-US" altLang="ja-JP" dirty="0"/>
+          </a:p>
+          <a:p>
+            <a:r>
+              <a:rPr lang="en-US" altLang="ja-JP" dirty="0" err="1"/>
+              <a:t>Alpha_rt</a:t>
+            </a:r>
+            <a:r>
+              <a:rPr lang="ja-JP" altLang="en-US"/>
+              <a:t>をプロットしてグラフを作る</a:t>
+            </a:r>
+            <a:r>
+              <a:rPr lang="en-US" altLang="ja-JP" dirty="0"/>
+              <a:t>(R</a:t>
+            </a:r>
+            <a:r>
+              <a:rPr lang="ja-JP" altLang="en-US"/>
+              <a:t>ごとに</a:t>
+            </a:r>
+            <a:r>
+              <a:rPr lang="en-US" altLang="ja-JP" dirty="0"/>
+              <a:t>)</a:t>
+            </a:r>
+          </a:p>
+          <a:p>
+            <a:r>
+              <a:rPr lang="en-US" altLang="ja-JP" dirty="0" err="1"/>
+              <a:t>Beta_rk</a:t>
+            </a:r>
+            <a:r>
+              <a:rPr lang="ja-JP" altLang="en-US"/>
+              <a:t>を</a:t>
+            </a:r>
+            <a:r>
+              <a:rPr lang="en-US" altLang="ja-JP" dirty="0"/>
+              <a:t>R</a:t>
+            </a:r>
+            <a:r>
+              <a:rPr lang="ja-JP" altLang="en-US"/>
+              <a:t>に依存するように</a:t>
+            </a:r>
+            <a:r>
+              <a:rPr lang="en-US" altLang="ja-JP" dirty="0"/>
+              <a:t>(</a:t>
+            </a:r>
+            <a:r>
+              <a:rPr lang="ja-JP" altLang="en-US"/>
+              <a:t>提案モデル</a:t>
+            </a:r>
+            <a:r>
+              <a:rPr lang="en-US" altLang="ja-JP" dirty="0"/>
+              <a:t>)</a:t>
+            </a:r>
+          </a:p>
+          <a:p>
+            <a:r>
+              <a:rPr lang="ja-JP" altLang="en-US"/>
+              <a:t>出た結果の数値に基づいて意味を解釈する</a:t>
+            </a:r>
+            <a:endParaRPr lang="en-US" altLang="ja-JP" dirty="0"/>
+          </a:p>
+          <a:p>
+            <a:endParaRPr lang="ja-JP" altLang="en-US"/>
+          </a:p>
+        </p:txBody>
+      </p:sp>
+    </p:spTree>
+    <p:extLst>
+      <p:ext uri="{BB962C8B-B14F-4D97-AF65-F5344CB8AC3E}">
+        <p14:creationId xmlns:p14="http://schemas.microsoft.com/office/powerpoint/2010/main" val="2899606778"/>
       </p:ext>
     </p:extLst>
   </p:cSld>
